--- a/Lecture/Week10/Week11.pptx
+++ b/Lecture/Week10/Week11.pptx
@@ -244,7 +244,7 @@
           <a:p>
             <a:fld id="{4CFBB33C-050F-194E-9F71-A5A73BBD8CBC}" type="datetimeFigureOut">
               <a:rPr kumimoji="1" lang="zh-TW" altLang="en-US" smtClean="0"/>
-              <a:t>2020/5/1</a:t>
+              <a:t>2020/5/29</a:t>
             </a:fld>
             <a:endParaRPr kumimoji="1" lang="zh-TW" altLang="en-US"/>
           </a:p>
@@ -308,38 +308,37 @@
           <a:p>
             <a:pPr lvl="0"/>
             <a:r>
-              <a:rPr kumimoji="1" lang="zh-TW" altLang="en-US" smtClean="0"/>
+              <a:rPr kumimoji="1" lang="zh-TW" altLang="en-US"/>
               <a:t>按一下以編輯母片文字樣式</a:t>
             </a:r>
           </a:p>
           <a:p>
             <a:pPr lvl="1"/>
             <a:r>
-              <a:rPr kumimoji="1" lang="zh-TW" altLang="en-US" smtClean="0"/>
+              <a:rPr kumimoji="1" lang="zh-TW" altLang="en-US"/>
               <a:t>第二層</a:t>
             </a:r>
           </a:p>
           <a:p>
             <a:pPr lvl="2"/>
             <a:r>
-              <a:rPr kumimoji="1" lang="zh-TW" altLang="en-US" smtClean="0"/>
+              <a:rPr kumimoji="1" lang="zh-TW" altLang="en-US"/>
               <a:t>第三層</a:t>
             </a:r>
           </a:p>
           <a:p>
             <a:pPr lvl="3"/>
             <a:r>
-              <a:rPr kumimoji="1" lang="zh-TW" altLang="en-US" smtClean="0"/>
+              <a:rPr kumimoji="1" lang="zh-TW" altLang="en-US"/>
               <a:t>第四層</a:t>
             </a:r>
           </a:p>
           <a:p>
             <a:pPr lvl="4"/>
             <a:r>
-              <a:rPr kumimoji="1" lang="zh-TW" altLang="en-US" smtClean="0"/>
+              <a:rPr kumimoji="1" lang="zh-TW" altLang="en-US"/>
               <a:t>第五層</a:t>
             </a:r>
-            <a:endParaRPr kumimoji="1" lang="zh-TW" altLang="en-US"/>
           </a:p>
         </p:txBody>
       </p:sp>
@@ -550,10 +549,9 @@
           <a:lstStyle/>
           <a:p>
             <a:r>
-              <a:rPr kumimoji="1" lang="zh-TW" altLang="en-US" smtClean="0"/>
+              <a:rPr kumimoji="1" lang="zh-TW" altLang="en-US"/>
               <a:t>按一下以編輯母片標題樣式</a:t>
             </a:r>
-            <a:endParaRPr kumimoji="1" lang="zh-TW" altLang="en-US"/>
           </a:p>
         </p:txBody>
       </p:sp>
@@ -669,10 +667,9 @@
           </a:lstStyle>
           <a:p>
             <a:r>
-              <a:rPr kumimoji="1" lang="zh-TW" altLang="en-US" smtClean="0"/>
+              <a:rPr kumimoji="1" lang="zh-TW" altLang="en-US"/>
               <a:t>按一下以編輯母片子標題樣式</a:t>
             </a:r>
-            <a:endParaRPr kumimoji="1" lang="zh-TW" altLang="en-US"/>
           </a:p>
         </p:txBody>
       </p:sp>
@@ -695,7 +692,7 @@
             <a:fld id="{9D21D778-B565-4D7E-94D7-64010A445B68}" type="datetimeFigureOut">
               <a:rPr lang="en-US" smtClean="0"/>
               <a:pPr eaLnBrk="1" latinLnBrk="0" hangingPunct="1"/>
-              <a:t>5/1/2020</a:t>
+              <a:t>5/29/2020</a:t>
             </a:fld>
             <a:endParaRPr lang="en-US"/>
           </a:p>
@@ -789,10 +786,9 @@
           <a:lstStyle/>
           <a:p>
             <a:r>
-              <a:rPr kumimoji="1" lang="zh-TW" altLang="en-US" smtClean="0"/>
+              <a:rPr kumimoji="1" lang="zh-TW" altLang="en-US"/>
               <a:t>按一下以編輯母片標題樣式</a:t>
             </a:r>
-            <a:endParaRPr kumimoji="1" lang="zh-TW" altLang="en-US"/>
           </a:p>
         </p:txBody>
       </p:sp>
@@ -813,38 +809,37 @@
           <a:p>
             <a:pPr lvl="0"/>
             <a:r>
-              <a:rPr kumimoji="1" lang="zh-TW" altLang="en-US" smtClean="0"/>
+              <a:rPr kumimoji="1" lang="zh-TW" altLang="en-US"/>
               <a:t>按一下以編輯母片文字樣式</a:t>
             </a:r>
           </a:p>
           <a:p>
             <a:pPr lvl="1"/>
             <a:r>
-              <a:rPr kumimoji="1" lang="zh-TW" altLang="en-US" smtClean="0"/>
+              <a:rPr kumimoji="1" lang="zh-TW" altLang="en-US"/>
               <a:t>第二層</a:t>
             </a:r>
           </a:p>
           <a:p>
             <a:pPr lvl="2"/>
             <a:r>
-              <a:rPr kumimoji="1" lang="zh-TW" altLang="en-US" smtClean="0"/>
+              <a:rPr kumimoji="1" lang="zh-TW" altLang="en-US"/>
               <a:t>第三層</a:t>
             </a:r>
           </a:p>
           <a:p>
             <a:pPr lvl="3"/>
             <a:r>
-              <a:rPr kumimoji="1" lang="zh-TW" altLang="en-US" smtClean="0"/>
+              <a:rPr kumimoji="1" lang="zh-TW" altLang="en-US"/>
               <a:t>第四層</a:t>
             </a:r>
           </a:p>
           <a:p>
             <a:pPr lvl="4"/>
             <a:r>
-              <a:rPr kumimoji="1" lang="zh-TW" altLang="en-US" smtClean="0"/>
+              <a:rPr kumimoji="1" lang="zh-TW" altLang="en-US"/>
               <a:t>第五層</a:t>
             </a:r>
-            <a:endParaRPr kumimoji="1" lang="zh-TW" altLang="en-US"/>
           </a:p>
         </p:txBody>
       </p:sp>
@@ -865,7 +860,7 @@
           <a:p>
             <a:fld id="{D728701E-CAF4-4159-9B3E-41C86DFFA30D}" type="datetimeFigureOut">
               <a:rPr lang="en-US" smtClean="0"/>
-              <a:t>5/1/2020</a:t>
+              <a:t>5/29/2020</a:t>
             </a:fld>
             <a:endParaRPr lang="en-US"/>
           </a:p>
@@ -964,10 +959,9 @@
           <a:lstStyle/>
           <a:p>
             <a:r>
-              <a:rPr kumimoji="1" lang="zh-TW" altLang="en-US" smtClean="0"/>
+              <a:rPr kumimoji="1" lang="zh-TW" altLang="en-US"/>
               <a:t>按一下以編輯母片標題樣式</a:t>
             </a:r>
-            <a:endParaRPr kumimoji="1" lang="zh-TW" altLang="en-US"/>
           </a:p>
         </p:txBody>
       </p:sp>
@@ -993,38 +987,37 @@
           <a:p>
             <a:pPr lvl="0"/>
             <a:r>
-              <a:rPr kumimoji="1" lang="zh-TW" altLang="en-US" smtClean="0"/>
+              <a:rPr kumimoji="1" lang="zh-TW" altLang="en-US"/>
               <a:t>按一下以編輯母片文字樣式</a:t>
             </a:r>
           </a:p>
           <a:p>
             <a:pPr lvl="1"/>
             <a:r>
-              <a:rPr kumimoji="1" lang="zh-TW" altLang="en-US" smtClean="0"/>
+              <a:rPr kumimoji="1" lang="zh-TW" altLang="en-US"/>
               <a:t>第二層</a:t>
             </a:r>
           </a:p>
           <a:p>
             <a:pPr lvl="2"/>
             <a:r>
-              <a:rPr kumimoji="1" lang="zh-TW" altLang="en-US" smtClean="0"/>
+              <a:rPr kumimoji="1" lang="zh-TW" altLang="en-US"/>
               <a:t>第三層</a:t>
             </a:r>
           </a:p>
           <a:p>
             <a:pPr lvl="3"/>
             <a:r>
-              <a:rPr kumimoji="1" lang="zh-TW" altLang="en-US" smtClean="0"/>
+              <a:rPr kumimoji="1" lang="zh-TW" altLang="en-US"/>
               <a:t>第四層</a:t>
             </a:r>
           </a:p>
           <a:p>
             <a:pPr lvl="4"/>
             <a:r>
-              <a:rPr kumimoji="1" lang="zh-TW" altLang="en-US" smtClean="0"/>
+              <a:rPr kumimoji="1" lang="zh-TW" altLang="en-US"/>
               <a:t>第五層</a:t>
             </a:r>
-            <a:endParaRPr kumimoji="1" lang="zh-TW" altLang="en-US"/>
           </a:p>
         </p:txBody>
       </p:sp>
@@ -1045,7 +1038,7 @@
           <a:p>
             <a:fld id="{D728701E-CAF4-4159-9B3E-41C86DFFA30D}" type="datetimeFigureOut">
               <a:rPr lang="en-US" smtClean="0"/>
-              <a:t>5/1/2020</a:t>
+              <a:t>5/29/2020</a:t>
             </a:fld>
             <a:endParaRPr lang="en-US"/>
           </a:p>
@@ -1140,38 +1133,37 @@
           <a:p>
             <a:pPr lvl="0"/>
             <a:r>
-              <a:rPr kumimoji="1" lang="zh-TW" altLang="en-US" smtClean="0"/>
+              <a:rPr kumimoji="1" lang="zh-TW" altLang="en-US"/>
               <a:t>按一下以編輯母片文字樣式</a:t>
             </a:r>
           </a:p>
           <a:p>
             <a:pPr lvl="1"/>
             <a:r>
-              <a:rPr kumimoji="1" lang="zh-TW" altLang="en-US" smtClean="0"/>
+              <a:rPr kumimoji="1" lang="zh-TW" altLang="en-US"/>
               <a:t>第二層</a:t>
             </a:r>
           </a:p>
           <a:p>
             <a:pPr lvl="2"/>
             <a:r>
-              <a:rPr kumimoji="1" lang="zh-TW" altLang="en-US" smtClean="0"/>
+              <a:rPr kumimoji="1" lang="zh-TW" altLang="en-US"/>
               <a:t>第三層</a:t>
             </a:r>
           </a:p>
           <a:p>
             <a:pPr lvl="3"/>
             <a:r>
-              <a:rPr kumimoji="1" lang="zh-TW" altLang="en-US" smtClean="0"/>
+              <a:rPr kumimoji="1" lang="zh-TW" altLang="en-US"/>
               <a:t>第四層</a:t>
             </a:r>
           </a:p>
           <a:p>
             <a:pPr lvl="4"/>
             <a:r>
-              <a:rPr kumimoji="1" lang="zh-TW" altLang="en-US" smtClean="0"/>
+              <a:rPr kumimoji="1" lang="zh-TW" altLang="en-US"/>
               <a:t>第五層</a:t>
             </a:r>
-            <a:endParaRPr kumimoji="1" lang="zh-TW" altLang="en-US"/>
           </a:p>
         </p:txBody>
       </p:sp>
@@ -1191,10 +1183,9 @@
           <a:lstStyle/>
           <a:p>
             <a:r>
-              <a:rPr lang="zh-TW" altLang="en-US" smtClean="0"/>
+              <a:rPr lang="zh-TW" altLang="en-US"/>
               <a:t>按一下以編輯母片標題樣式</a:t>
             </a:r>
-            <a:endParaRPr lang="zh-TW" altLang="en-US"/>
           </a:p>
         </p:txBody>
       </p:sp>
@@ -1253,10 +1244,9 @@
           </a:lstStyle>
           <a:p>
             <a:r>
-              <a:rPr kumimoji="1" lang="zh-TW" altLang="en-US" smtClean="0"/>
+              <a:rPr kumimoji="1" lang="zh-TW" altLang="en-US"/>
               <a:t>按一下以編輯母片標題樣式</a:t>
             </a:r>
-            <a:endParaRPr kumimoji="1" lang="zh-TW" altLang="en-US"/>
           </a:p>
         </p:txBody>
       </p:sp>
@@ -1373,7 +1363,7 @@
           <a:p>
             <a:pPr lvl="0"/>
             <a:r>
-              <a:rPr kumimoji="1" lang="zh-TW" altLang="en-US" smtClean="0"/>
+              <a:rPr kumimoji="1" lang="zh-TW" altLang="en-US"/>
               <a:t>按一下以編輯母片文字樣式</a:t>
             </a:r>
           </a:p>
@@ -1398,7 +1388,7 @@
             <a:fld id="{9D21D778-B565-4D7E-94D7-64010A445B68}" type="datetimeFigureOut">
               <a:rPr lang="en-US" smtClean="0"/>
               <a:pPr eaLnBrk="1" latinLnBrk="0" hangingPunct="1"/>
-              <a:t>5/1/2020</a:t>
+              <a:t>5/29/2020</a:t>
             </a:fld>
             <a:endParaRPr lang="en-US"/>
           </a:p>
@@ -1492,10 +1482,9 @@
           <a:lstStyle/>
           <a:p>
             <a:r>
-              <a:rPr kumimoji="1" lang="zh-TW" altLang="en-US" smtClean="0"/>
+              <a:rPr kumimoji="1" lang="zh-TW" altLang="en-US"/>
               <a:t>按一下以編輯母片標題樣式</a:t>
             </a:r>
-            <a:endParaRPr kumimoji="1" lang="zh-TW" altLang="en-US"/>
           </a:p>
         </p:txBody>
       </p:sp>
@@ -1549,38 +1538,37 @@
           <a:p>
             <a:pPr lvl="0"/>
             <a:r>
-              <a:rPr kumimoji="1" lang="zh-TW" altLang="en-US" smtClean="0"/>
+              <a:rPr kumimoji="1" lang="zh-TW" altLang="en-US"/>
               <a:t>按一下以編輯母片文字樣式</a:t>
             </a:r>
           </a:p>
           <a:p>
             <a:pPr lvl="1"/>
             <a:r>
-              <a:rPr kumimoji="1" lang="zh-TW" altLang="en-US" smtClean="0"/>
+              <a:rPr kumimoji="1" lang="zh-TW" altLang="en-US"/>
               <a:t>第二層</a:t>
             </a:r>
           </a:p>
           <a:p>
             <a:pPr lvl="2"/>
             <a:r>
-              <a:rPr kumimoji="1" lang="zh-TW" altLang="en-US" smtClean="0"/>
+              <a:rPr kumimoji="1" lang="zh-TW" altLang="en-US"/>
               <a:t>第三層</a:t>
             </a:r>
           </a:p>
           <a:p>
             <a:pPr lvl="3"/>
             <a:r>
-              <a:rPr kumimoji="1" lang="zh-TW" altLang="en-US" smtClean="0"/>
+              <a:rPr kumimoji="1" lang="zh-TW" altLang="en-US"/>
               <a:t>第四層</a:t>
             </a:r>
           </a:p>
           <a:p>
             <a:pPr lvl="4"/>
             <a:r>
-              <a:rPr kumimoji="1" lang="zh-TW" altLang="en-US" smtClean="0"/>
+              <a:rPr kumimoji="1" lang="zh-TW" altLang="en-US"/>
               <a:t>第五層</a:t>
             </a:r>
-            <a:endParaRPr kumimoji="1" lang="zh-TW" altLang="en-US"/>
           </a:p>
         </p:txBody>
       </p:sp>
@@ -1634,38 +1622,37 @@
           <a:p>
             <a:pPr lvl="0"/>
             <a:r>
-              <a:rPr kumimoji="1" lang="zh-TW" altLang="en-US" smtClean="0"/>
+              <a:rPr kumimoji="1" lang="zh-TW" altLang="en-US"/>
               <a:t>按一下以編輯母片文字樣式</a:t>
             </a:r>
           </a:p>
           <a:p>
             <a:pPr lvl="1"/>
             <a:r>
-              <a:rPr kumimoji="1" lang="zh-TW" altLang="en-US" smtClean="0"/>
+              <a:rPr kumimoji="1" lang="zh-TW" altLang="en-US"/>
               <a:t>第二層</a:t>
             </a:r>
           </a:p>
           <a:p>
             <a:pPr lvl="2"/>
             <a:r>
-              <a:rPr kumimoji="1" lang="zh-TW" altLang="en-US" smtClean="0"/>
+              <a:rPr kumimoji="1" lang="zh-TW" altLang="en-US"/>
               <a:t>第三層</a:t>
             </a:r>
           </a:p>
           <a:p>
             <a:pPr lvl="3"/>
             <a:r>
-              <a:rPr kumimoji="1" lang="zh-TW" altLang="en-US" smtClean="0"/>
+              <a:rPr kumimoji="1" lang="zh-TW" altLang="en-US"/>
               <a:t>第四層</a:t>
             </a:r>
           </a:p>
           <a:p>
             <a:pPr lvl="4"/>
             <a:r>
-              <a:rPr kumimoji="1" lang="zh-TW" altLang="en-US" smtClean="0"/>
+              <a:rPr kumimoji="1" lang="zh-TW" altLang="en-US"/>
               <a:t>第五層</a:t>
             </a:r>
-            <a:endParaRPr kumimoji="1" lang="zh-TW" altLang="en-US"/>
           </a:p>
         </p:txBody>
       </p:sp>
@@ -1686,7 +1673,7 @@
           <a:p>
             <a:fld id="{D728701E-CAF4-4159-9B3E-41C86DFFA30D}" type="datetimeFigureOut">
               <a:rPr lang="en-US" smtClean="0"/>
-              <a:t>5/1/2020</a:t>
+              <a:t>5/29/2020</a:t>
             </a:fld>
             <a:endParaRPr lang="en-US"/>
           </a:p>
@@ -1784,10 +1771,9 @@
           </a:lstStyle>
           <a:p>
             <a:r>
-              <a:rPr kumimoji="1" lang="zh-TW" altLang="en-US" smtClean="0"/>
+              <a:rPr kumimoji="1" lang="zh-TW" altLang="en-US"/>
               <a:t>按一下以編輯母片標題樣式</a:t>
             </a:r>
-            <a:endParaRPr kumimoji="1" lang="zh-TW" altLang="en-US"/>
           </a:p>
         </p:txBody>
       </p:sp>
@@ -1850,7 +1836,7 @@
           <a:p>
             <a:pPr lvl="0"/>
             <a:r>
-              <a:rPr kumimoji="1" lang="zh-TW" altLang="en-US" smtClean="0"/>
+              <a:rPr kumimoji="1" lang="zh-TW" altLang="en-US"/>
               <a:t>按一下以編輯母片文字樣式</a:t>
             </a:r>
           </a:p>
@@ -1906,38 +1892,37 @@
           <a:p>
             <a:pPr lvl="0"/>
             <a:r>
-              <a:rPr kumimoji="1" lang="zh-TW" altLang="en-US" smtClean="0"/>
+              <a:rPr kumimoji="1" lang="zh-TW" altLang="en-US"/>
               <a:t>按一下以編輯母片文字樣式</a:t>
             </a:r>
           </a:p>
           <a:p>
             <a:pPr lvl="1"/>
             <a:r>
-              <a:rPr kumimoji="1" lang="zh-TW" altLang="en-US" smtClean="0"/>
+              <a:rPr kumimoji="1" lang="zh-TW" altLang="en-US"/>
               <a:t>第二層</a:t>
             </a:r>
           </a:p>
           <a:p>
             <a:pPr lvl="2"/>
             <a:r>
-              <a:rPr kumimoji="1" lang="zh-TW" altLang="en-US" smtClean="0"/>
+              <a:rPr kumimoji="1" lang="zh-TW" altLang="en-US"/>
               <a:t>第三層</a:t>
             </a:r>
           </a:p>
           <a:p>
             <a:pPr lvl="3"/>
             <a:r>
-              <a:rPr kumimoji="1" lang="zh-TW" altLang="en-US" smtClean="0"/>
+              <a:rPr kumimoji="1" lang="zh-TW" altLang="en-US"/>
               <a:t>第四層</a:t>
             </a:r>
           </a:p>
           <a:p>
             <a:pPr lvl="4"/>
             <a:r>
-              <a:rPr kumimoji="1" lang="zh-TW" altLang="en-US" smtClean="0"/>
+              <a:rPr kumimoji="1" lang="zh-TW" altLang="en-US"/>
               <a:t>第五層</a:t>
             </a:r>
-            <a:endParaRPr kumimoji="1" lang="zh-TW" altLang="en-US"/>
           </a:p>
         </p:txBody>
       </p:sp>
@@ -2000,7 +1985,7 @@
           <a:p>
             <a:pPr lvl="0"/>
             <a:r>
-              <a:rPr kumimoji="1" lang="zh-TW" altLang="en-US" smtClean="0"/>
+              <a:rPr kumimoji="1" lang="zh-TW" altLang="en-US"/>
               <a:t>按一下以編輯母片文字樣式</a:t>
             </a:r>
           </a:p>
@@ -2056,38 +2041,37 @@
           <a:p>
             <a:pPr lvl="0"/>
             <a:r>
-              <a:rPr kumimoji="1" lang="zh-TW" altLang="en-US" smtClean="0"/>
+              <a:rPr kumimoji="1" lang="zh-TW" altLang="en-US"/>
               <a:t>按一下以編輯母片文字樣式</a:t>
             </a:r>
           </a:p>
           <a:p>
             <a:pPr lvl="1"/>
             <a:r>
-              <a:rPr kumimoji="1" lang="zh-TW" altLang="en-US" smtClean="0"/>
+              <a:rPr kumimoji="1" lang="zh-TW" altLang="en-US"/>
               <a:t>第二層</a:t>
             </a:r>
           </a:p>
           <a:p>
             <a:pPr lvl="2"/>
             <a:r>
-              <a:rPr kumimoji="1" lang="zh-TW" altLang="en-US" smtClean="0"/>
+              <a:rPr kumimoji="1" lang="zh-TW" altLang="en-US"/>
               <a:t>第三層</a:t>
             </a:r>
           </a:p>
           <a:p>
             <a:pPr lvl="3"/>
             <a:r>
-              <a:rPr kumimoji="1" lang="zh-TW" altLang="en-US" smtClean="0"/>
+              <a:rPr kumimoji="1" lang="zh-TW" altLang="en-US"/>
               <a:t>第四層</a:t>
             </a:r>
           </a:p>
           <a:p>
             <a:pPr lvl="4"/>
             <a:r>
-              <a:rPr kumimoji="1" lang="zh-TW" altLang="en-US" smtClean="0"/>
+              <a:rPr kumimoji="1" lang="zh-TW" altLang="en-US"/>
               <a:t>第五層</a:t>
             </a:r>
-            <a:endParaRPr kumimoji="1" lang="zh-TW" altLang="en-US"/>
           </a:p>
         </p:txBody>
       </p:sp>
@@ -2108,7 +2092,7 @@
           <a:p>
             <a:fld id="{D728701E-CAF4-4159-9B3E-41C86DFFA30D}" type="datetimeFigureOut">
               <a:rPr lang="en-US" smtClean="0"/>
-              <a:t>5/1/2020</a:t>
+              <a:t>5/29/2020</a:t>
             </a:fld>
             <a:endParaRPr lang="en-US"/>
           </a:p>
@@ -2202,10 +2186,9 @@
           <a:lstStyle/>
           <a:p>
             <a:r>
-              <a:rPr kumimoji="1" lang="zh-TW" altLang="en-US" smtClean="0"/>
+              <a:rPr kumimoji="1" lang="zh-TW" altLang="en-US"/>
               <a:t>按一下以編輯母片標題樣式</a:t>
             </a:r>
-            <a:endParaRPr kumimoji="1" lang="zh-TW" altLang="en-US"/>
           </a:p>
         </p:txBody>
       </p:sp>
@@ -2226,7 +2209,7 @@
           <a:p>
             <a:fld id="{D728701E-CAF4-4159-9B3E-41C86DFFA30D}" type="datetimeFigureOut">
               <a:rPr lang="en-US" smtClean="0"/>
-              <a:t>5/1/2020</a:t>
+              <a:t>5/29/2020</a:t>
             </a:fld>
             <a:endParaRPr lang="en-US"/>
           </a:p>
@@ -2321,7 +2304,7 @@
           <a:p>
             <a:fld id="{D728701E-CAF4-4159-9B3E-41C86DFFA30D}" type="datetimeFigureOut">
               <a:rPr lang="en-US" smtClean="0"/>
-              <a:t>5/1/2020</a:t>
+              <a:t>5/29/2020</a:t>
             </a:fld>
             <a:endParaRPr lang="en-US"/>
           </a:p>
@@ -2424,10 +2407,9 @@
           </a:lstStyle>
           <a:p>
             <a:r>
-              <a:rPr kumimoji="1" lang="zh-TW" altLang="en-US" smtClean="0"/>
+              <a:rPr kumimoji="1" lang="zh-TW" altLang="en-US"/>
               <a:t>按一下以編輯母片標題樣式</a:t>
             </a:r>
-            <a:endParaRPr kumimoji="1" lang="zh-TW" altLang="en-US"/>
           </a:p>
         </p:txBody>
       </p:sp>
@@ -2481,38 +2463,37 @@
           <a:p>
             <a:pPr lvl="0"/>
             <a:r>
-              <a:rPr kumimoji="1" lang="zh-TW" altLang="en-US" smtClean="0"/>
+              <a:rPr kumimoji="1" lang="zh-TW" altLang="en-US"/>
               <a:t>按一下以編輯母片文字樣式</a:t>
             </a:r>
           </a:p>
           <a:p>
             <a:pPr lvl="1"/>
             <a:r>
-              <a:rPr kumimoji="1" lang="zh-TW" altLang="en-US" smtClean="0"/>
+              <a:rPr kumimoji="1" lang="zh-TW" altLang="en-US"/>
               <a:t>第二層</a:t>
             </a:r>
           </a:p>
           <a:p>
             <a:pPr lvl="2"/>
             <a:r>
-              <a:rPr kumimoji="1" lang="zh-TW" altLang="en-US" smtClean="0"/>
+              <a:rPr kumimoji="1" lang="zh-TW" altLang="en-US"/>
               <a:t>第三層</a:t>
             </a:r>
           </a:p>
           <a:p>
             <a:pPr lvl="3"/>
             <a:r>
-              <a:rPr kumimoji="1" lang="zh-TW" altLang="en-US" smtClean="0"/>
+              <a:rPr kumimoji="1" lang="zh-TW" altLang="en-US"/>
               <a:t>第四層</a:t>
             </a:r>
           </a:p>
           <a:p>
             <a:pPr lvl="4"/>
             <a:r>
-              <a:rPr kumimoji="1" lang="zh-TW" altLang="en-US" smtClean="0"/>
+              <a:rPr kumimoji="1" lang="zh-TW" altLang="en-US"/>
               <a:t>第五層</a:t>
             </a:r>
-            <a:endParaRPr kumimoji="1" lang="zh-TW" altLang="en-US"/>
           </a:p>
         </p:txBody>
       </p:sp>
@@ -2575,7 +2556,7 @@
           <a:p>
             <a:pPr lvl="0"/>
             <a:r>
-              <a:rPr kumimoji="1" lang="zh-TW" altLang="en-US" smtClean="0"/>
+              <a:rPr kumimoji="1" lang="zh-TW" altLang="en-US"/>
               <a:t>按一下以編輯母片文字樣式</a:t>
             </a:r>
           </a:p>
@@ -2598,7 +2579,7 @@
           <a:p>
             <a:fld id="{D728701E-CAF4-4159-9B3E-41C86DFFA30D}" type="datetimeFigureOut">
               <a:rPr lang="en-US" smtClean="0"/>
-              <a:t>5/1/2020</a:t>
+              <a:t>5/29/2020</a:t>
             </a:fld>
             <a:endParaRPr lang="en-US"/>
           </a:p>
@@ -2701,10 +2682,9 @@
           </a:lstStyle>
           <a:p>
             <a:r>
-              <a:rPr kumimoji="1" lang="zh-TW" altLang="en-US" smtClean="0"/>
+              <a:rPr kumimoji="1" lang="zh-TW" altLang="en-US"/>
               <a:t>按一下以編輯母片標題樣式</a:t>
             </a:r>
-            <a:endParaRPr kumimoji="1" lang="zh-TW" altLang="en-US"/>
           </a:p>
         </p:txBody>
       </p:sp>
@@ -2828,7 +2808,7 @@
           <a:p>
             <a:pPr lvl="0"/>
             <a:r>
-              <a:rPr kumimoji="1" lang="zh-TW" altLang="en-US" smtClean="0"/>
+              <a:rPr kumimoji="1" lang="zh-TW" altLang="en-US"/>
               <a:t>按一下以編輯母片文字樣式</a:t>
             </a:r>
           </a:p>
@@ -2851,7 +2831,7 @@
           <a:p>
             <a:fld id="{D728701E-CAF4-4159-9B3E-41C86DFFA30D}" type="datetimeFigureOut">
               <a:rPr lang="en-US" smtClean="0"/>
-              <a:t>5/1/2020</a:t>
+              <a:t>5/29/2020</a:t>
             </a:fld>
             <a:endParaRPr lang="en-US"/>
           </a:p>
@@ -2960,10 +2940,9 @@
           <a:lstStyle/>
           <a:p>
             <a:r>
-              <a:rPr kumimoji="1" lang="zh-TW" altLang="en-US" smtClean="0"/>
+              <a:rPr kumimoji="1" lang="zh-TW" altLang="en-US"/>
               <a:t>按一下以編輯母片標題樣式</a:t>
             </a:r>
-            <a:endParaRPr kumimoji="1" lang="zh-TW" altLang="en-US"/>
           </a:p>
         </p:txBody>
       </p:sp>
@@ -2994,38 +2973,37 @@
           <a:p>
             <a:pPr lvl="0"/>
             <a:r>
-              <a:rPr kumimoji="1" lang="zh-TW" altLang="en-US" smtClean="0"/>
+              <a:rPr kumimoji="1" lang="zh-TW" altLang="en-US"/>
               <a:t>按一下以編輯母片文字樣式</a:t>
             </a:r>
           </a:p>
           <a:p>
             <a:pPr lvl="1"/>
             <a:r>
-              <a:rPr kumimoji="1" lang="zh-TW" altLang="en-US" smtClean="0"/>
+              <a:rPr kumimoji="1" lang="zh-TW" altLang="en-US"/>
               <a:t>第二層</a:t>
             </a:r>
           </a:p>
           <a:p>
             <a:pPr lvl="2"/>
             <a:r>
-              <a:rPr kumimoji="1" lang="zh-TW" altLang="en-US" smtClean="0"/>
+              <a:rPr kumimoji="1" lang="zh-TW" altLang="en-US"/>
               <a:t>第三層</a:t>
             </a:r>
           </a:p>
           <a:p>
             <a:pPr lvl="3"/>
             <a:r>
-              <a:rPr kumimoji="1" lang="zh-TW" altLang="en-US" smtClean="0"/>
+              <a:rPr kumimoji="1" lang="zh-TW" altLang="en-US"/>
               <a:t>第四層</a:t>
             </a:r>
           </a:p>
           <a:p>
             <a:pPr lvl="4"/>
             <a:r>
-              <a:rPr kumimoji="1" lang="zh-TW" altLang="en-US" smtClean="0"/>
+              <a:rPr kumimoji="1" lang="zh-TW" altLang="en-US"/>
               <a:t>第五層</a:t>
             </a:r>
-            <a:endParaRPr kumimoji="1" lang="zh-TW" altLang="en-US"/>
           </a:p>
         </p:txBody>
       </p:sp>
@@ -3064,7 +3042,7 @@
           <a:p>
             <a:fld id="{D728701E-CAF4-4159-9B3E-41C86DFFA30D}" type="datetimeFigureOut">
               <a:rPr lang="en-US" smtClean="0"/>
-              <a:t>5/1/2020</a:t>
+              <a:t>5/29/2020</a:t>
             </a:fld>
             <a:endParaRPr lang="en-US"/>
           </a:p>
@@ -4839,7 +4817,7 @@
               <a:p>
                 <a:pPr algn="ctr"/>
                 <a:r>
-                  <a:rPr lang="en-US" altLang="zh-TW" sz="5400" b="1" cap="none" spc="0" dirty="0" smtClean="0">
+                  <a:rPr lang="en-US" altLang="zh-TW" sz="5400" b="1" cap="none" spc="0" dirty="0">
                     <a:ln w="12700">
                       <a:solidFill>
                         <a:schemeClr val="tx2">
@@ -5242,18 +5220,18 @@
           <a:lstStyle/>
           <a:p>
             <a:r>
-              <a:rPr kumimoji="1" lang="en-US" altLang="zh-TW" dirty="0" smtClean="0"/>
+              <a:rPr kumimoji="1" lang="en-US" altLang="zh-TW" dirty="0"/>
               <a:t>Introduction to Programming(II)</a:t>
             </a:r>
             <a:br>
-              <a:rPr kumimoji="1" lang="en-US" altLang="zh-TW" dirty="0" smtClean="0"/>
+              <a:rPr kumimoji="1" lang="en-US" altLang="zh-TW" dirty="0"/>
             </a:br>
             <a:r>
-              <a:rPr kumimoji="1" lang="en-US" altLang="zh-TW" dirty="0" smtClean="0"/>
+              <a:rPr kumimoji="1" lang="en-US" altLang="zh-TW" dirty="0"/>
               <a:t>Week 11: C</a:t>
             </a:r>
             <a:r>
-              <a:rPr kumimoji="1" lang="en-US" altLang="zh-TW" smtClean="0"/>
+              <a:rPr kumimoji="1" lang="en-US" altLang="zh-TW"/>
               <a:t>++ Polymorphism</a:t>
             </a:r>
             <a:endParaRPr kumimoji="1" lang="zh-TW" altLang="en-US" dirty="0"/>
@@ -5276,10 +5254,9 @@
           <a:lstStyle/>
           <a:p>
             <a:r>
-              <a:rPr kumimoji="1" lang="zh-TW" altLang="en-US" dirty="0" smtClean="0"/>
+              <a:rPr kumimoji="1" lang="zh-TW" altLang="en-US" dirty="0"/>
               <a:t>李哲榮</a:t>
             </a:r>
-            <a:endParaRPr kumimoji="1" lang="zh-TW" altLang="en-US" dirty="0"/>
           </a:p>
         </p:txBody>
       </p:sp>
@@ -5293,21 +5270,6 @@
   <p:clrMapOvr>
     <a:masterClrMapping/>
   </p:clrMapOvr>
-  <mc:AlternateContent xmlns:mc="http://schemas.openxmlformats.org/markup-compatibility/2006" xmlns:p14="http://schemas.microsoft.com/office/powerpoint/2010/main">
-    <mc:Choice Requires="p14">
-      <p:transition spd="slow" p14:dur="2000"/>
-    </mc:Choice>
-    <mc:Fallback xmlns="">
-      <p:transition xmlns:p14="http://schemas.microsoft.com/office/powerpoint/2010/main" spd="slow"/>
-    </mc:Fallback>
-  </mc:AlternateContent>
-  <p:timing>
-    <p:tnLst>
-      <p:par>
-        <p:cTn id="1" dur="indefinite" restart="never" nodeType="tmRoot"/>
-      </p:par>
-    </p:tnLst>
-  </p:timing>
 </p:sld>
 </file>
 
@@ -5344,7 +5306,7 @@
           <a:lstStyle/>
           <a:p>
             <a:r>
-              <a:rPr lang="en-US" altLang="zh-TW" dirty="0" smtClean="0"/>
+              <a:rPr lang="en-US" altLang="zh-TW" dirty="0"/>
               <a:t>Example: Array and Vector</a:t>
             </a:r>
             <a:endParaRPr lang="zh-TW" altLang="en-US" dirty="0"/>
@@ -5380,18 +5342,36 @@
               <a:t>class </a:t>
             </a:r>
             <a:r>
-              <a:rPr lang="en-US" altLang="zh-TW" sz="2400" dirty="0" smtClean="0">
+              <a:rPr lang="en-US" altLang="zh-TW" sz="2400" dirty="0">
                 <a:latin typeface="Courier New" panose="02070309020205020404" pitchFamily="49" charset="0"/>
                 <a:cs typeface="Courier New" panose="02070309020205020404" pitchFamily="49" charset="0"/>
               </a:rPr>
               <a:t>Array</a:t>
             </a:r>
             <a:r>
-              <a:rPr lang="zh-TW" altLang="en-US" sz="2400" dirty="0" smtClean="0">
+              <a:rPr lang="zh-TW" altLang="en-US" sz="2400" dirty="0">
                 <a:latin typeface="Courier New" panose="02070309020205020404" pitchFamily="49" charset="0"/>
                 <a:cs typeface="Courier New" panose="02070309020205020404" pitchFamily="49" charset="0"/>
               </a:rPr>
               <a:t>{</a:t>
+            </a:r>
+          </a:p>
+          <a:p>
+            <a:r>
+              <a:rPr lang="zh-TW" altLang="en-US" sz="2400" dirty="0">
+                <a:latin typeface="Courier New" panose="02070309020205020404" pitchFamily="49" charset="0"/>
+                <a:cs typeface="Courier New" panose="02070309020205020404" pitchFamily="49" charset="0"/>
+              </a:rPr>
+              <a:t>public:</a:t>
+            </a:r>
+          </a:p>
+          <a:p>
+            <a:r>
+              <a:rPr lang="en-US" altLang="zh-TW" sz="2400" dirty="0">
+                <a:latin typeface="Courier New" panose="02070309020205020404" pitchFamily="49" charset="0"/>
+                <a:cs typeface="Courier New" panose="02070309020205020404" pitchFamily="49" charset="0"/>
+              </a:rPr>
+              <a:t>  ...</a:t>
             </a:r>
             <a:endParaRPr lang="zh-TW" altLang="en-US" sz="2400" dirty="0">
               <a:latin typeface="Courier New" panose="02070309020205020404" pitchFamily="49" charset="0"/>
@@ -5401,21 +5381,71 @@
           <a:p>
             <a:r>
               <a:rPr lang="zh-TW" altLang="en-US" sz="2400" dirty="0">
-                <a:latin typeface="Courier New" panose="02070309020205020404" pitchFamily="49" charset="0"/>
-                <a:cs typeface="Courier New" panose="02070309020205020404" pitchFamily="49" charset="0"/>
-              </a:rPr>
-              <a:t>public:</a:t>
-            </a:r>
-          </a:p>
-          <a:p>
-            <a:r>
-              <a:rPr lang="en-US" altLang="zh-TW" sz="2400" dirty="0" smtClean="0">
-                <a:latin typeface="Courier New" panose="02070309020205020404" pitchFamily="49" charset="0"/>
-                <a:cs typeface="Courier New" panose="02070309020205020404" pitchFamily="49" charset="0"/>
-              </a:rPr>
-              <a:t>  ...</a:t>
-            </a:r>
-            <a:endParaRPr lang="zh-TW" altLang="en-US" sz="2400" dirty="0">
+                <a:solidFill>
+                  <a:srgbClr val="FF0000"/>
+                </a:solidFill>
+                <a:latin typeface="Courier New" panose="02070309020205020404" pitchFamily="49" charset="0"/>
+                <a:cs typeface="Courier New" panose="02070309020205020404" pitchFamily="49" charset="0"/>
+              </a:rPr>
+              <a:t>   virtual</a:t>
+            </a:r>
+            <a:r>
+              <a:rPr lang="zh-TW" altLang="en-US" sz="2400" dirty="0">
+                <a:latin typeface="Courier New" panose="02070309020205020404" pitchFamily="49" charset="0"/>
+                <a:cs typeface="Courier New" panose="02070309020205020404" pitchFamily="49" charset="0"/>
+              </a:rPr>
+              <a:t> </a:t>
+            </a:r>
+            <a:r>
+              <a:rPr lang="en-US" altLang="zh-TW" sz="2400" dirty="0">
+                <a:latin typeface="Courier New" panose="02070309020205020404" pitchFamily="49" charset="0"/>
+                <a:cs typeface="Courier New" panose="02070309020205020404" pitchFamily="49" charset="0"/>
+              </a:rPr>
+              <a:t>void </a:t>
+            </a:r>
+            <a:r>
+              <a:rPr lang="en-US" altLang="zh-TW" sz="2400" dirty="0" err="1">
+                <a:latin typeface="Courier New" panose="02070309020205020404" pitchFamily="49" charset="0"/>
+                <a:cs typeface="Courier New" panose="02070309020205020404" pitchFamily="49" charset="0"/>
+              </a:rPr>
+              <a:t>setSize</a:t>
+            </a:r>
+            <a:r>
+              <a:rPr lang="zh-TW" altLang="en-US" sz="2400" dirty="0">
+                <a:latin typeface="Courier New" panose="02070309020205020404" pitchFamily="49" charset="0"/>
+                <a:cs typeface="Courier New" panose="02070309020205020404" pitchFamily="49" charset="0"/>
+              </a:rPr>
+              <a:t>(</a:t>
+            </a:r>
+            <a:r>
+              <a:rPr lang="en-US" altLang="zh-TW" sz="2400" dirty="0" err="1">
+                <a:latin typeface="Courier New" panose="02070309020205020404" pitchFamily="49" charset="0"/>
+                <a:cs typeface="Courier New" panose="02070309020205020404" pitchFamily="49" charset="0"/>
+              </a:rPr>
+              <a:t>int</a:t>
+            </a:r>
+            <a:r>
+              <a:rPr lang="en-US" altLang="zh-TW" sz="2400" dirty="0">
+                <a:latin typeface="Courier New" panose="02070309020205020404" pitchFamily="49" charset="0"/>
+                <a:cs typeface="Courier New" panose="02070309020205020404" pitchFamily="49" charset="0"/>
+              </a:rPr>
+              <a:t>, </a:t>
+            </a:r>
+            <a:r>
+              <a:rPr lang="en-US" altLang="zh-TW" sz="2400" dirty="0" err="1">
+                <a:latin typeface="Courier New" panose="02070309020205020404" pitchFamily="49" charset="0"/>
+                <a:cs typeface="Courier New" panose="02070309020205020404" pitchFamily="49" charset="0"/>
+              </a:rPr>
+              <a:t>int</a:t>
+            </a:r>
+            <a:r>
+              <a:rPr lang="zh-TW" altLang="en-US" sz="2400" dirty="0">
+                <a:latin typeface="Courier New" panose="02070309020205020404" pitchFamily="49" charset="0"/>
+                <a:cs typeface="Courier New" panose="02070309020205020404" pitchFamily="49" charset="0"/>
+              </a:rPr>
+              <a:t>); </a:t>
+            </a:r>
+            <a:endParaRPr lang="en-US" altLang="zh-TW" sz="2400" dirty="0">
               <a:latin typeface="Courier New" panose="02070309020205020404" pitchFamily="49" charset="0"/>
               <a:cs typeface="Courier New" panose="02070309020205020404" pitchFamily="49" charset="0"/>
             </a:endParaRPr>
@@ -5436,86 +5466,7 @@
                 <a:latin typeface="Courier New" panose="02070309020205020404" pitchFamily="49" charset="0"/>
                 <a:cs typeface="Courier New" panose="02070309020205020404" pitchFamily="49" charset="0"/>
               </a:rPr>
-              <a:t> </a:t>
-            </a:r>
-            <a:r>
-              <a:rPr lang="en-US" altLang="zh-TW" sz="2400" dirty="0" smtClean="0">
-                <a:latin typeface="Courier New" panose="02070309020205020404" pitchFamily="49" charset="0"/>
-                <a:cs typeface="Courier New" panose="02070309020205020404" pitchFamily="49" charset="0"/>
-              </a:rPr>
-              <a:t>void </a:t>
-            </a:r>
-            <a:r>
-              <a:rPr lang="en-US" altLang="zh-TW" sz="2400" dirty="0" err="1" smtClean="0">
-                <a:latin typeface="Courier New" panose="02070309020205020404" pitchFamily="49" charset="0"/>
-                <a:cs typeface="Courier New" panose="02070309020205020404" pitchFamily="49" charset="0"/>
-              </a:rPr>
-              <a:t>setSize</a:t>
-            </a:r>
-            <a:r>
-              <a:rPr lang="zh-TW" altLang="en-US" sz="2400" dirty="0" smtClean="0">
-                <a:latin typeface="Courier New" panose="02070309020205020404" pitchFamily="49" charset="0"/>
-                <a:cs typeface="Courier New" panose="02070309020205020404" pitchFamily="49" charset="0"/>
-              </a:rPr>
-              <a:t>(</a:t>
-            </a:r>
-            <a:r>
-              <a:rPr lang="en-US" altLang="zh-TW" sz="2400" dirty="0" err="1" smtClean="0">
-                <a:latin typeface="Courier New" panose="02070309020205020404" pitchFamily="49" charset="0"/>
-                <a:cs typeface="Courier New" panose="02070309020205020404" pitchFamily="49" charset="0"/>
-              </a:rPr>
-              <a:t>int</a:t>
-            </a:r>
-            <a:r>
-              <a:rPr lang="en-US" altLang="zh-TW" sz="2400" dirty="0" smtClean="0">
-                <a:latin typeface="Courier New" panose="02070309020205020404" pitchFamily="49" charset="0"/>
-                <a:cs typeface="Courier New" panose="02070309020205020404" pitchFamily="49" charset="0"/>
-              </a:rPr>
-              <a:t>, </a:t>
-            </a:r>
-            <a:r>
-              <a:rPr lang="en-US" altLang="zh-TW" sz="2400" dirty="0" err="1" smtClean="0">
-                <a:latin typeface="Courier New" panose="02070309020205020404" pitchFamily="49" charset="0"/>
-                <a:cs typeface="Courier New" panose="02070309020205020404" pitchFamily="49" charset="0"/>
-              </a:rPr>
-              <a:t>int</a:t>
-            </a:r>
-            <a:r>
-              <a:rPr lang="zh-TW" altLang="en-US" sz="2400" dirty="0" smtClean="0">
-                <a:latin typeface="Courier New" panose="02070309020205020404" pitchFamily="49" charset="0"/>
-                <a:cs typeface="Courier New" panose="02070309020205020404" pitchFamily="49" charset="0"/>
-              </a:rPr>
-              <a:t>); </a:t>
-            </a:r>
-            <a:endParaRPr lang="en-US" altLang="zh-TW" sz="2400" dirty="0" smtClean="0">
-              <a:latin typeface="Courier New" panose="02070309020205020404" pitchFamily="49" charset="0"/>
-              <a:cs typeface="Courier New" panose="02070309020205020404" pitchFamily="49" charset="0"/>
-            </a:endParaRPr>
-          </a:p>
-          <a:p>
-            <a:r>
-              <a:rPr lang="zh-TW" altLang="en-US" sz="2400" dirty="0" smtClean="0">
-                <a:solidFill>
-                  <a:srgbClr val="FF0000"/>
-                </a:solidFill>
-                <a:latin typeface="Courier New" panose="02070309020205020404" pitchFamily="49" charset="0"/>
-                <a:cs typeface="Courier New" panose="02070309020205020404" pitchFamily="49" charset="0"/>
-              </a:rPr>
-              <a:t>   virtual</a:t>
-            </a:r>
-            <a:r>
-              <a:rPr lang="zh-TW" altLang="en-US" sz="2400" dirty="0" smtClean="0">
-                <a:latin typeface="Courier New" panose="02070309020205020404" pitchFamily="49" charset="0"/>
-                <a:cs typeface="Courier New" panose="02070309020205020404" pitchFamily="49" charset="0"/>
-              </a:rPr>
-              <a:t> void </a:t>
-            </a:r>
-            <a:r>
-              <a:rPr lang="zh-TW" altLang="en-US" sz="2400" dirty="0">
-                <a:latin typeface="Courier New" panose="02070309020205020404" pitchFamily="49" charset="0"/>
-                <a:cs typeface="Courier New" panose="02070309020205020404" pitchFamily="49" charset="0"/>
-              </a:rPr>
-              <a:t>print() const; </a:t>
+              <a:t> void print() const; </a:t>
             </a:r>
             <a:endParaRPr lang="zh-TW" altLang="en-US" sz="2400" dirty="0">
               <a:solidFill>
@@ -5527,7 +5478,7 @@
           </a:p>
           <a:p>
             <a:r>
-              <a:rPr lang="zh-TW" altLang="en-US" sz="2400" dirty="0" smtClean="0">
+              <a:rPr lang="zh-TW" altLang="en-US" sz="2400" dirty="0">
                 <a:latin typeface="Courier New" panose="02070309020205020404" pitchFamily="49" charset="0"/>
                 <a:cs typeface="Courier New" panose="02070309020205020404" pitchFamily="49" charset="0"/>
               </a:rPr>
@@ -5544,7 +5495,7 @@
               <a:t>// end class </a:t>
             </a:r>
             <a:r>
-              <a:rPr lang="en-US" altLang="zh-TW" sz="2400" dirty="0" smtClean="0">
+              <a:rPr lang="en-US" altLang="zh-TW" sz="2400" dirty="0">
                 <a:solidFill>
                   <a:srgbClr val="00B050"/>
                 </a:solidFill>
@@ -5592,46 +5543,50 @@
               <a:t>class </a:t>
             </a:r>
             <a:r>
-              <a:rPr lang="en-US" altLang="zh-TW" sz="2400" dirty="0" smtClean="0">
+              <a:rPr lang="en-US" altLang="zh-TW" sz="2400" dirty="0">
                 <a:latin typeface="Courier New" panose="02070309020205020404" pitchFamily="49" charset="0"/>
                 <a:cs typeface="Courier New" panose="02070309020205020404" pitchFamily="49" charset="0"/>
               </a:rPr>
               <a:t>Vector</a:t>
             </a:r>
             <a:r>
-              <a:rPr lang="zh-TW" altLang="en-US" sz="2400" dirty="0" smtClean="0">
-                <a:latin typeface="Courier New" panose="02070309020205020404" pitchFamily="49" charset="0"/>
-                <a:cs typeface="Courier New" panose="02070309020205020404" pitchFamily="49" charset="0"/>
-              </a:rPr>
-              <a:t> </a:t>
-            </a:r>
-            <a:r>
               <a:rPr lang="zh-TW" altLang="en-US" sz="2400" dirty="0">
                 <a:latin typeface="Courier New" panose="02070309020205020404" pitchFamily="49" charset="0"/>
                 <a:cs typeface="Courier New" panose="02070309020205020404" pitchFamily="49" charset="0"/>
               </a:rPr>
-              <a:t>: </a:t>
-            </a:r>
-            <a:r>
-              <a:rPr lang="zh-TW" altLang="en-US" sz="2400" dirty="0" smtClean="0">
-                <a:latin typeface="Courier New" panose="02070309020205020404" pitchFamily="49" charset="0"/>
-                <a:cs typeface="Courier New" panose="02070309020205020404" pitchFamily="49" charset="0"/>
-              </a:rPr>
-              <a:t>public </a:t>
-            </a:r>
-            <a:r>
-              <a:rPr lang="en-US" altLang="zh-TW" sz="2400" dirty="0" smtClean="0">
+              <a:t> : public </a:t>
+            </a:r>
+            <a:r>
+              <a:rPr lang="en-US" altLang="zh-TW" sz="2400" dirty="0">
                 <a:latin typeface="Courier New" panose="02070309020205020404" pitchFamily="49" charset="0"/>
                 <a:cs typeface="Courier New" panose="02070309020205020404" pitchFamily="49" charset="0"/>
               </a:rPr>
               <a:t>Array</a:t>
             </a:r>
             <a:r>
-              <a:rPr lang="zh-TW" altLang="en-US" sz="2400" dirty="0" smtClean="0">
+              <a:rPr lang="zh-TW" altLang="en-US" sz="2400" dirty="0">
                 <a:latin typeface="Courier New" panose="02070309020205020404" pitchFamily="49" charset="0"/>
                 <a:cs typeface="Courier New" panose="02070309020205020404" pitchFamily="49" charset="0"/>
               </a:rPr>
               <a:t> {</a:t>
+            </a:r>
+          </a:p>
+          <a:p>
+            <a:r>
+              <a:rPr lang="zh-TW" altLang="en-US" sz="2400" dirty="0">
+                <a:latin typeface="Courier New" panose="02070309020205020404" pitchFamily="49" charset="0"/>
+                <a:cs typeface="Courier New" panose="02070309020205020404" pitchFamily="49" charset="0"/>
+              </a:rPr>
+              <a:t>public:</a:t>
+            </a:r>
+          </a:p>
+          <a:p>
+            <a:r>
+              <a:rPr lang="en-US" altLang="zh-TW" sz="2400" dirty="0">
+                <a:latin typeface="Courier New" panose="02070309020205020404" pitchFamily="49" charset="0"/>
+                <a:cs typeface="Courier New" panose="02070309020205020404" pitchFamily="49" charset="0"/>
+              </a:rPr>
+              <a:t>...</a:t>
             </a:r>
             <a:endParaRPr lang="zh-TW" altLang="en-US" sz="2400" dirty="0">
               <a:latin typeface="Courier New" panose="02070309020205020404" pitchFamily="49" charset="0"/>
@@ -5644,18 +5599,99 @@
                 <a:latin typeface="Courier New" panose="02070309020205020404" pitchFamily="49" charset="0"/>
                 <a:cs typeface="Courier New" panose="02070309020205020404" pitchFamily="49" charset="0"/>
               </a:rPr>
-              <a:t>public:</a:t>
-            </a:r>
-          </a:p>
-          <a:p>
-            <a:r>
-              <a:rPr lang="en-US" altLang="zh-TW" sz="2400" dirty="0" smtClean="0">
-                <a:latin typeface="Courier New" panose="02070309020205020404" pitchFamily="49" charset="0"/>
-                <a:cs typeface="Courier New" panose="02070309020205020404" pitchFamily="49" charset="0"/>
-              </a:rPr>
-              <a:t>...</a:t>
-            </a:r>
-            <a:endParaRPr lang="zh-TW" altLang="en-US" sz="2400" dirty="0">
+              <a:t>   </a:t>
+            </a:r>
+            <a:r>
+              <a:rPr lang="zh-TW" altLang="en-US" sz="2400" dirty="0">
+                <a:solidFill>
+                  <a:srgbClr val="FF0000"/>
+                </a:solidFill>
+                <a:latin typeface="Courier New" panose="02070309020205020404" pitchFamily="49" charset="0"/>
+                <a:cs typeface="Courier New" panose="02070309020205020404" pitchFamily="49" charset="0"/>
+              </a:rPr>
+              <a:t>virtual</a:t>
+            </a:r>
+            <a:r>
+              <a:rPr lang="zh-TW" altLang="en-US" sz="2400" dirty="0">
+                <a:latin typeface="Courier New" panose="02070309020205020404" pitchFamily="49" charset="0"/>
+                <a:cs typeface="Courier New" panose="02070309020205020404" pitchFamily="49" charset="0"/>
+              </a:rPr>
+              <a:t> </a:t>
+            </a:r>
+            <a:r>
+              <a:rPr lang="en-US" altLang="zh-TW" sz="2400" dirty="0">
+                <a:latin typeface="Courier New" panose="02070309020205020404" pitchFamily="49" charset="0"/>
+                <a:cs typeface="Courier New" panose="02070309020205020404" pitchFamily="49" charset="0"/>
+              </a:rPr>
+              <a:t>void</a:t>
+            </a:r>
+            <a:r>
+              <a:rPr lang="zh-TW" altLang="en-US" sz="2400" dirty="0">
+                <a:latin typeface="Courier New" panose="02070309020205020404" pitchFamily="49" charset="0"/>
+                <a:cs typeface="Courier New" panose="02070309020205020404" pitchFamily="49" charset="0"/>
+              </a:rPr>
+              <a:t> </a:t>
+            </a:r>
+            <a:r>
+              <a:rPr lang="en-US" altLang="zh-TW" sz="2400" dirty="0" err="1">
+                <a:latin typeface="Courier New" panose="02070309020205020404" pitchFamily="49" charset="0"/>
+                <a:cs typeface="Courier New" panose="02070309020205020404" pitchFamily="49" charset="0"/>
+              </a:rPr>
+              <a:t>setSize</a:t>
+            </a:r>
+            <a:r>
+              <a:rPr lang="zh-TW" altLang="en-US" sz="2400" dirty="0">
+                <a:latin typeface="Courier New" panose="02070309020205020404" pitchFamily="49" charset="0"/>
+                <a:cs typeface="Courier New" panose="02070309020205020404" pitchFamily="49" charset="0"/>
+              </a:rPr>
+              <a:t>(</a:t>
+            </a:r>
+            <a:r>
+              <a:rPr lang="en-US" altLang="zh-TW" sz="2400" dirty="0" err="1">
+                <a:latin typeface="Courier New" panose="02070309020205020404" pitchFamily="49" charset="0"/>
+                <a:cs typeface="Courier New" panose="02070309020205020404" pitchFamily="49" charset="0"/>
+              </a:rPr>
+              <a:t>int</a:t>
+            </a:r>
+            <a:r>
+              <a:rPr lang="en-US" altLang="zh-TW" sz="2400" dirty="0">
+                <a:latin typeface="Courier New" panose="02070309020205020404" pitchFamily="49" charset="0"/>
+                <a:cs typeface="Courier New" panose="02070309020205020404" pitchFamily="49" charset="0"/>
+              </a:rPr>
+              <a:t>, </a:t>
+            </a:r>
+            <a:r>
+              <a:rPr lang="en-US" altLang="zh-TW" sz="2400" dirty="0" err="1">
+                <a:latin typeface="Courier New" panose="02070309020205020404" pitchFamily="49" charset="0"/>
+                <a:cs typeface="Courier New" panose="02070309020205020404" pitchFamily="49" charset="0"/>
+              </a:rPr>
+              <a:t>int</a:t>
+            </a:r>
+            <a:r>
+              <a:rPr lang="zh-TW" altLang="en-US" sz="2400" dirty="0">
+                <a:latin typeface="Courier New" panose="02070309020205020404" pitchFamily="49" charset="0"/>
+                <a:cs typeface="Courier New" panose="02070309020205020404" pitchFamily="49" charset="0"/>
+              </a:rPr>
+              <a:t>) </a:t>
+            </a:r>
+            <a:r>
+              <a:rPr lang="zh-TW" altLang="en-US" sz="2400" dirty="0">
+                <a:solidFill>
+                  <a:srgbClr val="FF0000"/>
+                </a:solidFill>
+                <a:latin typeface="Courier New" panose="02070309020205020404" pitchFamily="49" charset="0"/>
+                <a:cs typeface="Courier New" panose="02070309020205020404" pitchFamily="49" charset="0"/>
+              </a:rPr>
+              <a:t>override</a:t>
+            </a:r>
+            <a:r>
+              <a:rPr lang="zh-TW" altLang="en-US" sz="2400" dirty="0">
+                <a:latin typeface="Courier New" panose="02070309020205020404" pitchFamily="49" charset="0"/>
+                <a:cs typeface="Courier New" panose="02070309020205020404" pitchFamily="49" charset="0"/>
+              </a:rPr>
+              <a:t>; </a:t>
+            </a:r>
+            <a:endParaRPr lang="en-US" altLang="zh-TW" sz="2400" dirty="0">
               <a:latin typeface="Courier New" panose="02070309020205020404" pitchFamily="49" charset="0"/>
               <a:cs typeface="Courier New" panose="02070309020205020404" pitchFamily="49" charset="0"/>
             </a:endParaRPr>
@@ -5663,166 +5699,49 @@
           <a:p>
             <a:r>
               <a:rPr lang="zh-TW" altLang="en-US" sz="2400" dirty="0">
-                <a:latin typeface="Courier New" panose="02070309020205020404" pitchFamily="49" charset="0"/>
-                <a:cs typeface="Courier New" panose="02070309020205020404" pitchFamily="49" charset="0"/>
-              </a:rPr>
-              <a:t>   </a:t>
+                <a:solidFill>
+                  <a:srgbClr val="FF0000"/>
+                </a:solidFill>
+                <a:latin typeface="Courier New" panose="02070309020205020404" pitchFamily="49" charset="0"/>
+                <a:cs typeface="Courier New" panose="02070309020205020404" pitchFamily="49" charset="0"/>
+              </a:rPr>
+              <a:t>   virtual</a:t>
             </a:r>
             <a:r>
               <a:rPr lang="zh-TW" altLang="en-US" sz="2400" dirty="0">
+                <a:latin typeface="Courier New" panose="02070309020205020404" pitchFamily="49" charset="0"/>
+                <a:cs typeface="Courier New" panose="02070309020205020404" pitchFamily="49" charset="0"/>
+              </a:rPr>
+              <a:t> void print() const </a:t>
+            </a:r>
+            <a:r>
+              <a:rPr lang="zh-TW" altLang="en-US" sz="2400" dirty="0">
                 <a:solidFill>
                   <a:srgbClr val="FF0000"/>
                 </a:solidFill>
                 <a:latin typeface="Courier New" panose="02070309020205020404" pitchFamily="49" charset="0"/>
                 <a:cs typeface="Courier New" panose="02070309020205020404" pitchFamily="49" charset="0"/>
               </a:rPr>
-              <a:t>virtual</a:t>
+              <a:t>override</a:t>
             </a:r>
             <a:r>
               <a:rPr lang="zh-TW" altLang="en-US" sz="2400" dirty="0">
                 <a:latin typeface="Courier New" panose="02070309020205020404" pitchFamily="49" charset="0"/>
                 <a:cs typeface="Courier New" panose="02070309020205020404" pitchFamily="49" charset="0"/>
               </a:rPr>
-              <a:t> </a:t>
-            </a:r>
-            <a:r>
-              <a:rPr lang="en-US" altLang="zh-TW" sz="2400" dirty="0" smtClean="0">
-                <a:latin typeface="Courier New" panose="02070309020205020404" pitchFamily="49" charset="0"/>
-                <a:cs typeface="Courier New" panose="02070309020205020404" pitchFamily="49" charset="0"/>
-              </a:rPr>
-              <a:t>void</a:t>
-            </a:r>
-            <a:r>
-              <a:rPr lang="zh-TW" altLang="en-US" sz="2400" dirty="0" smtClean="0">
-                <a:latin typeface="Courier New" panose="02070309020205020404" pitchFamily="49" charset="0"/>
-                <a:cs typeface="Courier New" panose="02070309020205020404" pitchFamily="49" charset="0"/>
-              </a:rPr>
-              <a:t> </a:t>
-            </a:r>
-            <a:r>
-              <a:rPr lang="en-US" altLang="zh-TW" sz="2400" dirty="0" err="1" smtClean="0">
-                <a:latin typeface="Courier New" panose="02070309020205020404" pitchFamily="49" charset="0"/>
-                <a:cs typeface="Courier New" panose="02070309020205020404" pitchFamily="49" charset="0"/>
-              </a:rPr>
-              <a:t>setSize</a:t>
-            </a:r>
-            <a:r>
-              <a:rPr lang="zh-TW" altLang="en-US" sz="2400" dirty="0" smtClean="0">
-                <a:latin typeface="Courier New" panose="02070309020205020404" pitchFamily="49" charset="0"/>
-                <a:cs typeface="Courier New" panose="02070309020205020404" pitchFamily="49" charset="0"/>
-              </a:rPr>
-              <a:t>(</a:t>
-            </a:r>
-            <a:r>
-              <a:rPr lang="en-US" altLang="zh-TW" sz="2400" dirty="0" err="1" smtClean="0">
-                <a:latin typeface="Courier New" panose="02070309020205020404" pitchFamily="49" charset="0"/>
-                <a:cs typeface="Courier New" panose="02070309020205020404" pitchFamily="49" charset="0"/>
-              </a:rPr>
-              <a:t>int</a:t>
-            </a:r>
-            <a:r>
-              <a:rPr lang="en-US" altLang="zh-TW" sz="2400" dirty="0" smtClean="0">
-                <a:latin typeface="Courier New" panose="02070309020205020404" pitchFamily="49" charset="0"/>
-                <a:cs typeface="Courier New" panose="02070309020205020404" pitchFamily="49" charset="0"/>
-              </a:rPr>
-              <a:t>, </a:t>
-            </a:r>
-            <a:r>
-              <a:rPr lang="en-US" altLang="zh-TW" sz="2400" dirty="0" err="1" smtClean="0">
-                <a:latin typeface="Courier New" panose="02070309020205020404" pitchFamily="49" charset="0"/>
-                <a:cs typeface="Courier New" panose="02070309020205020404" pitchFamily="49" charset="0"/>
-              </a:rPr>
-              <a:t>int</a:t>
-            </a:r>
-            <a:r>
-              <a:rPr lang="zh-TW" altLang="en-US" sz="2400" dirty="0" smtClean="0">
-                <a:latin typeface="Courier New" panose="02070309020205020404" pitchFamily="49" charset="0"/>
-                <a:cs typeface="Courier New" panose="02070309020205020404" pitchFamily="49" charset="0"/>
-              </a:rPr>
-              <a:t>) </a:t>
-            </a:r>
-            <a:r>
-              <a:rPr lang="zh-TW" altLang="en-US" sz="2400" dirty="0">
-                <a:solidFill>
-                  <a:srgbClr val="FF0000"/>
-                </a:solidFill>
-                <a:latin typeface="Courier New" panose="02070309020205020404" pitchFamily="49" charset="0"/>
-                <a:cs typeface="Courier New" panose="02070309020205020404" pitchFamily="49" charset="0"/>
-              </a:rPr>
-              <a:t>override</a:t>
-            </a:r>
-            <a:r>
-              <a:rPr lang="zh-TW" altLang="en-US" sz="2400" dirty="0">
-                <a:latin typeface="Courier New" panose="02070309020205020404" pitchFamily="49" charset="0"/>
-                <a:cs typeface="Courier New" panose="02070309020205020404" pitchFamily="49" charset="0"/>
-              </a:rPr>
               <a:t>; </a:t>
             </a:r>
-            <a:endParaRPr lang="en-US" altLang="zh-TW" sz="2400" dirty="0" smtClean="0">
+            <a:endParaRPr lang="en-US" altLang="zh-TW" sz="2400" dirty="0">
               <a:latin typeface="Courier New" panose="02070309020205020404" pitchFamily="49" charset="0"/>
               <a:cs typeface="Courier New" panose="02070309020205020404" pitchFamily="49" charset="0"/>
             </a:endParaRPr>
           </a:p>
           <a:p>
             <a:r>
-              <a:rPr lang="zh-TW" altLang="en-US" sz="2400" dirty="0" smtClean="0">
-                <a:solidFill>
-                  <a:srgbClr val="FF0000"/>
-                </a:solidFill>
-                <a:latin typeface="Courier New" panose="02070309020205020404" pitchFamily="49" charset="0"/>
-                <a:cs typeface="Courier New" panose="02070309020205020404" pitchFamily="49" charset="0"/>
-              </a:rPr>
-              <a:t>   virtual</a:t>
-            </a:r>
-            <a:r>
-              <a:rPr lang="zh-TW" altLang="en-US" sz="2400" dirty="0" smtClean="0">
-                <a:latin typeface="Courier New" panose="02070309020205020404" pitchFamily="49" charset="0"/>
-                <a:cs typeface="Courier New" panose="02070309020205020404" pitchFamily="49" charset="0"/>
-              </a:rPr>
-              <a:t> void </a:t>
-            </a:r>
-            <a:r>
               <a:rPr lang="zh-TW" altLang="en-US" sz="2400" dirty="0">
                 <a:latin typeface="Courier New" panose="02070309020205020404" pitchFamily="49" charset="0"/>
                 <a:cs typeface="Courier New" panose="02070309020205020404" pitchFamily="49" charset="0"/>
               </a:rPr>
-              <a:t>print() </a:t>
-            </a:r>
-            <a:r>
-              <a:rPr lang="zh-TW" altLang="en-US" sz="2400" dirty="0" smtClean="0">
-                <a:latin typeface="Courier New" panose="02070309020205020404" pitchFamily="49" charset="0"/>
-                <a:cs typeface="Courier New" panose="02070309020205020404" pitchFamily="49" charset="0"/>
-              </a:rPr>
-              <a:t>const </a:t>
-            </a:r>
-            <a:r>
-              <a:rPr lang="zh-TW" altLang="en-US" sz="2400" dirty="0" smtClean="0">
-                <a:solidFill>
-                  <a:srgbClr val="FF0000"/>
-                </a:solidFill>
-                <a:latin typeface="Courier New" panose="02070309020205020404" pitchFamily="49" charset="0"/>
-                <a:cs typeface="Courier New" panose="02070309020205020404" pitchFamily="49" charset="0"/>
-              </a:rPr>
-              <a:t>override</a:t>
-            </a:r>
-            <a:r>
-              <a:rPr lang="zh-TW" altLang="en-US" sz="2400" dirty="0" smtClean="0">
-                <a:latin typeface="Courier New" panose="02070309020205020404" pitchFamily="49" charset="0"/>
-                <a:cs typeface="Courier New" panose="02070309020205020404" pitchFamily="49" charset="0"/>
-              </a:rPr>
-              <a:t>; </a:t>
-            </a:r>
-            <a:endParaRPr lang="en-US" altLang="zh-TW" sz="2400" dirty="0" smtClean="0">
-              <a:latin typeface="Courier New" panose="02070309020205020404" pitchFamily="49" charset="0"/>
-              <a:cs typeface="Courier New" panose="02070309020205020404" pitchFamily="49" charset="0"/>
-            </a:endParaRPr>
-          </a:p>
-          <a:p>
-            <a:r>
-              <a:rPr lang="zh-TW" altLang="en-US" sz="2400" dirty="0" smtClean="0">
-                <a:latin typeface="Courier New" panose="02070309020205020404" pitchFamily="49" charset="0"/>
-                <a:cs typeface="Courier New" panose="02070309020205020404" pitchFamily="49" charset="0"/>
-              </a:rPr>
               <a:t>}; </a:t>
             </a:r>
             <a:r>
@@ -5836,7 +5755,7 @@
               <a:t>// end class </a:t>
             </a:r>
             <a:r>
-              <a:rPr lang="en-US" altLang="zh-TW" sz="2400" dirty="0" smtClean="0">
+              <a:rPr lang="en-US" altLang="zh-TW" sz="2400" dirty="0">
                 <a:solidFill>
                   <a:srgbClr val="00B050"/>
                 </a:solidFill>
@@ -5865,13 +5784,6 @@
   <p:clrMapOvr>
     <a:masterClrMapping/>
   </p:clrMapOvr>
-  <p:timing>
-    <p:tnLst>
-      <p:par>
-        <p:cTn id="1" dur="indefinite" restart="never" nodeType="tmRoot"/>
-      </p:par>
-    </p:tnLst>
-  </p:timing>
 </p:sld>
 </file>
 
@@ -5908,7 +5820,7 @@
           <a:lstStyle/>
           <a:p>
             <a:r>
-              <a:rPr lang="en-US" altLang="zh-TW" dirty="0" smtClean="0"/>
+              <a:rPr lang="en-US" altLang="zh-TW" dirty="0"/>
               <a:t>Example: driver program</a:t>
             </a:r>
             <a:endParaRPr lang="zh-TW" altLang="en-US" dirty="0"/>
@@ -5937,7 +5849,7 @@
           <a:lstStyle/>
           <a:p>
             <a:r>
-              <a:rPr lang="en-US" altLang="zh-TW" sz="2400" dirty="0" smtClean="0">
+              <a:rPr lang="en-US" altLang="zh-TW" sz="2400" dirty="0">
                 <a:solidFill>
                   <a:srgbClr val="00B050"/>
                 </a:solidFill>
@@ -5947,7 +5859,7 @@
               <a:t>    </a:t>
             </a:r>
             <a:r>
-              <a:rPr lang="en-US" altLang="zh-TW" sz="2400" dirty="0" smtClean="0">
+              <a:rPr lang="en-US" altLang="zh-TW" sz="2400" dirty="0">
                 <a:latin typeface="Courier New" panose="02070309020205020404" pitchFamily="49" charset="0"/>
                 <a:cs typeface="Courier New" panose="02070309020205020404" pitchFamily="49" charset="0"/>
               </a:rPr>
@@ -5963,10 +5875,17 @@
                 <a:latin typeface="Courier New" panose="02070309020205020404" pitchFamily="49" charset="0"/>
                 <a:cs typeface="Courier New" panose="02070309020205020404" pitchFamily="49" charset="0"/>
               </a:rPr>
-              <a:t> </a:t>
-            </a:r>
-            <a:r>
-              <a:rPr lang="en-US" altLang="zh-TW" sz="2400" dirty="0" smtClean="0">
+              <a:t>    </a:t>
+            </a:r>
+            <a:r>
+              <a:rPr lang="en-US" altLang="zh-TW" sz="2400" dirty="0">
+                <a:latin typeface="Courier New" panose="02070309020205020404" pitchFamily="49" charset="0"/>
+                <a:cs typeface="Courier New" panose="02070309020205020404" pitchFamily="49" charset="0"/>
+              </a:rPr>
+              <a:t>Vector v;	</a:t>
+            </a:r>
+            <a:r>
+              <a:rPr lang="zh-TW" altLang="en-US" sz="2400" dirty="0">
                 <a:solidFill>
                   <a:srgbClr val="00B050"/>
                 </a:solidFill>
@@ -5975,24 +5894,7 @@
               </a:rPr>
               <a:t>   </a:t>
             </a:r>
-            <a:r>
-              <a:rPr lang="en-US" altLang="zh-TW" sz="2400" dirty="0" smtClean="0">
-                <a:latin typeface="Courier New" panose="02070309020205020404" pitchFamily="49" charset="0"/>
-                <a:cs typeface="Courier New" panose="02070309020205020404" pitchFamily="49" charset="0"/>
-              </a:rPr>
-              <a:t>Vector v;	</a:t>
-            </a:r>
-            <a:r>
-              <a:rPr lang="zh-TW" altLang="en-US" sz="2400" dirty="0" smtClean="0">
-                <a:solidFill>
-                  <a:srgbClr val="00B050"/>
-                </a:solidFill>
-                <a:latin typeface="Courier New" panose="02070309020205020404" pitchFamily="49" charset="0"/>
-                <a:cs typeface="Courier New" panose="02070309020205020404" pitchFamily="49" charset="0"/>
-              </a:rPr>
-              <a:t>   </a:t>
-            </a:r>
-            <a:endParaRPr lang="en-US" altLang="zh-TW" sz="2400" dirty="0" smtClean="0">
+            <a:endParaRPr lang="en-US" altLang="zh-TW" sz="2400" dirty="0">
               <a:solidFill>
                 <a:srgbClr val="00B050"/>
               </a:solidFill>
@@ -6002,7 +5904,7 @@
           </a:p>
           <a:p>
             <a:r>
-              <a:rPr lang="zh-TW" altLang="en-US" sz="2400" dirty="0" smtClean="0">
+              <a:rPr lang="zh-TW" altLang="en-US" sz="2400" dirty="0">
                 <a:solidFill>
                   <a:srgbClr val="00B050"/>
                 </a:solidFill>
@@ -6012,7 +5914,7 @@
               <a:t>/</a:t>
             </a:r>
             <a:r>
-              <a:rPr lang="en-US" altLang="zh-TW" sz="2400" dirty="0" smtClean="0">
+              <a:rPr lang="en-US" altLang="zh-TW" sz="2400" dirty="0">
                 <a:solidFill>
                   <a:srgbClr val="00B050"/>
                 </a:solidFill>
@@ -6022,37 +5924,17 @@
               <a:t>*</a:t>
             </a:r>
             <a:r>
-              <a:rPr lang="zh-TW" altLang="en-US" sz="2400" dirty="0" smtClean="0">
+              <a:rPr lang="zh-TW" altLang="en-US" sz="2400" dirty="0">
                 <a:solidFill>
                   <a:srgbClr val="00B050"/>
                 </a:solidFill>
                 <a:latin typeface="Courier New" panose="02070309020205020404" pitchFamily="49" charset="0"/>
                 <a:cs typeface="Courier New" panose="02070309020205020404" pitchFamily="49" charset="0"/>
               </a:rPr>
-              <a:t> </a:t>
-            </a:r>
-            <a:r>
-              <a:rPr lang="zh-TW" altLang="en-US" sz="2400" dirty="0">
-                <a:solidFill>
-                  <a:srgbClr val="00B050"/>
-                </a:solidFill>
-                <a:latin typeface="Courier New" panose="02070309020205020404" pitchFamily="49" charset="0"/>
-                <a:cs typeface="Courier New" panose="02070309020205020404" pitchFamily="49" charset="0"/>
-              </a:rPr>
-              <a:t>aim base-class pointer at derived-class object and </a:t>
-            </a:r>
-            <a:r>
-              <a:rPr lang="zh-TW" altLang="en-US" sz="2400" dirty="0" smtClean="0">
-                <a:solidFill>
-                  <a:srgbClr val="00B050"/>
-                </a:solidFill>
-                <a:latin typeface="Courier New" panose="02070309020205020404" pitchFamily="49" charset="0"/>
-                <a:cs typeface="Courier New" panose="02070309020205020404" pitchFamily="49" charset="0"/>
-              </a:rPr>
-              <a:t>print </a:t>
-            </a:r>
-            <a:r>
-              <a:rPr lang="en-US" altLang="zh-TW" sz="2400" dirty="0" smtClean="0">
+              <a:t> aim base-class pointer at derived-class object and print </a:t>
+            </a:r>
+            <a:r>
+              <a:rPr lang="en-US" altLang="zh-TW" sz="2400" dirty="0">
                 <a:solidFill>
                   <a:srgbClr val="00B050"/>
                 </a:solidFill>
@@ -6078,45 +5960,41 @@
               <a:t>   </a:t>
             </a:r>
             <a:r>
-              <a:rPr lang="en-US" altLang="zh-TW" sz="2400" dirty="0" err="1" smtClean="0">
+              <a:rPr lang="en-US" altLang="zh-TW" sz="2400" dirty="0" err="1">
                 <a:latin typeface="Courier New" panose="02070309020205020404" pitchFamily="49" charset="0"/>
                 <a:cs typeface="Courier New" panose="02070309020205020404" pitchFamily="49" charset="0"/>
               </a:rPr>
               <a:t>arrayPtr</a:t>
             </a:r>
             <a:r>
-              <a:rPr lang="zh-TW" altLang="en-US" sz="2400" dirty="0" smtClean="0">
+              <a:rPr lang="zh-TW" altLang="en-US" sz="2400" dirty="0">
                 <a:latin typeface="Courier New" panose="02070309020205020404" pitchFamily="49" charset="0"/>
                 <a:cs typeface="Courier New" panose="02070309020205020404" pitchFamily="49" charset="0"/>
               </a:rPr>
               <a:t> = &amp;</a:t>
             </a:r>
             <a:r>
-              <a:rPr lang="en-US" altLang="zh-TW" sz="2400" dirty="0" smtClean="0">
+              <a:rPr lang="en-US" altLang="zh-TW" sz="2400" dirty="0">
                 <a:latin typeface="Courier New" panose="02070309020205020404" pitchFamily="49" charset="0"/>
                 <a:cs typeface="Courier New" panose="02070309020205020404" pitchFamily="49" charset="0"/>
               </a:rPr>
               <a:t>v</a:t>
             </a:r>
             <a:r>
-              <a:rPr lang="zh-TW" altLang="en-US" sz="2400" dirty="0" smtClean="0">
+              <a:rPr lang="zh-TW" altLang="en-US" sz="2400" dirty="0">
                 <a:latin typeface="Courier New" panose="02070309020205020404" pitchFamily="49" charset="0"/>
                 <a:cs typeface="Courier New" panose="02070309020205020404" pitchFamily="49" charset="0"/>
               </a:rPr>
               <a:t>;</a:t>
             </a:r>
+          </a:p>
+          <a:p>
             <a:endParaRPr lang="zh-TW" altLang="en-US" sz="2400" dirty="0">
               <a:latin typeface="Courier New" panose="02070309020205020404" pitchFamily="49" charset="0"/>
               <a:cs typeface="Courier New" panose="02070309020205020404" pitchFamily="49" charset="0"/>
             </a:endParaRPr>
           </a:p>
           <a:p>
-            <a:endParaRPr lang="zh-TW" altLang="en-US" sz="2400" dirty="0">
-              <a:latin typeface="Courier New" panose="02070309020205020404" pitchFamily="49" charset="0"/>
-              <a:cs typeface="Courier New" panose="02070309020205020404" pitchFamily="49" charset="0"/>
-            </a:endParaRPr>
-          </a:p>
-          <a:p>
             <a:r>
               <a:rPr lang="zh-TW" altLang="en-US" sz="2400" dirty="0">
                 <a:latin typeface="Courier New" panose="02070309020205020404" pitchFamily="49" charset="0"/>
@@ -6125,7 +6003,7 @@
               <a:t>   </a:t>
             </a:r>
             <a:r>
-              <a:rPr lang="zh-TW" altLang="en-US" sz="2400" dirty="0" smtClean="0">
+              <a:rPr lang="zh-TW" altLang="en-US" sz="2400" dirty="0">
                 <a:solidFill>
                   <a:srgbClr val="00B050"/>
                 </a:solidFill>
@@ -6135,7 +6013,7 @@
               <a:t>/</a:t>
             </a:r>
             <a:r>
-              <a:rPr lang="en-US" altLang="zh-TW" sz="2400" dirty="0" smtClean="0">
+              <a:rPr lang="en-US" altLang="zh-TW" sz="2400" dirty="0">
                 <a:solidFill>
                   <a:srgbClr val="00B050"/>
                 </a:solidFill>
@@ -6145,14 +6023,24 @@
               <a:t>*</a:t>
             </a:r>
             <a:r>
-              <a:rPr lang="zh-TW" altLang="en-US" sz="2400" dirty="0" smtClean="0">
+              <a:rPr lang="zh-TW" altLang="en-US" sz="2400" dirty="0">
                 <a:solidFill>
                   <a:srgbClr val="00B050"/>
                 </a:solidFill>
                 <a:latin typeface="Courier New" panose="02070309020205020404" pitchFamily="49" charset="0"/>
                 <a:cs typeface="Courier New" panose="02070309020205020404" pitchFamily="49" charset="0"/>
               </a:rPr>
-              <a:t> </a:t>
+              <a:t> polymorphism; invokes </a:t>
+            </a:r>
+            <a:r>
+              <a:rPr lang="en-US" altLang="zh-TW" sz="2400" dirty="0">
+                <a:solidFill>
+                  <a:srgbClr val="00B050"/>
+                </a:solidFill>
+                <a:latin typeface="Courier New" panose="02070309020205020404" pitchFamily="49" charset="0"/>
+                <a:cs typeface="Courier New" panose="02070309020205020404" pitchFamily="49" charset="0"/>
+              </a:rPr>
+              <a:t>Vector</a:t>
             </a:r>
             <a:r>
               <a:rPr lang="zh-TW" altLang="en-US" sz="2400" dirty="0">
@@ -6162,30 +6050,10 @@
                 <a:latin typeface="Courier New" panose="02070309020205020404" pitchFamily="49" charset="0"/>
                 <a:cs typeface="Courier New" panose="02070309020205020404" pitchFamily="49" charset="0"/>
               </a:rPr>
-              <a:t>polymorphism; invokes </a:t>
-            </a:r>
-            <a:r>
-              <a:rPr lang="en-US" altLang="zh-TW" sz="2400" dirty="0" smtClean="0">
-                <a:solidFill>
-                  <a:srgbClr val="00B050"/>
-                </a:solidFill>
-                <a:latin typeface="Courier New" panose="02070309020205020404" pitchFamily="49" charset="0"/>
-                <a:cs typeface="Courier New" panose="02070309020205020404" pitchFamily="49" charset="0"/>
-              </a:rPr>
-              <a:t>Vector</a:t>
-            </a:r>
-            <a:r>
-              <a:rPr lang="zh-TW" altLang="en-US" sz="2400" dirty="0" smtClean="0">
-                <a:solidFill>
-                  <a:srgbClr val="00B050"/>
-                </a:solidFill>
-                <a:latin typeface="Courier New" panose="02070309020205020404" pitchFamily="49" charset="0"/>
-                <a:cs typeface="Courier New" panose="02070309020205020404" pitchFamily="49" charset="0"/>
-              </a:rPr>
               <a:t>'s print</a:t>
             </a:r>
             <a:r>
-              <a:rPr lang="en-US" altLang="zh-TW" sz="2400" dirty="0" smtClean="0">
+              <a:rPr lang="en-US" altLang="zh-TW" sz="2400" dirty="0">
                 <a:solidFill>
                   <a:srgbClr val="00B050"/>
                 </a:solidFill>
@@ -6211,146 +6079,26 @@
               <a:t>   </a:t>
             </a:r>
             <a:r>
-              <a:rPr lang="en-US" altLang="zh-TW" sz="2400" dirty="0" err="1" smtClean="0">
+              <a:rPr lang="en-US" altLang="zh-TW" sz="2400" dirty="0" err="1">
                 <a:latin typeface="Courier New" panose="02070309020205020404" pitchFamily="49" charset="0"/>
                 <a:cs typeface="Courier New" panose="02070309020205020404" pitchFamily="49" charset="0"/>
               </a:rPr>
               <a:t>arrayPtr</a:t>
             </a:r>
             <a:r>
-              <a:rPr lang="zh-TW" altLang="en-US" sz="2400" dirty="0" smtClean="0">
-                <a:latin typeface="Courier New" panose="02070309020205020404" pitchFamily="49" charset="0"/>
-                <a:cs typeface="Courier New" panose="02070309020205020404" pitchFamily="49" charset="0"/>
-              </a:rPr>
-              <a:t>-&gt;</a:t>
-            </a:r>
-            <a:r>
               <a:rPr lang="zh-TW" altLang="en-US" sz="2400" dirty="0">
                 <a:latin typeface="Courier New" panose="02070309020205020404" pitchFamily="49" charset="0"/>
                 <a:cs typeface="Courier New" panose="02070309020205020404" pitchFamily="49" charset="0"/>
               </a:rPr>
-              <a:t>print()</a:t>
-            </a:r>
-            <a:r>
-              <a:rPr lang="zh-TW" altLang="en-US" sz="2400" dirty="0" smtClean="0">
-                <a:latin typeface="Courier New" panose="02070309020205020404" pitchFamily="49" charset="0"/>
-                <a:cs typeface="Courier New" panose="02070309020205020404" pitchFamily="49" charset="0"/>
-              </a:rPr>
-              <a:t>;</a:t>
-            </a:r>
-            <a:endParaRPr lang="en-US" altLang="zh-TW" sz="2400" dirty="0" smtClean="0">
-              <a:latin typeface="Courier New" panose="02070309020205020404" pitchFamily="49" charset="0"/>
-              <a:cs typeface="Courier New" panose="02070309020205020404" pitchFamily="49" charset="0"/>
-            </a:endParaRPr>
-          </a:p>
-          <a:p>
+              <a:t>-&gt;print();</a:t>
+            </a:r>
             <a:endParaRPr lang="en-US" altLang="zh-TW" sz="2400" dirty="0">
               <a:latin typeface="Courier New" panose="02070309020205020404" pitchFamily="49" charset="0"/>
               <a:cs typeface="Courier New" panose="02070309020205020404" pitchFamily="49" charset="0"/>
             </a:endParaRPr>
           </a:p>
           <a:p>
-            <a:r>
-              <a:rPr lang="en-US" altLang="zh-TW" sz="2400" dirty="0" smtClean="0">
-                <a:latin typeface="Courier New" panose="02070309020205020404" pitchFamily="49" charset="0"/>
-                <a:cs typeface="Courier New" panose="02070309020205020404" pitchFamily="49" charset="0"/>
-              </a:rPr>
-              <a:t>   </a:t>
-            </a:r>
-            <a:r>
-              <a:rPr lang="en-US" altLang="zh-TW" sz="2400" dirty="0" err="1" smtClean="0">
-                <a:latin typeface="Courier New" panose="02070309020205020404" pitchFamily="49" charset="0"/>
-                <a:cs typeface="Courier New" panose="02070309020205020404" pitchFamily="49" charset="0"/>
-              </a:rPr>
-              <a:t>arrayPrt</a:t>
-            </a:r>
-            <a:r>
-              <a:rPr lang="en-US" altLang="zh-TW" sz="2400" dirty="0" smtClean="0">
-                <a:latin typeface="Courier New" panose="02070309020205020404" pitchFamily="49" charset="0"/>
-                <a:cs typeface="Courier New" panose="02070309020205020404" pitchFamily="49" charset="0"/>
-              </a:rPr>
-              <a:t> = &amp;a;</a:t>
-            </a:r>
-          </a:p>
-          <a:p>
-            <a:r>
-              <a:rPr lang="zh-TW" altLang="en-US" sz="2400" dirty="0">
-                <a:latin typeface="Courier New" panose="02070309020205020404" pitchFamily="49" charset="0"/>
-                <a:cs typeface="Courier New" panose="02070309020205020404" pitchFamily="49" charset="0"/>
-              </a:rPr>
-              <a:t> </a:t>
-            </a:r>
-            <a:r>
-              <a:rPr lang="zh-TW" altLang="en-US" sz="2400" dirty="0">
-                <a:solidFill>
-                  <a:srgbClr val="00B050"/>
-                </a:solidFill>
-                <a:latin typeface="Courier New" panose="02070309020205020404" pitchFamily="49" charset="0"/>
-                <a:cs typeface="Courier New" panose="02070309020205020404" pitchFamily="49" charset="0"/>
-              </a:rPr>
-              <a:t>/</a:t>
-            </a:r>
-            <a:r>
-              <a:rPr lang="en-US" altLang="zh-TW" sz="2400" dirty="0">
-                <a:solidFill>
-                  <a:srgbClr val="00B050"/>
-                </a:solidFill>
-                <a:latin typeface="Courier New" panose="02070309020205020404" pitchFamily="49" charset="0"/>
-                <a:cs typeface="Courier New" panose="02070309020205020404" pitchFamily="49" charset="0"/>
-              </a:rPr>
-              <a:t>*</a:t>
-            </a:r>
-            <a:r>
-              <a:rPr lang="zh-TW" altLang="en-US" sz="2400" dirty="0">
-                <a:solidFill>
-                  <a:srgbClr val="00B050"/>
-                </a:solidFill>
-                <a:latin typeface="Courier New" panose="02070309020205020404" pitchFamily="49" charset="0"/>
-                <a:cs typeface="Courier New" panose="02070309020205020404" pitchFamily="49" charset="0"/>
-              </a:rPr>
-              <a:t> polymorphism; invokes </a:t>
-            </a:r>
-            <a:r>
-              <a:rPr lang="en-US" altLang="zh-TW" sz="2400" dirty="0" smtClean="0">
-                <a:solidFill>
-                  <a:srgbClr val="00B050"/>
-                </a:solidFill>
-                <a:latin typeface="Courier New" panose="02070309020205020404" pitchFamily="49" charset="0"/>
-                <a:cs typeface="Courier New" panose="02070309020205020404" pitchFamily="49" charset="0"/>
-              </a:rPr>
-              <a:t>Array</a:t>
-            </a:r>
-            <a:r>
-              <a:rPr lang="zh-TW" altLang="en-US" sz="2400" dirty="0" smtClean="0">
-                <a:solidFill>
-                  <a:srgbClr val="00B050"/>
-                </a:solidFill>
-                <a:latin typeface="Courier New" panose="02070309020205020404" pitchFamily="49" charset="0"/>
-                <a:cs typeface="Courier New" panose="02070309020205020404" pitchFamily="49" charset="0"/>
-              </a:rPr>
-              <a:t>'s </a:t>
-            </a:r>
-            <a:r>
-              <a:rPr lang="zh-TW" altLang="en-US" sz="2400" dirty="0">
-                <a:solidFill>
-                  <a:srgbClr val="00B050"/>
-                </a:solidFill>
-                <a:latin typeface="Courier New" panose="02070309020205020404" pitchFamily="49" charset="0"/>
-                <a:cs typeface="Courier New" panose="02070309020205020404" pitchFamily="49" charset="0"/>
-              </a:rPr>
-              <a:t>print</a:t>
-            </a:r>
-            <a:r>
-              <a:rPr lang="en-US" altLang="zh-TW" sz="2400" dirty="0">
-                <a:solidFill>
-                  <a:srgbClr val="00B050"/>
-                </a:solidFill>
-                <a:latin typeface="Courier New" panose="02070309020205020404" pitchFamily="49" charset="0"/>
-                <a:cs typeface="Courier New" panose="02070309020205020404" pitchFamily="49" charset="0"/>
-              </a:rPr>
-              <a:t>*/</a:t>
-            </a:r>
-            <a:endParaRPr lang="en-US" altLang="zh-TW" sz="2400" dirty="0" smtClean="0">
+            <a:endParaRPr lang="en-US" altLang="zh-TW" sz="2400" dirty="0">
               <a:latin typeface="Courier New" panose="02070309020205020404" pitchFamily="49" charset="0"/>
               <a:cs typeface="Courier New" panose="02070309020205020404" pitchFamily="49" charset="0"/>
             </a:endParaRPr>
@@ -6361,24 +6109,113 @@
                 <a:latin typeface="Courier New" panose="02070309020205020404" pitchFamily="49" charset="0"/>
                 <a:cs typeface="Courier New" panose="02070309020205020404" pitchFamily="49" charset="0"/>
               </a:rPr>
+              <a:t>   </a:t>
+            </a:r>
+            <a:r>
+              <a:rPr lang="en-US" altLang="zh-TW" sz="2400" dirty="0" err="1">
+                <a:latin typeface="Courier New" panose="02070309020205020404" pitchFamily="49" charset="0"/>
+                <a:cs typeface="Courier New" panose="02070309020205020404" pitchFamily="49" charset="0"/>
+              </a:rPr>
+              <a:t>arrayPrt</a:t>
+            </a:r>
+            <a:r>
+              <a:rPr lang="en-US" altLang="zh-TW" sz="2400" dirty="0">
+                <a:latin typeface="Courier New" panose="02070309020205020404" pitchFamily="49" charset="0"/>
+                <a:cs typeface="Courier New" panose="02070309020205020404" pitchFamily="49" charset="0"/>
+              </a:rPr>
+              <a:t> = &amp;a;</a:t>
+            </a:r>
+          </a:p>
+          <a:p>
+            <a:r>
+              <a:rPr lang="zh-TW" altLang="en-US" sz="2400" dirty="0">
+                <a:latin typeface="Courier New" panose="02070309020205020404" pitchFamily="49" charset="0"/>
+                <a:cs typeface="Courier New" panose="02070309020205020404" pitchFamily="49" charset="0"/>
+              </a:rPr>
               <a:t> </a:t>
             </a:r>
             <a:r>
-              <a:rPr lang="en-US" altLang="zh-TW" sz="2400" dirty="0" smtClean="0">
-                <a:latin typeface="Courier New" panose="02070309020205020404" pitchFamily="49" charset="0"/>
-                <a:cs typeface="Courier New" panose="02070309020205020404" pitchFamily="49" charset="0"/>
-              </a:rPr>
-              <a:t>  </a:t>
-            </a:r>
-            <a:r>
-              <a:rPr lang="en-US" altLang="zh-TW" sz="2400" dirty="0" err="1" smtClean="0">
+              <a:rPr lang="zh-TW" altLang="en-US" sz="2400" dirty="0">
+                <a:solidFill>
+                  <a:srgbClr val="00B050"/>
+                </a:solidFill>
+                <a:latin typeface="Courier New" panose="02070309020205020404" pitchFamily="49" charset="0"/>
+                <a:cs typeface="Courier New" panose="02070309020205020404" pitchFamily="49" charset="0"/>
+              </a:rPr>
+              <a:t>/</a:t>
+            </a:r>
+            <a:r>
+              <a:rPr lang="en-US" altLang="zh-TW" sz="2400" dirty="0">
+                <a:solidFill>
+                  <a:srgbClr val="00B050"/>
+                </a:solidFill>
+                <a:latin typeface="Courier New" panose="02070309020205020404" pitchFamily="49" charset="0"/>
+                <a:cs typeface="Courier New" panose="02070309020205020404" pitchFamily="49" charset="0"/>
+              </a:rPr>
+              <a:t>*</a:t>
+            </a:r>
+            <a:r>
+              <a:rPr lang="zh-TW" altLang="en-US" sz="2400" dirty="0">
+                <a:solidFill>
+                  <a:srgbClr val="00B050"/>
+                </a:solidFill>
+                <a:latin typeface="Courier New" panose="02070309020205020404" pitchFamily="49" charset="0"/>
+                <a:cs typeface="Courier New" panose="02070309020205020404" pitchFamily="49" charset="0"/>
+              </a:rPr>
+              <a:t> polymorphism; invokes </a:t>
+            </a:r>
+            <a:r>
+              <a:rPr lang="en-US" altLang="zh-TW" sz="2400" dirty="0">
+                <a:solidFill>
+                  <a:srgbClr val="00B050"/>
+                </a:solidFill>
+                <a:latin typeface="Courier New" panose="02070309020205020404" pitchFamily="49" charset="0"/>
+                <a:cs typeface="Courier New" panose="02070309020205020404" pitchFamily="49" charset="0"/>
+              </a:rPr>
+              <a:t>Array</a:t>
+            </a:r>
+            <a:r>
+              <a:rPr lang="zh-TW" altLang="en-US" sz="2400" dirty="0">
+                <a:solidFill>
+                  <a:srgbClr val="00B050"/>
+                </a:solidFill>
+                <a:latin typeface="Courier New" panose="02070309020205020404" pitchFamily="49" charset="0"/>
+                <a:cs typeface="Courier New" panose="02070309020205020404" pitchFamily="49" charset="0"/>
+              </a:rPr>
+              <a:t>'s print</a:t>
+            </a:r>
+            <a:r>
+              <a:rPr lang="en-US" altLang="zh-TW" sz="2400" dirty="0">
+                <a:solidFill>
+                  <a:srgbClr val="00B050"/>
+                </a:solidFill>
+                <a:latin typeface="Courier New" panose="02070309020205020404" pitchFamily="49" charset="0"/>
+                <a:cs typeface="Courier New" panose="02070309020205020404" pitchFamily="49" charset="0"/>
+              </a:rPr>
+              <a:t>*/</a:t>
+            </a:r>
+            <a:endParaRPr lang="en-US" altLang="zh-TW" sz="2400" dirty="0">
+              <a:latin typeface="Courier New" panose="02070309020205020404" pitchFamily="49" charset="0"/>
+              <a:cs typeface="Courier New" panose="02070309020205020404" pitchFamily="49" charset="0"/>
+            </a:endParaRPr>
+          </a:p>
+          <a:p>
+            <a:r>
+              <a:rPr lang="en-US" altLang="zh-TW" sz="2400" dirty="0">
+                <a:latin typeface="Courier New" panose="02070309020205020404" pitchFamily="49" charset="0"/>
+                <a:cs typeface="Courier New" panose="02070309020205020404" pitchFamily="49" charset="0"/>
+              </a:rPr>
+              <a:t>   </a:t>
+            </a:r>
+            <a:r>
+              <a:rPr lang="en-US" altLang="zh-TW" sz="2400" dirty="0" err="1">
                 <a:latin typeface="Courier New" panose="02070309020205020404" pitchFamily="49" charset="0"/>
                 <a:cs typeface="Courier New" panose="02070309020205020404" pitchFamily="49" charset="0"/>
               </a:rPr>
               <a:t>arraryPtr</a:t>
             </a:r>
             <a:r>
-              <a:rPr lang="en-US" altLang="zh-TW" sz="2400" dirty="0" smtClean="0">
+              <a:rPr lang="en-US" altLang="zh-TW" sz="2400" dirty="0">
                 <a:latin typeface="Courier New" panose="02070309020205020404" pitchFamily="49" charset="0"/>
                 <a:cs typeface="Courier New" panose="02070309020205020404" pitchFamily="49" charset="0"/>
               </a:rPr>
@@ -6401,13 +6238,6 @@
   <p:clrMapOvr>
     <a:masterClrMapping/>
   </p:clrMapOvr>
-  <p:timing>
-    <p:tnLst>
-      <p:par>
-        <p:cTn id="1" dur="indefinite" restart="never" nodeType="tmRoot"/>
-      </p:par>
-    </p:tnLst>
-  </p:timing>
 </p:sld>
 </file>
 
@@ -6446,17 +6276,17 @@
           <a:lstStyle/>
           <a:p>
             <a:r>
-              <a:rPr lang="en-US" altLang="zh-TW" dirty="0" smtClean="0"/>
+              <a:rPr lang="en-US" altLang="zh-TW" dirty="0"/>
               <a:t>To make polymorphism more safe!!</a:t>
             </a:r>
           </a:p>
           <a:p>
             <a:r>
-              <a:rPr lang="en-US" altLang="zh-TW" dirty="0" smtClean="0"/>
+              <a:rPr lang="en-US" altLang="zh-TW" dirty="0"/>
               <a:t>With override, </a:t>
             </a:r>
             <a:r>
-              <a:rPr lang="en-US" altLang="zh-TW" dirty="0" smtClean="0">
+              <a:rPr lang="en-US" altLang="zh-TW" dirty="0">
                 <a:solidFill>
                   <a:srgbClr val="FF0000"/>
                 </a:solidFill>
@@ -6464,20 +6294,20 @@
               <a:t>compiler</a:t>
             </a:r>
             <a:r>
-              <a:rPr lang="en-US" altLang="zh-TW" dirty="0" smtClean="0"/>
+              <a:rPr lang="en-US" altLang="zh-TW" dirty="0"/>
               <a:t> will check if the function really overrides base class’s function </a:t>
             </a:r>
           </a:p>
           <a:p>
             <a:r>
-              <a:rPr lang="en-US" altLang="zh-TW" dirty="0" smtClean="0"/>
+              <a:rPr lang="en-US" altLang="zh-TW" dirty="0"/>
               <a:t>What can go wrong?</a:t>
             </a:r>
           </a:p>
           <a:p>
             <a:pPr lvl="1"/>
             <a:r>
-              <a:rPr lang="en-US" altLang="zh-TW" dirty="0" smtClean="0"/>
+              <a:rPr lang="en-US" altLang="zh-TW" dirty="0"/>
               <a:t>Forget adding virtual in the base class</a:t>
             </a:r>
             <a:endParaRPr lang="zh-TW" altLang="en-US" dirty="0"/>
@@ -6485,10 +6315,18 @@
           <a:p>
             <a:pPr lvl="1"/>
             <a:r>
-              <a:rPr lang="en-US" altLang="zh-TW" dirty="0" smtClean="0"/>
+              <a:rPr lang="en-US" altLang="zh-TW" dirty="0">
+                <a:solidFill>
+                  <a:srgbClr val="FF0000"/>
+                </a:solidFill>
+              </a:rPr>
               <a:t>The interfaces are different in base and derived classes, which often happens when the interface is changed in the base class</a:t>
             </a:r>
-            <a:endParaRPr lang="zh-TW" altLang="en-US" dirty="0"/>
+            <a:endParaRPr lang="zh-TW" altLang="en-US" dirty="0">
+              <a:solidFill>
+                <a:srgbClr val="FF0000"/>
+              </a:solidFill>
+            </a:endParaRPr>
           </a:p>
         </p:txBody>
       </p:sp>
@@ -6508,7 +6346,7 @@
           <a:lstStyle/>
           <a:p>
             <a:r>
-              <a:rPr lang="en-US" altLang="zh-TW" dirty="0" smtClean="0"/>
+              <a:rPr lang="en-US" altLang="zh-TW" dirty="0"/>
               <a:t>Why adding override?</a:t>
             </a:r>
             <a:endParaRPr lang="zh-TW" altLang="en-US" dirty="0"/>
@@ -6525,13 +6363,6 @@
   <p:clrMapOvr>
     <a:masterClrMapping/>
   </p:clrMapOvr>
-  <p:timing>
-    <p:tnLst>
-      <p:par>
-        <p:cTn id="1" dur="indefinite" restart="never" nodeType="tmRoot"/>
-      </p:par>
-    </p:tnLst>
-  </p:timing>
 </p:sld>
 </file>
 
@@ -6570,64 +6401,47 @@
           <a:lstStyle/>
           <a:p>
             <a:r>
-              <a:rPr lang="en-US" altLang="zh-TW" dirty="0" smtClean="0"/>
-              <a:t>Using </a:t>
-            </a:r>
-            <a:r>
               <a:rPr lang="en-US" altLang="zh-TW" dirty="0"/>
-              <a:t>polymorphism to process dynamically allocated objects of a class </a:t>
-            </a:r>
-            <a:r>
-              <a:rPr lang="en-US" altLang="zh-TW" dirty="0" smtClean="0"/>
-              <a:t>hierarchy can cause problems. </a:t>
-            </a:r>
-            <a:endParaRPr lang="en-US" altLang="zh-TW" dirty="0"/>
+              <a:t>Using polymorphism to process dynamically allocated objects of a class hierarchy can cause problems. </a:t>
+            </a:r>
           </a:p>
           <a:p>
             <a:pPr lvl="1"/>
             <a:r>
-              <a:rPr lang="en-US" altLang="zh-TW" dirty="0" smtClean="0"/>
-              <a:t>Ex</a:t>
-            </a:r>
-            <a:r>
-              <a:rPr lang="en-US" altLang="zh-TW" smtClean="0"/>
-              <a:t>: If </a:t>
-            </a:r>
-            <a:r>
-              <a:rPr lang="en-US" altLang="zh-TW" dirty="0" smtClean="0"/>
-              <a:t>Array’s destructor is not virtual </a:t>
+              <a:rPr lang="en-US" altLang="zh-TW" dirty="0"/>
+              <a:t>Ex: If Array’s destructor is not virtual </a:t>
             </a:r>
             <a:br>
-              <a:rPr lang="en-US" altLang="zh-TW" dirty="0" smtClean="0"/>
+              <a:rPr lang="en-US" altLang="zh-TW" dirty="0"/>
             </a:br>
             <a:r>
-              <a:rPr lang="en-US" altLang="zh-TW" sz="2400" dirty="0" smtClean="0">
+              <a:rPr lang="en-US" altLang="zh-TW" sz="2400" dirty="0">
                 <a:latin typeface="Courier New" panose="02070309020205020404" pitchFamily="49" charset="0"/>
                 <a:cs typeface="Courier New" panose="02070309020205020404" pitchFamily="49" charset="0"/>
               </a:rPr>
               <a:t>Array *pa = new Vector(3);</a:t>
             </a:r>
             <a:br>
-              <a:rPr lang="en-US" altLang="zh-TW" sz="2400" dirty="0" smtClean="0">
+              <a:rPr lang="en-US" altLang="zh-TW" sz="2400" dirty="0">
                 <a:latin typeface="Courier New" panose="02070309020205020404" pitchFamily="49" charset="0"/>
                 <a:cs typeface="Courier New" panose="02070309020205020404" pitchFamily="49" charset="0"/>
               </a:rPr>
             </a:br>
             <a:r>
-              <a:rPr lang="en-US" altLang="zh-TW" sz="2400" dirty="0" smtClean="0">
+              <a:rPr lang="en-US" altLang="zh-TW" sz="2400" dirty="0">
                 <a:latin typeface="Courier New" panose="02070309020205020404" pitchFamily="49" charset="0"/>
                 <a:cs typeface="Courier New" panose="02070309020205020404" pitchFamily="49" charset="0"/>
               </a:rPr>
               <a:t>delete pa;  </a:t>
             </a:r>
             <a:br>
-              <a:rPr lang="en-US" altLang="zh-TW" sz="2400" dirty="0" smtClean="0">
+              <a:rPr lang="en-US" altLang="zh-TW" sz="2400" dirty="0">
                 <a:latin typeface="Courier New" panose="02070309020205020404" pitchFamily="49" charset="0"/>
                 <a:cs typeface="Courier New" panose="02070309020205020404" pitchFamily="49" charset="0"/>
               </a:rPr>
             </a:br>
             <a:r>
-              <a:rPr lang="en-US" altLang="zh-TW" sz="2400" dirty="0" smtClean="0">
+              <a:rPr lang="en-US" altLang="zh-TW" sz="2400" dirty="0">
                 <a:solidFill>
                   <a:srgbClr val="00B050"/>
                 </a:solidFill>
@@ -6639,12 +6453,8 @@
           </a:p>
           <a:p>
             <a:r>
-              <a:rPr lang="en-US" altLang="zh-TW" dirty="0" smtClean="0"/>
-              <a:t>A </a:t>
-            </a:r>
-            <a:r>
               <a:rPr lang="en-US" altLang="zh-TW" dirty="0"/>
-              <a:t>simple solution to this problem is to create a </a:t>
+              <a:t>A simple solution to this problem is to create a </a:t>
             </a:r>
             <a:r>
               <a:rPr lang="en-US" altLang="zh-TW" dirty="0">
@@ -6677,7 +6487,7 @@
           <a:lstStyle/>
           <a:p>
             <a:r>
-              <a:rPr lang="en-US" altLang="zh-TW" dirty="0" smtClean="0"/>
+              <a:rPr lang="en-US" altLang="zh-TW" dirty="0"/>
               <a:t>Virtual destructor</a:t>
             </a:r>
             <a:endParaRPr lang="zh-TW" altLang="en-US" dirty="0"/>
@@ -6694,13 +6504,6 @@
   <p:clrMapOvr>
     <a:masterClrMapping/>
   </p:clrMapOvr>
-  <p:timing>
-    <p:tnLst>
-      <p:par>
-        <p:cTn id="1" dur="indefinite" restart="never" nodeType="tmRoot"/>
-      </p:par>
-    </p:tnLst>
-  </p:timing>
 </p:sld>
 </file>
 
@@ -6739,12 +6542,8 @@
           <a:lstStyle/>
           <a:p>
             <a:r>
-              <a:rPr lang="en-US" altLang="zh-TW" dirty="0" smtClean="0"/>
-              <a:t>A base-class </a:t>
-            </a:r>
-            <a:r>
               <a:rPr lang="en-US" altLang="zh-TW" dirty="0"/>
-              <a:t>virtual function that’s declared </a:t>
+              <a:t>A base-class virtual function that’s declared </a:t>
             </a:r>
             <a:r>
               <a:rPr lang="en-US" altLang="zh-TW" dirty="0">
@@ -6764,11 +6563,11 @@
               <a:buNone/>
             </a:pPr>
             <a:r>
-              <a:rPr lang="en-US" altLang="zh-TW" dirty="0" smtClean="0"/>
+              <a:rPr lang="en-US" altLang="zh-TW" dirty="0"/>
               <a:t>	</a:t>
             </a:r>
             <a:r>
-              <a:rPr lang="en-US" altLang="zh-TW" sz="2400" dirty="0" smtClean="0">
+              <a:rPr lang="en-US" altLang="zh-TW" sz="2400" dirty="0">
                 <a:latin typeface="Courier New" panose="02070309020205020404" pitchFamily="49" charset="0"/>
                 <a:cs typeface="Courier New" panose="02070309020205020404" pitchFamily="49" charset="0"/>
               </a:rPr>
@@ -6798,50 +6597,26 @@
               <a:buNone/>
             </a:pPr>
             <a:r>
-              <a:rPr lang="en-US" altLang="zh-TW" dirty="0" smtClean="0"/>
+              <a:rPr lang="en-US" altLang="zh-TW" dirty="0"/>
               <a:t>	</a:t>
             </a:r>
             <a:r>
-              <a:rPr lang="en-US" altLang="zh-TW" dirty="0" smtClean="0">
+              <a:rPr lang="en-US" altLang="zh-TW" dirty="0">
                 <a:solidFill>
                   <a:srgbClr val="FF0000"/>
                 </a:solidFill>
               </a:rPr>
-              <a:t>CANNOT </a:t>
-            </a:r>
-            <a:r>
-              <a:rPr lang="en-US" altLang="zh-TW" dirty="0">
-                <a:solidFill>
-                  <a:srgbClr val="FF0000"/>
-                </a:solidFill>
-              </a:rPr>
-              <a:t>be overridden</a:t>
+              <a:t>CANNOT be overridden</a:t>
             </a:r>
             <a:r>
               <a:rPr lang="en-US" altLang="zh-TW" dirty="0"/>
-              <a:t> in any derived </a:t>
-            </a:r>
-            <a:r>
-              <a:rPr lang="en-US" altLang="zh-TW" dirty="0" smtClean="0"/>
-              <a:t>class.</a:t>
-            </a:r>
-          </a:p>
-          <a:p>
-            <a:r>
-              <a:rPr lang="en-US" altLang="zh-TW" dirty="0" smtClean="0"/>
-              <a:t>This </a:t>
-            </a:r>
+              <a:t> in any derived class.</a:t>
+            </a:r>
+          </a:p>
+          <a:p>
             <a:r>
               <a:rPr lang="en-US" altLang="zh-TW" dirty="0"/>
-              <a:t>guarantees that the base class’s final </a:t>
-            </a:r>
-            <a:r>
-              <a:rPr lang="en-US" altLang="zh-TW" dirty="0" smtClean="0"/>
-              <a:t>member </a:t>
-            </a:r>
-            <a:r>
-              <a:rPr lang="en-US" altLang="zh-TW" dirty="0"/>
-              <a:t>function definition will be used by all base-class objects and by all objects of the base class’s direct and indirect derived classes. </a:t>
+              <a:t>This guarantees that the base class’s final member function definition will be used by all base-class objects and by all objects of the base class’s direct and indirect derived classes. </a:t>
             </a:r>
           </a:p>
         </p:txBody>
@@ -6862,7 +6637,7 @@
           <a:lstStyle/>
           <a:p>
             <a:r>
-              <a:rPr lang="en-US" altLang="zh-TW" dirty="0" smtClean="0"/>
+              <a:rPr lang="en-US" altLang="zh-TW" dirty="0"/>
               <a:t>Final member function</a:t>
             </a:r>
             <a:endParaRPr lang="zh-TW" altLang="en-US" dirty="0"/>
@@ -6879,13 +6654,6 @@
   <p:clrMapOvr>
     <a:masterClrMapping/>
   </p:clrMapOvr>
-  <p:timing>
-    <p:tnLst>
-      <p:par>
-        <p:cTn id="1" dur="indefinite" restart="never" nodeType="tmRoot"/>
-      </p:par>
-    </p:tnLst>
-  </p:timing>
 </p:sld>
 </file>
 
@@ -6937,24 +6705,19 @@
             </a:r>
             <a:r>
               <a:rPr lang="en-US" altLang="zh-TW" dirty="0"/>
-              <a:t> to prevent it from being used as a base </a:t>
-            </a:r>
-            <a:r>
-              <a:rPr lang="en-US" altLang="zh-TW" dirty="0" smtClean="0"/>
-              <a:t>class</a:t>
-            </a:r>
-            <a:endParaRPr lang="en-US" altLang="zh-TW" dirty="0"/>
+              <a:t> to prevent it from being used as a base class</a:t>
+            </a:r>
           </a:p>
           <a:p>
             <a:pPr marL="0" indent="0">
               <a:buNone/>
             </a:pPr>
             <a:r>
-              <a:rPr lang="en-US" altLang="zh-TW" dirty="0" smtClean="0"/>
+              <a:rPr lang="en-US" altLang="zh-TW" dirty="0"/>
               <a:t>	</a:t>
             </a:r>
             <a:r>
-              <a:rPr lang="en-US" altLang="zh-TW" dirty="0" smtClean="0">
+              <a:rPr lang="en-US" altLang="zh-TW" dirty="0">
                 <a:latin typeface="Courier New" panose="02070309020205020404" pitchFamily="49" charset="0"/>
                 <a:cs typeface="Courier New" panose="02070309020205020404" pitchFamily="49" charset="0"/>
               </a:rPr>
@@ -6975,7 +6738,7 @@
               <a:t> </a:t>
             </a:r>
             <a:r>
-              <a:rPr lang="en-US" altLang="zh-TW" dirty="0" smtClean="0">
+              <a:rPr lang="en-US" altLang="zh-TW" dirty="0">
                 <a:solidFill>
                   <a:srgbClr val="FF0000"/>
                 </a:solidFill>
@@ -6985,41 +6748,23 @@
               <a:t>final</a:t>
             </a:r>
             <a:r>
-              <a:rPr lang="en-US" altLang="zh-TW" dirty="0" smtClean="0">
+              <a:rPr lang="en-US" altLang="zh-TW" dirty="0">
                 <a:latin typeface="Courier New" panose="02070309020205020404" pitchFamily="49" charset="0"/>
                 <a:cs typeface="Courier New" panose="02070309020205020404" pitchFamily="49" charset="0"/>
               </a:rPr>
               <a:t> {</a:t>
             </a:r>
-            <a:endParaRPr lang="en-US" altLang="zh-TW" dirty="0">
-              <a:latin typeface="Courier New" panose="02070309020205020404" pitchFamily="49" charset="0"/>
-              <a:cs typeface="Courier New" panose="02070309020205020404" pitchFamily="49" charset="0"/>
-            </a:endParaRPr>
           </a:p>
           <a:p>
             <a:pPr marL="0" indent="0">
               <a:buNone/>
             </a:pPr>
             <a:r>
-              <a:rPr lang="en-US" altLang="zh-TW" dirty="0" smtClean="0">
-                <a:latin typeface="Courier New" panose="02070309020205020404" pitchFamily="49" charset="0"/>
-                <a:cs typeface="Courier New" panose="02070309020205020404" pitchFamily="49" charset="0"/>
-              </a:rPr>
-              <a:t>     </a:t>
-            </a:r>
-            <a:r>
               <a:rPr lang="en-US" altLang="zh-TW" dirty="0">
                 <a:latin typeface="Courier New" panose="02070309020205020404" pitchFamily="49" charset="0"/>
                 <a:cs typeface="Courier New" panose="02070309020205020404" pitchFamily="49" charset="0"/>
               </a:rPr>
-              <a:t>// class </a:t>
-            </a:r>
-            <a:r>
-              <a:rPr lang="en-US" altLang="zh-TW" dirty="0" smtClean="0">
-                <a:latin typeface="Courier New" panose="02070309020205020404" pitchFamily="49" charset="0"/>
-                <a:cs typeface="Courier New" panose="02070309020205020404" pitchFamily="49" charset="0"/>
-              </a:rPr>
-              <a:t>body</a:t>
+              <a:t>     // class body</a:t>
             </a:r>
           </a:p>
           <a:p>
@@ -7031,19 +6776,8 @@
                 <a:latin typeface="Courier New" panose="02070309020205020404" pitchFamily="49" charset="0"/>
                 <a:cs typeface="Courier New" panose="02070309020205020404" pitchFamily="49" charset="0"/>
               </a:rPr>
-              <a:t>	</a:t>
-            </a:r>
-            <a:r>
-              <a:rPr lang="en-US" altLang="zh-TW" dirty="0" smtClean="0">
-                <a:latin typeface="Courier New" panose="02070309020205020404" pitchFamily="49" charset="0"/>
-                <a:cs typeface="Courier New" panose="02070309020205020404" pitchFamily="49" charset="0"/>
-              </a:rPr>
-              <a:t>}; </a:t>
-            </a:r>
-            <a:endParaRPr lang="en-US" altLang="zh-TW" dirty="0">
-              <a:latin typeface="Courier New" panose="02070309020205020404" pitchFamily="49" charset="0"/>
-              <a:cs typeface="Courier New" panose="02070309020205020404" pitchFamily="49" charset="0"/>
-            </a:endParaRPr>
+              <a:t>	}; </a:t>
+            </a:r>
           </a:p>
           <a:p>
             <a:r>
@@ -7069,7 +6803,7 @@
           <a:lstStyle/>
           <a:p>
             <a:r>
-              <a:rPr lang="en-US" altLang="zh-TW" dirty="0" smtClean="0"/>
+              <a:rPr lang="en-US" altLang="zh-TW" dirty="0"/>
               <a:t>Final class</a:t>
             </a:r>
             <a:endParaRPr lang="zh-TW" altLang="en-US" dirty="0"/>
@@ -7086,13 +6820,6 @@
   <p:clrMapOvr>
     <a:masterClrMapping/>
   </p:clrMapOvr>
-  <p:timing>
-    <p:tnLst>
-      <p:par>
-        <p:cTn id="1" dur="indefinite" restart="never" nodeType="tmRoot"/>
-      </p:par>
-    </p:tnLst>
-  </p:timing>
 </p:sld>
 </file>
 
@@ -7131,7 +6858,7 @@
           <a:lstStyle/>
           <a:p>
             <a:r>
-              <a:rPr lang="en-US" altLang="zh-TW" dirty="0" smtClean="0">
+              <a:rPr lang="en-US" altLang="zh-TW" dirty="0">
                 <a:solidFill>
                   <a:srgbClr val="FF0000"/>
                 </a:solidFill>
@@ -7139,39 +6866,22 @@
               <a:t>Abstract classes</a:t>
             </a:r>
             <a:r>
-              <a:rPr lang="en-US" altLang="zh-TW" dirty="0" smtClean="0"/>
+              <a:rPr lang="en-US" altLang="zh-TW" dirty="0"/>
               <a:t> define the function interfaces without some implementations of them.</a:t>
             </a:r>
-            <a:endParaRPr lang="en-US" altLang="zh-TW" dirty="0"/>
-          </a:p>
-          <a:p>
-            <a:r>
-              <a:rPr lang="en-US" altLang="zh-TW" dirty="0" smtClean="0"/>
-              <a:t>Abstract </a:t>
+          </a:p>
+          <a:p>
+            <a:r>
+              <a:rPr lang="en-US" altLang="zh-TW" dirty="0">
+                <a:solidFill>
+                  <a:srgbClr val="FF0000"/>
+                </a:solidFill>
+              </a:rPr>
+              <a:t>Abstract classes cannot be used to instantiate objects, because they are incomplete.  </a:t>
             </a:r>
             <a:r>
               <a:rPr lang="en-US" altLang="zh-TW" dirty="0"/>
-              <a:t>classes cannot be used to instantiate objects, </a:t>
-            </a:r>
-            <a:r>
-              <a:rPr lang="en-US" altLang="zh-TW" dirty="0" smtClean="0"/>
-              <a:t>because they </a:t>
-            </a:r>
-            <a:r>
-              <a:rPr lang="en-US" altLang="zh-TW" dirty="0"/>
-              <a:t>are </a:t>
-            </a:r>
-            <a:r>
-              <a:rPr lang="en-US" altLang="zh-TW" dirty="0" smtClean="0"/>
-              <a:t>incomplete.  But an </a:t>
-            </a:r>
-            <a:r>
-              <a:rPr lang="en-US" altLang="zh-TW" dirty="0"/>
-              <a:t>abstract class is a base class from which other classes can inherit</a:t>
-            </a:r>
-            <a:r>
-              <a:rPr lang="en-US" altLang="zh-TW" dirty="0" smtClean="0"/>
-              <a:t>.</a:t>
+              <a:t>But an abstract class is a base class from which other classes can inherit.</a:t>
             </a:r>
           </a:p>
           <a:p>
@@ -7185,29 +6895,12 @@
                   <a:srgbClr val="FF0000"/>
                 </a:solidFill>
               </a:rPr>
-              <a:t>concrete </a:t>
-            </a:r>
-            <a:r>
-              <a:rPr lang="en-US" altLang="zh-TW" dirty="0" smtClean="0">
-                <a:solidFill>
-                  <a:srgbClr val="FF0000"/>
-                </a:solidFill>
-              </a:rPr>
-              <a:t>classes</a:t>
-            </a:r>
-            <a:r>
-              <a:rPr lang="en-US" altLang="zh-TW" dirty="0" smtClean="0"/>
-              <a:t>, which define </a:t>
+              <a:t>concrete classes</a:t>
             </a:r>
             <a:r>
               <a:rPr lang="en-US" altLang="zh-TW" dirty="0"/>
-              <a:t>every member function they declare</a:t>
-            </a:r>
-            <a:r>
-              <a:rPr lang="en-US" altLang="zh-TW" dirty="0" smtClean="0"/>
-              <a:t>.</a:t>
-            </a:r>
-            <a:endParaRPr lang="en-US" altLang="zh-TW" dirty="0"/>
+              <a:t>, which define every member function they declare.</a:t>
+            </a:r>
           </a:p>
         </p:txBody>
       </p:sp>
@@ -7227,7 +6920,7 @@
           <a:lstStyle/>
           <a:p>
             <a:r>
-              <a:rPr lang="en-US" altLang="zh-TW" dirty="0" smtClean="0"/>
+              <a:rPr lang="en-US" altLang="zh-TW" dirty="0"/>
               <a:t>Abstract classes</a:t>
             </a:r>
             <a:endParaRPr lang="zh-TW" altLang="en-US" dirty="0"/>
@@ -7244,13 +6937,6 @@
   <p:clrMapOvr>
     <a:masterClrMapping/>
   </p:clrMapOvr>
-  <p:timing>
-    <p:tnLst>
-      <p:par>
-        <p:cTn id="1" dur="indefinite" restart="never" nodeType="tmRoot"/>
-      </p:par>
-    </p:tnLst>
-  </p:timing>
 </p:sld>
 </file>
 
@@ -7287,29 +6973,29 @@
           <a:lstStyle/>
           <a:p>
             <a:r>
-              <a:rPr lang="en-US" altLang="zh-TW" dirty="0" smtClean="0"/>
+              <a:rPr lang="en-US" altLang="zh-TW" dirty="0"/>
               <a:t>We can define </a:t>
             </a:r>
             <a:r>
-              <a:rPr lang="en-US" altLang="zh-TW" dirty="0" err="1" smtClean="0"/>
+              <a:rPr lang="en-US" altLang="zh-TW" dirty="0" err="1"/>
               <a:t>setSize</a:t>
             </a:r>
             <a:r>
-              <a:rPr lang="en-US" altLang="zh-TW" dirty="0" smtClean="0"/>
+              <a:rPr lang="en-US" altLang="zh-TW" dirty="0"/>
               <a:t> function in Continuous List without any concrete implementations.</a:t>
             </a:r>
           </a:p>
           <a:p>
             <a:r>
-              <a:rPr lang="en-US" altLang="zh-TW" dirty="0" smtClean="0"/>
+              <a:rPr lang="en-US" altLang="zh-TW" dirty="0"/>
               <a:t>Array and Vector need to implement </a:t>
             </a:r>
             <a:r>
-              <a:rPr lang="en-US" altLang="zh-TW" dirty="0" err="1" smtClean="0"/>
+              <a:rPr lang="en-US" altLang="zh-TW" dirty="0" err="1"/>
               <a:t>setSize</a:t>
             </a:r>
             <a:r>
-              <a:rPr lang="en-US" altLang="zh-TW" dirty="0" smtClean="0"/>
+              <a:rPr lang="en-US" altLang="zh-TW" dirty="0"/>
               <a:t>.</a:t>
             </a:r>
             <a:endParaRPr lang="zh-TW" altLang="en-US" dirty="0"/>
@@ -7332,16 +7018,8 @@
           <a:lstStyle/>
           <a:p>
             <a:r>
-              <a:rPr lang="en-US" altLang="zh-TW" dirty="0" smtClean="0"/>
-              <a:t>Example: </a:t>
-            </a:r>
-            <a:r>
-              <a:rPr lang="en-US" altLang="zh-TW"/>
-              <a:t>C</a:t>
-            </a:r>
-            <a:r>
-              <a:rPr lang="en-US" altLang="zh-TW" smtClean="0"/>
-              <a:t>ontinuous List</a:t>
+              <a:rPr lang="en-US" altLang="zh-TW" dirty="0"/>
+              <a:t>Example: Continuous List</a:t>
             </a:r>
             <a:endParaRPr lang="zh-TW" altLang="en-US" dirty="0"/>
           </a:p>
@@ -7382,7 +7060,7 @@
           <a:p>
             <a:pPr algn="ctr"/>
             <a:r>
-              <a:rPr lang="en-US" altLang="zh-TW" sz="2400" dirty="0" smtClean="0"/>
+              <a:rPr lang="en-US" altLang="zh-TW" sz="2400" dirty="0"/>
               <a:t>Continuous List</a:t>
             </a:r>
             <a:endParaRPr lang="zh-TW" altLang="en-US" sz="2400" dirty="0"/>
@@ -7424,7 +7102,7 @@
           <a:p>
             <a:pPr algn="ctr"/>
             <a:r>
-              <a:rPr lang="en-US" altLang="zh-TW" sz="2400" dirty="0" smtClean="0"/>
+              <a:rPr lang="en-US" altLang="zh-TW" sz="2400" dirty="0"/>
               <a:t>Array</a:t>
             </a:r>
             <a:endParaRPr lang="zh-TW" altLang="en-US" sz="2400" dirty="0"/>
@@ -7466,7 +7144,7 @@
           <a:p>
             <a:pPr algn="ctr"/>
             <a:r>
-              <a:rPr lang="en-US" altLang="zh-TW" sz="2400" dirty="0" smtClean="0"/>
+              <a:rPr lang="en-US" altLang="zh-TW" sz="2400" dirty="0"/>
               <a:t>Vector</a:t>
             </a:r>
             <a:endParaRPr lang="zh-TW" altLang="en-US" sz="2400" dirty="0"/>
@@ -7557,13 +7235,6 @@
   <p:clrMapOvr>
     <a:masterClrMapping/>
   </p:clrMapOvr>
-  <p:timing>
-    <p:tnLst>
-      <p:par>
-        <p:cTn id="1" dur="indefinite" restart="never" nodeType="tmRoot"/>
-      </p:par>
-    </p:tnLst>
-  </p:timing>
 </p:sld>
 </file>
 
@@ -7606,46 +7277,22 @@
               <a:t>A class is made abstract by declaring one or more </a:t>
             </a:r>
             <a:r>
-              <a:rPr lang="en-US" altLang="zh-TW" dirty="0" smtClean="0">
+              <a:rPr lang="en-US" altLang="zh-TW" dirty="0">
                 <a:solidFill>
                   <a:srgbClr val="FF0000"/>
                 </a:solidFill>
               </a:rPr>
-              <a:t>pure </a:t>
-            </a:r>
-            <a:r>
-              <a:rPr lang="en-US" altLang="zh-TW" dirty="0">
-                <a:solidFill>
-                  <a:srgbClr val="FF0000"/>
-                </a:solidFill>
-              </a:rPr>
-              <a:t>virtual </a:t>
-            </a:r>
-            <a:r>
-              <a:rPr lang="en-US" altLang="zh-TW" dirty="0" smtClean="0">
-                <a:solidFill>
-                  <a:srgbClr val="FF0000"/>
-                </a:solidFill>
-              </a:rPr>
-              <a:t>functions</a:t>
-            </a:r>
-            <a:r>
-              <a:rPr lang="en-US" altLang="zh-TW" dirty="0" smtClean="0"/>
+              <a:t>pure virtual functions</a:t>
+            </a:r>
+            <a:r>
+              <a:rPr lang="en-US" altLang="zh-TW" dirty="0"/>
               <a:t>. </a:t>
             </a:r>
           </a:p>
           <a:p>
             <a:r>
-              <a:rPr lang="en-US" altLang="zh-TW" dirty="0" smtClean="0"/>
-              <a:t>A </a:t>
-            </a:r>
-            <a:r>
               <a:rPr lang="en-US" altLang="zh-TW" dirty="0"/>
-              <a:t>pure virtual function is specified by placing “= 0” in its declaration, as </a:t>
-            </a:r>
-            <a:r>
-              <a:rPr lang="en-US" altLang="zh-TW" dirty="0" smtClean="0"/>
-              <a:t>in</a:t>
+              <a:t>A pure virtual function is specified by placing “= 0” in its declaration, as in</a:t>
             </a:r>
           </a:p>
           <a:p>
@@ -7653,60 +7300,53 @@
               <a:buNone/>
             </a:pPr>
             <a:r>
-              <a:rPr lang="en-US" altLang="zh-TW" sz="2800" dirty="0" smtClean="0">
+              <a:rPr lang="en-US" altLang="zh-TW" sz="2800" dirty="0">
                 <a:latin typeface="Courier New" panose="02070309020205020404" pitchFamily="49" charset="0"/>
                 <a:cs typeface="Courier New" panose="02070309020205020404" pitchFamily="49" charset="0"/>
               </a:rPr>
               <a:t>virtual void </a:t>
             </a:r>
             <a:r>
-              <a:rPr lang="en-US" altLang="zh-TW" sz="2800" dirty="0" err="1" smtClean="0">
+              <a:rPr lang="en-US" altLang="zh-TW" sz="2800" dirty="0" err="1">
                 <a:latin typeface="Courier New" panose="02070309020205020404" pitchFamily="49" charset="0"/>
                 <a:cs typeface="Courier New" panose="02070309020205020404" pitchFamily="49" charset="0"/>
               </a:rPr>
               <a:t>setSize</a:t>
             </a:r>
             <a:r>
-              <a:rPr lang="en-US" altLang="zh-TW" sz="2800" dirty="0" smtClean="0">
+              <a:rPr lang="en-US" altLang="zh-TW" sz="2800" dirty="0">
                 <a:latin typeface="Courier New" panose="02070309020205020404" pitchFamily="49" charset="0"/>
                 <a:cs typeface="Courier New" panose="02070309020205020404" pitchFamily="49" charset="0"/>
               </a:rPr>
               <a:t>(</a:t>
             </a:r>
             <a:r>
-              <a:rPr lang="en-US" altLang="zh-TW" sz="2800" dirty="0" err="1" smtClean="0">
+              <a:rPr lang="en-US" altLang="zh-TW" sz="2800" dirty="0" err="1">
                 <a:latin typeface="Courier New" panose="02070309020205020404" pitchFamily="49" charset="0"/>
                 <a:cs typeface="Courier New" panose="02070309020205020404" pitchFamily="49" charset="0"/>
               </a:rPr>
               <a:t>int</a:t>
             </a:r>
             <a:r>
-              <a:rPr lang="en-US" altLang="zh-TW" sz="2800" dirty="0" smtClean="0">
+              <a:rPr lang="en-US" altLang="zh-TW" sz="2800" dirty="0">
                 <a:latin typeface="Courier New" panose="02070309020205020404" pitchFamily="49" charset="0"/>
                 <a:cs typeface="Courier New" panose="02070309020205020404" pitchFamily="49" charset="0"/>
               </a:rPr>
               <a:t>) </a:t>
             </a:r>
             <a:r>
-              <a:rPr lang="en-US" altLang="zh-TW" sz="2800" dirty="0" err="1" smtClean="0">
+              <a:rPr lang="en-US" altLang="zh-TW" sz="2800" dirty="0" err="1">
                 <a:latin typeface="Courier New" panose="02070309020205020404" pitchFamily="49" charset="0"/>
                 <a:cs typeface="Courier New" panose="02070309020205020404" pitchFamily="49" charset="0"/>
               </a:rPr>
               <a:t>const</a:t>
             </a:r>
             <a:r>
-              <a:rPr lang="en-US" altLang="zh-TW" sz="2800" dirty="0" smtClean="0">
-                <a:latin typeface="Courier New" panose="02070309020205020404" pitchFamily="49" charset="0"/>
-                <a:cs typeface="Courier New" panose="02070309020205020404" pitchFamily="49" charset="0"/>
-              </a:rPr>
-              <a:t>=0</a:t>
-            </a:r>
-            <a:r>
               <a:rPr lang="en-US" altLang="zh-TW" sz="2800" dirty="0">
                 <a:latin typeface="Courier New" panose="02070309020205020404" pitchFamily="49" charset="0"/>
                 <a:cs typeface="Courier New" panose="02070309020205020404" pitchFamily="49" charset="0"/>
               </a:rPr>
-              <a:t>; </a:t>
+              <a:t>=0; </a:t>
             </a:r>
           </a:p>
           <a:p>
@@ -7727,13 +7367,8 @@
           <a:p>
             <a:r>
               <a:rPr lang="en-US" altLang="zh-TW" dirty="0"/>
-              <a:t>Pure virtual functions typically do not provide implementations, though they can</a:t>
-            </a:r>
-            <a:r>
-              <a:rPr lang="en-US" altLang="zh-TW" dirty="0" smtClean="0"/>
-              <a:t>.</a:t>
-            </a:r>
-            <a:endParaRPr lang="en-US" altLang="zh-TW" dirty="0"/>
+              <a:t>Pure virtual functions typically do not provide implementations, though they can.</a:t>
+            </a:r>
           </a:p>
         </p:txBody>
       </p:sp>
@@ -7753,7 +7388,7 @@
           <a:lstStyle/>
           <a:p>
             <a:r>
-              <a:rPr lang="en-US" altLang="zh-TW" dirty="0" smtClean="0"/>
+              <a:rPr lang="en-US" altLang="zh-TW" dirty="0"/>
               <a:t>Pure virtual function</a:t>
             </a:r>
             <a:endParaRPr lang="zh-TW" altLang="en-US" dirty="0"/>
@@ -7770,13 +7405,6 @@
   <p:clrMapOvr>
     <a:masterClrMapping/>
   </p:clrMapOvr>
-  <p:timing>
-    <p:tnLst>
-      <p:par>
-        <p:cTn id="1" dur="indefinite" restart="never" nodeType="tmRoot"/>
-      </p:par>
-    </p:tnLst>
-  </p:timing>
 </p:sld>
 </file>
 
@@ -7815,7 +7443,7 @@
           <a:lstStyle/>
           <a:p>
             <a:r>
-              <a:rPr lang="en-US" altLang="zh-TW" dirty="0" smtClean="0"/>
+              <a:rPr lang="en-US" altLang="zh-TW" dirty="0"/>
               <a:t>A </a:t>
             </a:r>
             <a:r>
@@ -7828,11 +7456,15 @@
             </a:r>
             <a:r>
               <a:rPr lang="en-US" altLang="zh-TW" dirty="0"/>
-              <a:t> does not have an implementation and requires the derived class to override the function for that derived class to be concrete; otherwise the derived class remains abstract</a:t>
-            </a:r>
-            <a:r>
-              <a:rPr lang="en-US" altLang="zh-TW" dirty="0" smtClean="0"/>
-              <a:t>.</a:t>
+              <a:t> does not have an implementation and requires the derived class to override the function for that derived class to be concrete; </a:t>
+            </a:r>
+            <a:r>
+              <a:rPr lang="en-US" altLang="zh-TW" dirty="0">
+                <a:solidFill>
+                  <a:srgbClr val="FF0000"/>
+                </a:solidFill>
+              </a:rPr>
+              <a:t>otherwise the derived class remains abstract.</a:t>
             </a:r>
           </a:p>
           <a:p>
@@ -7850,11 +7482,19 @@
             </a:r>
             <a:r>
               <a:rPr lang="en-US" altLang="zh-TW" dirty="0"/>
-              <a:t> must override all base-class pure virtual functions with concrete implementations of those functions; otherwise the derived class is also abstract.</a:t>
-            </a:r>
-          </a:p>
-          <a:p>
-            <a:endParaRPr lang="en-US" altLang="zh-TW" dirty="0" smtClean="0"/>
+              <a:t> must override all base-class pure virtual functions with concrete implementations of those functions; </a:t>
+            </a:r>
+            <a:r>
+              <a:rPr lang="en-US" altLang="zh-TW" dirty="0">
+                <a:solidFill>
+                  <a:srgbClr val="FF0000"/>
+                </a:solidFill>
+              </a:rPr>
+              <a:t>otherwise the derived class is also abstract.</a:t>
+            </a:r>
+          </a:p>
+          <a:p>
+            <a:endParaRPr lang="en-US" altLang="zh-TW" dirty="0"/>
           </a:p>
         </p:txBody>
       </p:sp>
@@ -7874,7 +7514,7 @@
           <a:lstStyle/>
           <a:p>
             <a:r>
-              <a:rPr lang="en-US" altLang="zh-TW" dirty="0" smtClean="0"/>
+              <a:rPr lang="en-US" altLang="zh-TW" dirty="0"/>
               <a:t>Virtual and concrete functions</a:t>
             </a:r>
             <a:endParaRPr lang="zh-TW" altLang="en-US" dirty="0"/>
@@ -7891,13 +7531,6 @@
   <p:clrMapOvr>
     <a:masterClrMapping/>
   </p:clrMapOvr>
-  <p:timing>
-    <p:tnLst>
-      <p:par>
-        <p:cTn id="1" dur="indefinite" restart="never" nodeType="tmRoot"/>
-      </p:par>
-    </p:tnLst>
-  </p:timing>
 </p:sld>
 </file>
 
@@ -7941,55 +7574,55 @@
           <a:lstStyle/>
           <a:p>
             <a:r>
-              <a:rPr lang="en-US" altLang="zh-TW" b="1" dirty="0" smtClean="0"/>
+              <a:rPr lang="en-US" altLang="zh-TW" b="1" dirty="0"/>
               <a:t>Encapsulation</a:t>
             </a:r>
             <a:r>
-              <a:rPr lang="en-US" altLang="zh-TW" dirty="0" smtClean="0"/>
+              <a:rPr lang="en-US" altLang="zh-TW" dirty="0"/>
               <a:t> (</a:t>
             </a:r>
             <a:r>
-              <a:rPr lang="zh-TW" altLang="en-US" dirty="0" smtClean="0"/>
+              <a:rPr lang="zh-TW" altLang="en-US" dirty="0"/>
               <a:t>封裝</a:t>
             </a:r>
             <a:r>
-              <a:rPr lang="en-US" altLang="zh-TW" dirty="0" smtClean="0"/>
+              <a:rPr lang="en-US" altLang="zh-TW" dirty="0"/>
               <a:t>):</a:t>
             </a:r>
             <a:r>
-              <a:rPr lang="zh-TW" altLang="en-US" dirty="0" smtClean="0"/>
+              <a:rPr lang="zh-TW" altLang="en-US" dirty="0"/>
               <a:t> </a:t>
             </a:r>
             <a:r>
-              <a:rPr lang="en-US" altLang="zh-TW" dirty="0" smtClean="0"/>
+              <a:rPr lang="en-US" altLang="zh-TW" dirty="0"/>
               <a:t>Data and methods to manipulate data (function) are tightly coupled, and others should not change them arbitrarily.</a:t>
             </a:r>
           </a:p>
           <a:p>
             <a:r>
-              <a:rPr lang="en-US" altLang="zh-TW" b="1" dirty="0" smtClean="0"/>
+              <a:rPr lang="en-US" altLang="zh-TW" b="1" dirty="0"/>
               <a:t>Inheritance</a:t>
             </a:r>
             <a:r>
-              <a:rPr lang="zh-TW" altLang="en-US" dirty="0" smtClean="0"/>
+              <a:rPr lang="zh-TW" altLang="en-US" dirty="0"/>
               <a:t> </a:t>
             </a:r>
             <a:r>
-              <a:rPr lang="en-US" altLang="zh-TW" dirty="0" smtClean="0"/>
+              <a:rPr lang="en-US" altLang="zh-TW" dirty="0"/>
               <a:t>(</a:t>
             </a:r>
             <a:r>
-              <a:rPr lang="zh-TW" altLang="en-US" dirty="0" smtClean="0"/>
+              <a:rPr lang="zh-TW" altLang="en-US" dirty="0"/>
               <a:t>繼承</a:t>
             </a:r>
             <a:r>
-              <a:rPr lang="en-US" altLang="zh-TW" dirty="0" smtClean="0"/>
+              <a:rPr lang="en-US" altLang="zh-TW" dirty="0"/>
               <a:t>): Data and functions should have a hierarchy so that the common part of data or actions (functions) can be reused.</a:t>
             </a:r>
           </a:p>
           <a:p>
             <a:r>
-              <a:rPr lang="en-US" altLang="zh-TW" b="1" dirty="0" smtClean="0">
+              <a:rPr lang="en-US" altLang="zh-TW" b="1" dirty="0">
                 <a:solidFill>
                   <a:srgbClr val="FF0000"/>
                 </a:solidFill>
@@ -7997,7 +7630,7 @@
               <a:t>Polymorphism</a:t>
             </a:r>
             <a:r>
-              <a:rPr lang="zh-TW" altLang="en-US" dirty="0" smtClean="0">
+              <a:rPr lang="zh-TW" altLang="en-US" dirty="0">
                 <a:solidFill>
                   <a:srgbClr val="FF0000"/>
                 </a:solidFill>
@@ -8005,7 +7638,7 @@
               <a:t> </a:t>
             </a:r>
             <a:r>
-              <a:rPr lang="en-US" altLang="zh-TW" dirty="0" smtClean="0">
+              <a:rPr lang="en-US" altLang="zh-TW" dirty="0">
                 <a:solidFill>
                   <a:srgbClr val="FF0000"/>
                 </a:solidFill>
@@ -8013,7 +7646,7 @@
               <a:t>(</a:t>
             </a:r>
             <a:r>
-              <a:rPr lang="zh-TW" altLang="en-US" dirty="0" smtClean="0">
+              <a:rPr lang="zh-TW" altLang="en-US" dirty="0">
                 <a:solidFill>
                   <a:srgbClr val="FF0000"/>
                 </a:solidFill>
@@ -8021,7 +7654,7 @@
               <a:t>多型</a:t>
             </a:r>
             <a:r>
-              <a:rPr lang="en-US" altLang="zh-TW" dirty="0" smtClean="0">
+              <a:rPr lang="en-US" altLang="zh-TW" dirty="0">
                 <a:solidFill>
                   <a:srgbClr val="FF0000"/>
                 </a:solidFill>
@@ -8052,11 +7685,11 @@
           <a:lstStyle/>
           <a:p>
             <a:r>
-              <a:rPr lang="en-US" altLang="zh-TW" smtClean="0"/>
+              <a:rPr lang="en-US" altLang="zh-TW"/>
               <a:t>Object-oriented </a:t>
             </a:r>
             <a:r>
-              <a:rPr lang="en-US" altLang="zh-TW" dirty="0" smtClean="0"/>
+              <a:rPr lang="en-US" altLang="zh-TW" dirty="0"/>
               <a:t>design</a:t>
             </a:r>
             <a:endParaRPr lang="zh-TW" altLang="en-US" dirty="0"/>
@@ -8073,13 +7706,6 @@
   <p:clrMapOvr>
     <a:masterClrMapping/>
   </p:clrMapOvr>
-  <p:timing>
-    <p:tnLst>
-      <p:par>
-        <p:cTn id="1" dur="indefinite" restart="never" nodeType="tmRoot"/>
-      </p:par>
-    </p:tnLst>
-  </p:timing>
 </p:sld>
 </file>
 
@@ -8167,7 +7793,7 @@
           <a:lstStyle/>
           <a:p>
             <a:r>
-              <a:rPr lang="en-US" altLang="zh-TW" dirty="0" smtClean="0"/>
+              <a:rPr lang="en-US" altLang="zh-TW" dirty="0"/>
               <a:t>Abstract classes and polymorphism</a:t>
             </a:r>
             <a:endParaRPr lang="zh-TW" altLang="en-US" dirty="0"/>
@@ -8184,13 +7810,6 @@
   <p:clrMapOvr>
     <a:masterClrMapping/>
   </p:clrMapOvr>
-  <p:timing>
-    <p:tnLst>
-      <p:par>
-        <p:cTn id="1" dur="indefinite" restart="never" nodeType="tmRoot"/>
-      </p:par>
-    </p:tnLst>
-  </p:timing>
 </p:sld>
 </file>
 
@@ -8229,54 +7848,54 @@
           <a:lstStyle/>
           <a:p>
             <a:r>
-              <a:rPr lang="en-US" altLang="zh-TW" dirty="0" smtClean="0"/>
+              <a:rPr lang="en-US" altLang="zh-TW" dirty="0"/>
               <a:t>Normal member functions after inheritance </a:t>
             </a:r>
           </a:p>
           <a:p>
             <a:pPr lvl="1"/>
             <a:r>
-              <a:rPr lang="en-US" altLang="zh-TW" dirty="0" smtClean="0"/>
+              <a:rPr lang="en-US" altLang="zh-TW" dirty="0"/>
               <a:t>Based on the type of pointer or references</a:t>
             </a:r>
           </a:p>
           <a:p>
             <a:r>
-              <a:rPr lang="en-US" altLang="zh-TW" dirty="0" smtClean="0"/>
+              <a:rPr lang="en-US" altLang="zh-TW" dirty="0"/>
               <a:t>Virtual function</a:t>
             </a:r>
           </a:p>
           <a:p>
             <a:pPr lvl="1"/>
             <a:r>
-              <a:rPr lang="en-US" altLang="zh-TW" dirty="0" smtClean="0"/>
+              <a:rPr lang="en-US" altLang="zh-TW" dirty="0"/>
               <a:t>Based on the real data type, not the type of pointer or references</a:t>
             </a:r>
           </a:p>
           <a:p>
             <a:pPr lvl="1"/>
             <a:r>
-              <a:rPr lang="en-US" altLang="zh-TW" dirty="0" smtClean="0"/>
+              <a:rPr lang="en-US" altLang="zh-TW" dirty="0"/>
               <a:t>Final virtual function: cannot be overridden </a:t>
             </a:r>
           </a:p>
           <a:p>
             <a:r>
-              <a:rPr lang="en-US" altLang="zh-TW" dirty="0" smtClean="0"/>
+              <a:rPr lang="en-US" altLang="zh-TW" dirty="0"/>
               <a:t>Abstract class and pure virtual function</a:t>
             </a:r>
           </a:p>
           <a:p>
             <a:pPr lvl="1"/>
             <a:r>
-              <a:rPr lang="en-US" altLang="zh-TW" dirty="0" smtClean="0"/>
+              <a:rPr lang="en-US" altLang="zh-TW" dirty="0"/>
               <a:t>Only interface, no implementation.</a:t>
             </a:r>
           </a:p>
           <a:p>
             <a:pPr lvl="1"/>
             <a:r>
-              <a:rPr lang="en-US" altLang="zh-TW" dirty="0" smtClean="0"/>
+              <a:rPr lang="en-US" altLang="zh-TW" dirty="0"/>
               <a:t>Cannot be instantiated, but can be inherited.</a:t>
             </a:r>
             <a:endParaRPr lang="zh-TW" altLang="en-US" dirty="0"/>
@@ -8299,7 +7918,7 @@
           <a:lstStyle/>
           <a:p>
             <a:r>
-              <a:rPr lang="en-US" altLang="zh-TW" dirty="0" smtClean="0"/>
+              <a:rPr lang="en-US" altLang="zh-TW" dirty="0"/>
               <a:t>Summary </a:t>
             </a:r>
             <a:endParaRPr lang="zh-TW" altLang="en-US" dirty="0"/>
@@ -8316,13 +7935,6 @@
   <p:clrMapOvr>
     <a:masterClrMapping/>
   </p:clrMapOvr>
-  <p:timing>
-    <p:tnLst>
-      <p:par>
-        <p:cTn id="1" dur="indefinite" restart="never" nodeType="tmRoot"/>
-      </p:par>
-    </p:tnLst>
-  </p:timing>
 </p:sld>
 </file>
 
@@ -8359,7 +7971,7 @@
           <a:lstStyle/>
           <a:p>
             <a:r>
-              <a:rPr lang="en-US" altLang="zh-TW" smtClean="0"/>
+              <a:rPr lang="en-US" altLang="zh-TW"/>
               <a:t>Dynamic cast</a:t>
             </a:r>
             <a:endParaRPr lang="zh-TW" altLang="en-US" dirty="0"/>
@@ -8395,13 +8007,6 @@
   <p:clrMapOvr>
     <a:masterClrMapping/>
   </p:clrMapOvr>
-  <p:timing>
-    <p:tnLst>
-      <p:par>
-        <p:cTn id="1" dur="indefinite" restart="never" nodeType="tmRoot"/>
-      </p:par>
-    </p:tnLst>
-  </p:timing>
 </p:sld>
 </file>
 
@@ -8438,12 +8043,8 @@
           <a:lstStyle/>
           <a:p>
             <a:r>
-              <a:rPr lang="en-US" altLang="zh-TW" dirty="0" smtClean="0"/>
-              <a:t>explicit </a:t>
-            </a:r>
-            <a:r>
               <a:rPr lang="en-US" altLang="zh-TW" dirty="0"/>
-              <a:t>type conversion</a:t>
+              <a:t>explicit type conversion</a:t>
             </a:r>
           </a:p>
         </p:txBody>
@@ -8472,38 +8073,22 @@
           <a:p>
             <a:pPr algn="just"/>
             <a:r>
-              <a:rPr lang="en-US" altLang="zh-TW" dirty="0" smtClean="0"/>
+              <a:rPr lang="en-US" altLang="zh-TW" dirty="0"/>
               <a:t>Four casts</a:t>
             </a:r>
             <a:r>
-              <a:rPr lang="zh-TW" altLang="en-US" dirty="0" smtClean="0"/>
+              <a:rPr lang="zh-TW" altLang="en-US" dirty="0"/>
               <a:t> </a:t>
             </a:r>
             <a:r>
-              <a:rPr lang="en-US" altLang="zh-TW" dirty="0" smtClean="0"/>
-              <a:t>in C++. </a:t>
-            </a:r>
-            <a:r>
               <a:rPr lang="en-US" altLang="zh-TW" dirty="0"/>
-              <a:t> </a:t>
-            </a:r>
-            <a:r>
-              <a:rPr lang="en-US" altLang="zh-TW" dirty="0" smtClean="0"/>
-              <a:t>Use them </a:t>
-            </a:r>
-            <a:r>
-              <a:rPr lang="en-US" altLang="zh-TW" dirty="0"/>
-              <a:t>as few as possible</a:t>
-            </a:r>
-            <a:r>
-              <a:rPr lang="en-US" altLang="zh-TW" dirty="0" smtClean="0"/>
-              <a:t>.</a:t>
+              <a:t>in C++.  Use them as few as possible.</a:t>
             </a:r>
           </a:p>
           <a:p>
             <a:pPr algn="just"/>
             <a:r>
-              <a:rPr lang="en-US" altLang="zh-TW" dirty="0" err="1" smtClean="0">
+              <a:rPr lang="en-US" altLang="zh-TW" dirty="0" err="1">
                 <a:solidFill>
                   <a:srgbClr val="0000FF"/>
                 </a:solidFill>
@@ -8511,7 +8096,7 @@
               </a:rPr>
               <a:t>const_cast</a:t>
             </a:r>
-            <a:endParaRPr lang="en-US" altLang="zh-TW" dirty="0" smtClean="0">
+            <a:endParaRPr lang="en-US" altLang="zh-TW" dirty="0">
               <a:solidFill>
                 <a:srgbClr val="0000FF"/>
               </a:solidFill>
@@ -8521,7 +8106,7 @@
           <a:p>
             <a:pPr lvl="1" algn="just"/>
             <a:r>
-              <a:rPr lang="en-US" altLang="zh-TW" dirty="0" smtClean="0"/>
+              <a:rPr lang="en-US" altLang="zh-TW" dirty="0"/>
               <a:t>Want to modify a </a:t>
             </a:r>
             <a:r>
@@ -8534,14 +8119,14 @@
               <a:t>const</a:t>
             </a:r>
             <a:r>
-              <a:rPr lang="en-US" altLang="zh-TW" dirty="0" smtClean="0"/>
+              <a:rPr lang="en-US" altLang="zh-TW" dirty="0"/>
               <a:t> object?</a:t>
             </a:r>
           </a:p>
           <a:p>
             <a:pPr algn="just"/>
             <a:r>
-              <a:rPr lang="en-US" altLang="zh-TW" dirty="0" err="1" smtClean="0">
+              <a:rPr lang="en-US" altLang="zh-TW" dirty="0" err="1">
                 <a:solidFill>
                   <a:srgbClr val="0000FF"/>
                 </a:solidFill>
@@ -8549,7 +8134,7 @@
               </a:rPr>
               <a:t>static_cast</a:t>
             </a:r>
-            <a:endParaRPr lang="en-US" altLang="zh-TW" dirty="0" smtClean="0">
+            <a:endParaRPr lang="en-US" altLang="zh-TW" dirty="0">
               <a:solidFill>
                 <a:srgbClr val="0000FF"/>
               </a:solidFill>
@@ -8559,22 +8144,22 @@
           <a:p>
             <a:pPr lvl="1" algn="just"/>
             <a:r>
-              <a:rPr lang="en-US" altLang="zh-TW" dirty="0" smtClean="0"/>
+              <a:rPr lang="en-US" altLang="zh-TW" dirty="0"/>
               <a:t>When there is a </a:t>
             </a:r>
             <a:r>
-              <a:rPr lang="en-US" altLang="zh-TW" i="1" dirty="0" smtClean="0"/>
+              <a:rPr lang="en-US" altLang="zh-TW" i="1" dirty="0"/>
               <a:t>implicit conversion sequence</a:t>
             </a:r>
             <a:r>
-              <a:rPr lang="en-US" altLang="zh-TW" dirty="0" smtClean="0"/>
+              <a:rPr lang="en-US" altLang="zh-TW" dirty="0"/>
               <a:t>.</a:t>
             </a:r>
           </a:p>
           <a:p>
             <a:pPr algn="just"/>
             <a:r>
-              <a:rPr lang="en-US" altLang="zh-TW" dirty="0" err="1" smtClean="0">
+              <a:rPr lang="en-US" altLang="zh-TW" dirty="0" err="1">
                 <a:solidFill>
                   <a:srgbClr val="0000FF"/>
                 </a:solidFill>
@@ -8583,7 +8168,7 @@
               <a:t>dynamic_cast</a:t>
             </a:r>
             <a:r>
-              <a:rPr lang="en-US" altLang="zh-TW" dirty="0" smtClean="0">
+              <a:rPr lang="en-US" altLang="zh-TW" dirty="0">
                 <a:solidFill>
                   <a:srgbClr val="0000FF"/>
                 </a:solidFill>
@@ -8595,14 +8180,14 @@
           <a:p>
             <a:pPr lvl="1" algn="just"/>
             <a:r>
-              <a:rPr lang="en-US" altLang="zh-TW" dirty="0" smtClean="0"/>
+              <a:rPr lang="en-US" altLang="zh-TW" dirty="0"/>
               <a:t>How do I know a type is my derived class?</a:t>
             </a:r>
           </a:p>
           <a:p>
             <a:pPr algn="just"/>
             <a:r>
-              <a:rPr lang="en-US" altLang="zh-TW" dirty="0" err="1" smtClean="0">
+              <a:rPr lang="en-US" altLang="zh-TW" dirty="0" err="1">
                 <a:solidFill>
                   <a:srgbClr val="0000FF"/>
                 </a:solidFill>
@@ -8610,7 +8195,7 @@
               </a:rPr>
               <a:t>reinterpret_cast</a:t>
             </a:r>
-            <a:endParaRPr lang="en-US" altLang="zh-TW" dirty="0" smtClean="0">
+            <a:endParaRPr lang="en-US" altLang="zh-TW" dirty="0">
               <a:solidFill>
                 <a:srgbClr val="0000FF"/>
               </a:solidFill>
@@ -8620,7 +8205,7 @@
           <a:p>
             <a:pPr lvl="1" algn="just"/>
             <a:r>
-              <a:rPr lang="en-US" altLang="zh-TW" dirty="0" smtClean="0"/>
+              <a:rPr lang="en-US" altLang="zh-TW" dirty="0"/>
               <a:t>Types? I do not care.</a:t>
             </a:r>
           </a:p>
@@ -8636,13 +8221,6 @@
   <p:clrMapOvr>
     <a:masterClrMapping/>
   </p:clrMapOvr>
-  <p:timing>
-    <p:tnLst>
-      <p:par>
-        <p:cTn id="1" dur="indefinite" restart="never" nodeType="tmRoot"/>
-      </p:par>
-    </p:tnLst>
-  </p:timing>
 </p:sld>
 </file>
 
@@ -8679,7 +8257,7 @@
           <a:lstStyle/>
           <a:p>
             <a:r>
-              <a:rPr lang="en-US" altLang="zh-TW" dirty="0" err="1" smtClean="0">
+              <a:rPr lang="en-US" altLang="zh-TW" dirty="0" err="1">
                 <a:solidFill>
                   <a:srgbClr val="0000FF"/>
                 </a:solidFill>
@@ -8713,7 +8291,7 @@
           <a:p>
             <a:pPr algn="just"/>
             <a:r>
-              <a:rPr lang="en-US" altLang="zh-TW" dirty="0" smtClean="0"/>
+              <a:rPr lang="en-US" altLang="zh-TW" dirty="0"/>
               <a:t>When you want to modify an object which cannot be modified (because it is </a:t>
             </a:r>
             <a:r>
@@ -8726,18 +8304,18 @@
               <a:t>const</a:t>
             </a:r>
             <a:r>
-              <a:rPr lang="en-US" altLang="zh-TW" dirty="0" smtClean="0"/>
+              <a:rPr lang="en-US" altLang="zh-TW" dirty="0"/>
               <a:t>).</a:t>
             </a:r>
           </a:p>
           <a:p>
             <a:pPr lvl="1" algn="just"/>
             <a:r>
-              <a:rPr lang="en-US" altLang="zh-TW" dirty="0" smtClean="0"/>
+              <a:rPr lang="en-US" altLang="zh-TW" dirty="0"/>
               <a:t>You have to ensure objects can </a:t>
             </a:r>
             <a:r>
-              <a:rPr lang="en-US" altLang="zh-TW" dirty="0" smtClean="0">
+              <a:rPr lang="en-US" altLang="zh-TW" dirty="0">
                 <a:solidFill>
                   <a:srgbClr val="FF0000"/>
                 </a:solidFill>
@@ -8745,7 +8323,7 @@
               <a:t>really</a:t>
             </a:r>
             <a:r>
-              <a:rPr lang="en-US" altLang="zh-TW" dirty="0" smtClean="0"/>
+              <a:rPr lang="en-US" altLang="zh-TW" dirty="0"/>
               <a:t> be modified.</a:t>
             </a:r>
           </a:p>
@@ -8873,34 +8451,16 @@
                 </a:solidFill>
                 <a:latin typeface="Consolas" panose="020B0609020204030204" pitchFamily="49" charset="0"/>
               </a:rPr>
-              <a:t>*j=10</a:t>
-            </a:r>
-            <a:r>
-              <a:rPr lang="en-US" altLang="zh-TW" sz="2000" dirty="0" smtClean="0">
-                <a:solidFill>
-                  <a:srgbClr val="000000"/>
-                </a:solidFill>
-                <a:latin typeface="Consolas" panose="020B0609020204030204" pitchFamily="49" charset="0"/>
-              </a:rPr>
-              <a:t>;  </a:t>
-            </a:r>
-            <a:r>
-              <a:rPr lang="en-US" altLang="zh-TW" sz="2000" dirty="0" smtClean="0">
+              <a:t>*j=10;  </a:t>
+            </a:r>
+            <a:r>
+              <a:rPr lang="en-US" altLang="zh-TW" sz="2000" dirty="0">
                 <a:solidFill>
                   <a:srgbClr val="008000"/>
                 </a:solidFill>
                 <a:latin typeface="Consolas" panose="020B0609020204030204" pitchFamily="49" charset="0"/>
               </a:rPr>
-              <a:t>//</a:t>
-            </a:r>
-            <a:r>
-              <a:rPr lang="en-US" altLang="zh-TW" sz="2000" dirty="0">
-                <a:solidFill>
-                  <a:srgbClr val="008000"/>
-                </a:solidFill>
-                <a:latin typeface="Consolas" panose="020B0609020204030204" pitchFamily="49" charset="0"/>
-              </a:rPr>
-              <a:t>error: j is a constant reference to integer</a:t>
+              <a:t>//error: j is a constant reference to integer</a:t>
             </a:r>
             <a:endParaRPr lang="en-US" altLang="zh-TW" sz="2000" dirty="0">
               <a:solidFill>
@@ -9229,13 +8789,6 @@
   <p:clrMapOvr>
     <a:masterClrMapping/>
   </p:clrMapOvr>
-  <p:timing>
-    <p:tnLst>
-      <p:par>
-        <p:cTn id="1" dur="indefinite" restart="never" nodeType="tmRoot"/>
-      </p:par>
-    </p:tnLst>
-  </p:timing>
 </p:sld>
 </file>
 
@@ -9272,7 +8825,7 @@
           <a:lstStyle/>
           <a:p>
             <a:r>
-              <a:rPr lang="en-US" altLang="zh-TW" dirty="0" err="1" smtClean="0">
+              <a:rPr lang="en-US" altLang="zh-TW" dirty="0" err="1">
                 <a:solidFill>
                   <a:srgbClr val="0000FF"/>
                 </a:solidFill>
@@ -9303,17 +8856,9 @@
           <a:p>
             <a:pPr algn="just"/>
             <a:r>
-              <a:rPr lang="en-US" altLang="zh-TW" dirty="0" smtClean="0"/>
-              <a:t>Implicit </a:t>
-            </a:r>
-            <a:r>
               <a:rPr lang="en-US" altLang="zh-TW" dirty="0"/>
-              <a:t>conversion sequence.</a:t>
-            </a:r>
-          </a:p>
-          <a:p>
-            <a:pPr lvl="1" algn="just"/>
-            <a:endParaRPr lang="en-US" altLang="zh-TW" dirty="0" smtClean="0"/>
+              <a:t>Implicit conversion sequence.</a:t>
+            </a:r>
           </a:p>
           <a:p>
             <a:pPr lvl="1" algn="just"/>
@@ -9321,7 +8866,7 @@
           </a:p>
           <a:p>
             <a:pPr lvl="1" algn="just"/>
-            <a:endParaRPr lang="en-US" altLang="zh-TW" dirty="0" smtClean="0"/>
+            <a:endParaRPr lang="en-US" altLang="zh-TW" dirty="0"/>
           </a:p>
           <a:p>
             <a:pPr lvl="1" algn="just"/>
@@ -9329,11 +8874,15 @@
           </a:p>
           <a:p>
             <a:pPr lvl="1" algn="just"/>
-            <a:endParaRPr lang="en-US" altLang="zh-TW" dirty="0" smtClean="0"/>
+            <a:endParaRPr lang="en-US" altLang="zh-TW" dirty="0"/>
           </a:p>
           <a:p>
             <a:pPr lvl="1" algn="just"/>
-            <a:endParaRPr lang="en-US" altLang="zh-TW" dirty="0" smtClean="0"/>
+            <a:endParaRPr lang="en-US" altLang="zh-TW" dirty="0"/>
+          </a:p>
+          <a:p>
+            <a:pPr lvl="1" algn="just"/>
+            <a:endParaRPr lang="en-US" altLang="zh-TW" dirty="0"/>
           </a:p>
           <a:p>
             <a:pPr marL="457200" lvl="1" indent="0" algn="just">
@@ -9540,7 +9089,7 @@
               <a:t>l,i</a:t>
             </a:r>
             <a:r>
-              <a:rPr lang="en-US" altLang="zh-TW" dirty="0" smtClean="0">
+              <a:rPr lang="en-US" altLang="zh-TW" dirty="0">
                 <a:solidFill>
                   <a:srgbClr val="000000"/>
                 </a:solidFill>
@@ -9551,33 +9100,15 @@
           </a:p>
           <a:p>
             <a:r>
-              <a:rPr lang="en-US" altLang="zh-TW" dirty="0" smtClean="0">
+              <a:rPr lang="en-US" altLang="zh-TW" dirty="0">
                 <a:solidFill>
                   <a:srgbClr val="008000"/>
                 </a:solidFill>
                 <a:latin typeface="Consolas" panose="020B0609020204030204" pitchFamily="49" charset="0"/>
               </a:rPr>
-              <a:t>//</a:t>
-            </a:r>
-            <a:r>
-              <a:rPr lang="en-US" altLang="zh-TW" dirty="0">
-                <a:solidFill>
-                  <a:srgbClr val="008000"/>
-                </a:solidFill>
-                <a:latin typeface="Consolas" panose="020B0609020204030204" pitchFamily="49" charset="0"/>
-              </a:rPr>
-              <a:t>error: no matching </a:t>
-            </a:r>
-            <a:r>
-              <a:rPr lang="en-US" altLang="zh-TW" dirty="0" smtClean="0">
-                <a:solidFill>
-                  <a:srgbClr val="008000"/>
-                </a:solidFill>
-                <a:latin typeface="Consolas" panose="020B0609020204030204" pitchFamily="49" charset="0"/>
-              </a:rPr>
-              <a:t>function</a:t>
-            </a:r>
-            <a:endParaRPr lang="en-US" altLang="zh-TW" dirty="0" smtClean="0">
+              <a:t>//error: no matching function</a:t>
+            </a:r>
+            <a:endParaRPr lang="en-US" altLang="zh-TW" dirty="0">
               <a:solidFill>
                 <a:srgbClr val="000000"/>
               </a:solidFill>
@@ -9586,7 +9117,7 @@
           </a:p>
           <a:p>
             <a:r>
-              <a:rPr lang="en-US" altLang="zh-TW" dirty="0" smtClean="0">
+              <a:rPr lang="en-US" altLang="zh-TW" dirty="0">
                 <a:solidFill>
                   <a:srgbClr val="008000"/>
                 </a:solidFill>
@@ -9595,7 +9126,7 @@
               <a:t>//       because l and </a:t>
             </a:r>
             <a:r>
-              <a:rPr lang="en-US" altLang="zh-TW" dirty="0" err="1" smtClean="0">
+              <a:rPr lang="en-US" altLang="zh-TW" dirty="0" err="1">
                 <a:solidFill>
                   <a:srgbClr val="008000"/>
                 </a:solidFill>
@@ -9604,7 +9135,7 @@
               <a:t>i</a:t>
             </a:r>
             <a:r>
-              <a:rPr lang="en-US" altLang="zh-TW" dirty="0" smtClean="0">
+              <a:rPr lang="en-US" altLang="zh-TW" dirty="0">
                 <a:solidFill>
                   <a:srgbClr val="008000"/>
                 </a:solidFill>
@@ -9626,13 +9157,6 @@
   <p:clrMapOvr>
     <a:masterClrMapping/>
   </p:clrMapOvr>
-  <p:timing>
-    <p:tnLst>
-      <p:par>
-        <p:cTn id="1" dur="indefinite" restart="never" nodeType="tmRoot"/>
-      </p:par>
-    </p:tnLst>
-  </p:timing>
 </p:sld>
 </file>
 
@@ -9704,7 +9228,7 @@
           <a:lstStyle/>
           <a:p>
             <a:pPr algn="just"/>
-            <a:endParaRPr lang="en-US" altLang="zh-TW" dirty="0" smtClean="0"/>
+            <a:endParaRPr lang="en-US" altLang="zh-TW" dirty="0"/>
           </a:p>
           <a:p>
             <a:pPr algn="just"/>
@@ -9712,11 +9236,11 @@
           </a:p>
           <a:p>
             <a:pPr algn="just"/>
-            <a:endParaRPr lang="en-US" altLang="zh-TW" dirty="0" smtClean="0"/>
+            <a:endParaRPr lang="en-US" altLang="zh-TW" dirty="0"/>
           </a:p>
           <a:p>
             <a:pPr algn="just"/>
-            <a:endParaRPr lang="en-US" altLang="zh-TW" dirty="0" smtClean="0"/>
+            <a:endParaRPr lang="en-US" altLang="zh-TW" dirty="0"/>
           </a:p>
           <a:p>
             <a:pPr algn="just"/>
@@ -9726,12 +9250,12 @@
             <a:pPr marL="0" indent="0" algn="just">
               <a:buNone/>
             </a:pPr>
-            <a:endParaRPr lang="en-US" altLang="zh-TW" dirty="0" smtClean="0"/>
+            <a:endParaRPr lang="en-US" altLang="zh-TW" dirty="0"/>
           </a:p>
           <a:p>
             <a:pPr algn="just"/>
             <a:r>
-              <a:rPr lang="en-US" altLang="zh-TW" dirty="0" err="1" smtClean="0">
+              <a:rPr lang="en-US" altLang="zh-TW" dirty="0" err="1">
                 <a:solidFill>
                   <a:srgbClr val="0000FF"/>
                 </a:solidFill>
@@ -9740,11 +9264,11 @@
               <a:t>static_cast</a:t>
             </a:r>
             <a:r>
-              <a:rPr lang="en-US" altLang="zh-TW" dirty="0" smtClean="0"/>
+              <a:rPr lang="en-US" altLang="zh-TW" dirty="0"/>
               <a:t> has more usage other than type conversions.</a:t>
             </a:r>
             <a:r>
-              <a:rPr lang="zh-TW" altLang="en-US" dirty="0" smtClean="0"/>
+              <a:rPr lang="zh-TW" altLang="en-US" dirty="0"/>
               <a:t> </a:t>
             </a:r>
             <a:endParaRPr lang="en-US" altLang="zh-TW" dirty="0"/>
@@ -9849,14 +9373,16 @@
           </a:p>
           <a:p>
             <a:r>
-              <a:rPr lang="en-US" altLang="zh-TW" dirty="0" smtClean="0">
+              <a:rPr lang="en-US" altLang="zh-TW" dirty="0">
                 <a:solidFill>
                   <a:srgbClr val="008000"/>
                 </a:solidFill>
                 <a:latin typeface="Consolas" panose="020B0609020204030204" pitchFamily="49" charset="0"/>
               </a:rPr>
-              <a:t>//I am pretty </a:t>
-            </a:r>
+              <a:t>//I am pretty sure the value of l </a:t>
+            </a:r>
+          </a:p>
+          <a:p>
             <a:r>
               <a:rPr lang="en-US" altLang="zh-TW" dirty="0">
                 <a:solidFill>
@@ -9864,33 +9390,7 @@
                 </a:solidFill>
                 <a:latin typeface="Consolas" panose="020B0609020204030204" pitchFamily="49" charset="0"/>
               </a:rPr>
-              <a:t>sure the value of l </a:t>
-            </a:r>
-            <a:endParaRPr lang="en-US" altLang="zh-TW" dirty="0" smtClean="0">
-              <a:solidFill>
-                <a:srgbClr val="008000"/>
-              </a:solidFill>
-              <a:latin typeface="Consolas" panose="020B0609020204030204" pitchFamily="49" charset="0"/>
-            </a:endParaRPr>
-          </a:p>
-          <a:p>
-            <a:r>
-              <a:rPr lang="en-US" altLang="zh-TW" dirty="0" smtClean="0">
-                <a:solidFill>
-                  <a:srgbClr val="008000"/>
-                </a:solidFill>
-                <a:latin typeface="Consolas" panose="020B0609020204030204" pitchFamily="49" charset="0"/>
-              </a:rPr>
-              <a:t>// can </a:t>
-            </a:r>
-            <a:r>
-              <a:rPr lang="en-US" altLang="zh-TW" dirty="0">
-                <a:solidFill>
-                  <a:srgbClr val="008000"/>
-                </a:solidFill>
-                <a:latin typeface="Consolas" panose="020B0609020204030204" pitchFamily="49" charset="0"/>
-              </a:rPr>
-              <a:t>be represented in unsigned short</a:t>
+              <a:t>// can be represented in unsigned short</a:t>
             </a:r>
             <a:endParaRPr lang="en-US" altLang="zh-TW" dirty="0">
               <a:solidFill>
@@ -10029,31 +9529,16 @@
               </a:rPr>
               <a:t>//I am pretty sure the value of f </a:t>
             </a:r>
-            <a:endParaRPr lang="en-US" altLang="zh-TW" dirty="0" smtClean="0">
-              <a:solidFill>
-                <a:srgbClr val="008000"/>
-              </a:solidFill>
-              <a:latin typeface="Consolas" panose="020B0609020204030204" pitchFamily="49" charset="0"/>
-            </a:endParaRPr>
-          </a:p>
-          <a:p>
-            <a:r>
-              <a:rPr lang="en-US" altLang="zh-TW" dirty="0" smtClean="0">
+          </a:p>
+          <a:p>
+            <a:r>
+              <a:rPr lang="en-US" altLang="zh-TW" dirty="0">
                 <a:solidFill>
                   <a:srgbClr val="008000"/>
                 </a:solidFill>
                 <a:latin typeface="Consolas" panose="020B0609020204030204" pitchFamily="49" charset="0"/>
               </a:rPr>
-              <a:t>// can </a:t>
-            </a:r>
-            <a:r>
-              <a:rPr lang="en-US" altLang="zh-TW" dirty="0">
-                <a:solidFill>
-                  <a:srgbClr val="008000"/>
-                </a:solidFill>
-                <a:latin typeface="Consolas" panose="020B0609020204030204" pitchFamily="49" charset="0"/>
-              </a:rPr>
-              <a:t>be represented in unsigned </a:t>
+              <a:t>// can be represented in unsigned </a:t>
             </a:r>
             <a:r>
               <a:rPr lang="en-US" altLang="zh-TW" dirty="0" err="1">
@@ -10087,52 +9572,34 @@
                 </a:solidFill>
                 <a:latin typeface="Consolas" panose="020B0609020204030204" pitchFamily="49" charset="0"/>
               </a:rPr>
-              <a:t>min(l</a:t>
-            </a:r>
-            <a:r>
-              <a:rPr lang="en-US" altLang="zh-TW" dirty="0" smtClean="0">
+              <a:t>min(l, </a:t>
+            </a:r>
+            <a:r>
+              <a:rPr lang="en-US" altLang="zh-TW" dirty="0" err="1">
+                <a:solidFill>
+                  <a:srgbClr val="0000FF"/>
+                </a:solidFill>
+                <a:latin typeface="Consolas" panose="020B0609020204030204" pitchFamily="49" charset="0"/>
+              </a:rPr>
+              <a:t>static_cast</a:t>
+            </a:r>
+            <a:r>
+              <a:rPr lang="en-US" altLang="zh-TW" dirty="0">
                 <a:solidFill>
                   <a:srgbClr val="000000"/>
                 </a:solidFill>
                 <a:latin typeface="Consolas" panose="020B0609020204030204" pitchFamily="49" charset="0"/>
               </a:rPr>
-              <a:t>, </a:t>
-            </a:r>
-            <a:r>
-              <a:rPr lang="en-US" altLang="zh-TW" dirty="0" err="1" smtClean="0">
+              <a:t>&lt;</a:t>
+            </a:r>
+            <a:r>
+              <a:rPr lang="en-US" altLang="zh-TW" dirty="0">
                 <a:solidFill>
                   <a:srgbClr val="0000FF"/>
                 </a:solidFill>
                 <a:latin typeface="Consolas" panose="020B0609020204030204" pitchFamily="49" charset="0"/>
               </a:rPr>
-              <a:t>static_cast</a:t>
-            </a:r>
-            <a:r>
-              <a:rPr lang="en-US" altLang="zh-TW" dirty="0" smtClean="0">
-                <a:solidFill>
-                  <a:srgbClr val="000000"/>
-                </a:solidFill>
-                <a:latin typeface="Consolas" panose="020B0609020204030204" pitchFamily="49" charset="0"/>
-              </a:rPr>
-              <a:t>&lt;</a:t>
-            </a:r>
-            <a:r>
-              <a:rPr lang="en-US" altLang="zh-TW" dirty="0" smtClean="0">
-                <a:solidFill>
-                  <a:srgbClr val="0000FF"/>
-                </a:solidFill>
-                <a:latin typeface="Consolas" panose="020B0609020204030204" pitchFamily="49" charset="0"/>
-              </a:rPr>
-              <a:t>unsigned </a:t>
-            </a:r>
-            <a:r>
-              <a:rPr lang="en-US" altLang="zh-TW" dirty="0">
-                <a:solidFill>
-                  <a:srgbClr val="0000FF"/>
-                </a:solidFill>
-                <a:latin typeface="Consolas" panose="020B0609020204030204" pitchFamily="49" charset="0"/>
-              </a:rPr>
-              <a:t>long</a:t>
+              <a:t>unsigned long</a:t>
             </a:r>
             <a:r>
               <a:rPr lang="en-US" altLang="zh-TW" dirty="0">
@@ -10186,13 +9653,6 @@
   <p:clrMapOvr>
     <a:masterClrMapping/>
   </p:clrMapOvr>
-  <p:timing>
-    <p:tnLst>
-      <p:par>
-        <p:cTn id="1" dur="indefinite" restart="never" nodeType="tmRoot"/>
-      </p:par>
-    </p:tnLst>
-  </p:timing>
 </p:sld>
 </file>
 
@@ -10229,7 +9689,7 @@
           <a:lstStyle/>
           <a:p>
             <a:r>
-              <a:rPr lang="en-US" altLang="zh-TW" dirty="0" err="1" smtClean="0">
+              <a:rPr lang="en-US" altLang="zh-TW" dirty="0" err="1">
                 <a:solidFill>
                   <a:srgbClr val="0000FF"/>
                 </a:solidFill>
@@ -10364,21 +9824,6 @@
   <p:clrMapOvr>
     <a:masterClrMapping/>
   </p:clrMapOvr>
-  <mc:AlternateContent xmlns:mc="http://schemas.openxmlformats.org/markup-compatibility/2006" xmlns:p14="http://schemas.microsoft.com/office/powerpoint/2010/main">
-    <mc:Choice Requires="p14">
-      <p:transition spd="slow" p14:dur="2000"/>
-    </mc:Choice>
-    <mc:Fallback xmlns="">
-      <p:transition spd="slow"/>
-    </mc:Fallback>
-  </mc:AlternateContent>
-  <p:timing>
-    <p:tnLst>
-      <p:par>
-        <p:cTn id="1" dur="indefinite" restart="never" nodeType="tmRoot"/>
-      </p:par>
-    </p:tnLst>
-  </p:timing>
 </p:sld>
 </file>
 
@@ -10415,7 +9860,7 @@
           <a:lstStyle/>
           <a:p>
             <a:r>
-              <a:rPr lang="en-US" altLang="zh-TW" dirty="0" smtClean="0"/>
+              <a:rPr lang="en-US" altLang="zh-TW" dirty="0"/>
               <a:t>Example: driver program</a:t>
             </a:r>
             <a:endParaRPr lang="zh-TW" altLang="en-US" dirty="0"/>
@@ -10444,14 +9889,14 @@
           <a:lstStyle/>
           <a:p>
             <a:r>
-              <a:rPr lang="en-US" altLang="zh-TW" sz="2400" dirty="0" smtClean="0">
+              <a:rPr lang="en-US" altLang="zh-TW" sz="2400" dirty="0">
                 <a:latin typeface="Courier New" panose="02070309020205020404" pitchFamily="49" charset="0"/>
                 <a:cs typeface="Courier New" panose="02070309020205020404" pitchFamily="49" charset="0"/>
               </a:rPr>
               <a:t>   Vector v;	</a:t>
             </a:r>
             <a:r>
-              <a:rPr lang="zh-TW" altLang="en-US" sz="2400" dirty="0" smtClean="0">
+              <a:rPr lang="zh-TW" altLang="en-US" sz="2400" dirty="0">
                 <a:solidFill>
                   <a:srgbClr val="00B050"/>
                 </a:solidFill>
@@ -10460,7 +9905,7 @@
               </a:rPr>
               <a:t>   </a:t>
             </a:r>
-            <a:endParaRPr lang="en-US" altLang="zh-TW" sz="2400" dirty="0" smtClean="0">
+            <a:endParaRPr lang="en-US" altLang="zh-TW" sz="2400" dirty="0">
               <a:solidFill>
                 <a:srgbClr val="00B050"/>
               </a:solidFill>
@@ -10470,7 +9915,7 @@
           </a:p>
           <a:p>
             <a:r>
-              <a:rPr lang="zh-TW" altLang="en-US" sz="2400" dirty="0" smtClean="0">
+              <a:rPr lang="zh-TW" altLang="en-US" sz="2400" dirty="0">
                 <a:solidFill>
                   <a:srgbClr val="00B050"/>
                 </a:solidFill>
@@ -10480,7 +9925,7 @@
               <a:t>/</a:t>
             </a:r>
             <a:r>
-              <a:rPr lang="en-US" altLang="zh-TW" sz="2400" dirty="0" smtClean="0">
+              <a:rPr lang="en-US" altLang="zh-TW" sz="2400" dirty="0">
                 <a:solidFill>
                   <a:srgbClr val="00B050"/>
                 </a:solidFill>
@@ -10490,37 +9935,17 @@
               <a:t>*</a:t>
             </a:r>
             <a:r>
-              <a:rPr lang="zh-TW" altLang="en-US" sz="2400" dirty="0" smtClean="0">
+              <a:rPr lang="zh-TW" altLang="en-US" sz="2400" dirty="0">
                 <a:solidFill>
                   <a:srgbClr val="00B050"/>
                 </a:solidFill>
                 <a:latin typeface="Courier New" panose="02070309020205020404" pitchFamily="49" charset="0"/>
                 <a:cs typeface="Courier New" panose="02070309020205020404" pitchFamily="49" charset="0"/>
               </a:rPr>
-              <a:t> </a:t>
-            </a:r>
-            <a:r>
-              <a:rPr lang="zh-TW" altLang="en-US" sz="2400" dirty="0">
-                <a:solidFill>
-                  <a:srgbClr val="00B050"/>
-                </a:solidFill>
-                <a:latin typeface="Courier New" panose="02070309020205020404" pitchFamily="49" charset="0"/>
-                <a:cs typeface="Courier New" panose="02070309020205020404" pitchFamily="49" charset="0"/>
-              </a:rPr>
-              <a:t>aim base-class pointer at derived-class object and </a:t>
-            </a:r>
-            <a:r>
-              <a:rPr lang="zh-TW" altLang="en-US" sz="2400" dirty="0" smtClean="0">
-                <a:solidFill>
-                  <a:srgbClr val="00B050"/>
-                </a:solidFill>
-                <a:latin typeface="Courier New" panose="02070309020205020404" pitchFamily="49" charset="0"/>
-                <a:cs typeface="Courier New" panose="02070309020205020404" pitchFamily="49" charset="0"/>
-              </a:rPr>
-              <a:t>print </a:t>
-            </a:r>
-            <a:r>
-              <a:rPr lang="en-US" altLang="zh-TW" sz="2400" dirty="0" smtClean="0">
+              <a:t> aim base-class pointer at derived-class object and print </a:t>
+            </a:r>
+            <a:r>
+              <a:rPr lang="en-US" altLang="zh-TW" sz="2400" dirty="0">
                 <a:solidFill>
                   <a:srgbClr val="00B050"/>
                 </a:solidFill>
@@ -10546,52 +9971,48 @@
               <a:t>   </a:t>
             </a:r>
             <a:r>
-              <a:rPr lang="en-US" altLang="zh-TW" sz="2400" dirty="0" smtClean="0">
+              <a:rPr lang="en-US" altLang="zh-TW" sz="2400" dirty="0">
                 <a:latin typeface="Courier New" panose="02070309020205020404" pitchFamily="49" charset="0"/>
                 <a:cs typeface="Courier New" panose="02070309020205020404" pitchFamily="49" charset="0"/>
               </a:rPr>
               <a:t>Array *</a:t>
             </a:r>
             <a:r>
-              <a:rPr lang="en-US" altLang="zh-TW" sz="2400" dirty="0" err="1" smtClean="0">
+              <a:rPr lang="en-US" altLang="zh-TW" sz="2400" dirty="0" err="1">
                 <a:latin typeface="Courier New" panose="02070309020205020404" pitchFamily="49" charset="0"/>
                 <a:cs typeface="Courier New" panose="02070309020205020404" pitchFamily="49" charset="0"/>
               </a:rPr>
               <a:t>arrayPtr</a:t>
             </a:r>
             <a:r>
-              <a:rPr lang="zh-TW" altLang="en-US" sz="2400" dirty="0" smtClean="0">
+              <a:rPr lang="zh-TW" altLang="en-US" sz="2400" dirty="0">
                 <a:latin typeface="Courier New" panose="02070309020205020404" pitchFamily="49" charset="0"/>
                 <a:cs typeface="Courier New" panose="02070309020205020404" pitchFamily="49" charset="0"/>
               </a:rPr>
               <a:t> = &amp;</a:t>
             </a:r>
             <a:r>
-              <a:rPr lang="en-US" altLang="zh-TW" sz="2400" dirty="0" smtClean="0">
+              <a:rPr lang="en-US" altLang="zh-TW" sz="2400" dirty="0">
                 <a:latin typeface="Courier New" panose="02070309020205020404" pitchFamily="49" charset="0"/>
                 <a:cs typeface="Courier New" panose="02070309020205020404" pitchFamily="49" charset="0"/>
               </a:rPr>
               <a:t>v</a:t>
             </a:r>
             <a:r>
-              <a:rPr lang="zh-TW" altLang="en-US" sz="2400" dirty="0" smtClean="0">
+              <a:rPr lang="zh-TW" altLang="en-US" sz="2400" dirty="0">
                 <a:latin typeface="Courier New" panose="02070309020205020404" pitchFamily="49" charset="0"/>
                 <a:cs typeface="Courier New" panose="02070309020205020404" pitchFamily="49" charset="0"/>
               </a:rPr>
               <a:t>;</a:t>
             </a:r>
+          </a:p>
+          <a:p>
             <a:endParaRPr lang="zh-TW" altLang="en-US" sz="2400" dirty="0">
               <a:latin typeface="Courier New" panose="02070309020205020404" pitchFamily="49" charset="0"/>
               <a:cs typeface="Courier New" panose="02070309020205020404" pitchFamily="49" charset="0"/>
             </a:endParaRPr>
           </a:p>
           <a:p>
-            <a:endParaRPr lang="zh-TW" altLang="en-US" sz="2400" dirty="0">
-              <a:latin typeface="Courier New" panose="02070309020205020404" pitchFamily="49" charset="0"/>
-              <a:cs typeface="Courier New" panose="02070309020205020404" pitchFamily="49" charset="0"/>
-            </a:endParaRPr>
-          </a:p>
-          <a:p>
             <a:r>
               <a:rPr lang="zh-TW" altLang="en-US" sz="2400" dirty="0">
                 <a:latin typeface="Courier New" panose="02070309020205020404" pitchFamily="49" charset="0"/>
@@ -10600,7 +10021,7 @@
               <a:t>   </a:t>
             </a:r>
             <a:r>
-              <a:rPr lang="zh-TW" altLang="en-US" sz="2400" dirty="0" smtClean="0">
+              <a:rPr lang="zh-TW" altLang="en-US" sz="2400" dirty="0">
                 <a:solidFill>
                   <a:srgbClr val="00B050"/>
                 </a:solidFill>
@@ -10610,7 +10031,7 @@
               <a:t>/</a:t>
             </a:r>
             <a:r>
-              <a:rPr lang="en-US" altLang="zh-TW" sz="2400" dirty="0" smtClean="0">
+              <a:rPr lang="en-US" altLang="zh-TW" sz="2400" dirty="0">
                 <a:solidFill>
                   <a:srgbClr val="00B050"/>
                 </a:solidFill>
@@ -10620,7 +10041,7 @@
               <a:t>*</a:t>
             </a:r>
             <a:r>
-              <a:rPr lang="zh-TW" altLang="en-US" sz="2400" dirty="0" smtClean="0">
+              <a:rPr lang="zh-TW" altLang="en-US" sz="2400" dirty="0">
                 <a:solidFill>
                   <a:srgbClr val="00B050"/>
                 </a:solidFill>
@@ -10630,7 +10051,7 @@
               <a:t> </a:t>
             </a:r>
             <a:r>
-              <a:rPr lang="en-US" altLang="zh-TW" sz="2400" dirty="0" smtClean="0">
+              <a:rPr lang="en-US" altLang="zh-TW" sz="2400" dirty="0">
                 <a:solidFill>
                   <a:srgbClr val="00B050"/>
                 </a:solidFill>
@@ -10640,7 +10061,7 @@
               <a:t>Error: array does not have </a:t>
             </a:r>
             <a:r>
-              <a:rPr lang="en-US" altLang="zh-TW" sz="2400" dirty="0" err="1" smtClean="0">
+              <a:rPr lang="en-US" altLang="zh-TW" sz="2400" dirty="0" err="1">
                 <a:solidFill>
                   <a:srgbClr val="00B050"/>
                 </a:solidFill>
@@ -10650,7 +10071,7 @@
               <a:t>getCapacity</a:t>
             </a:r>
             <a:r>
-              <a:rPr lang="en-US" altLang="zh-TW" sz="2400" dirty="0" smtClean="0">
+              <a:rPr lang="en-US" altLang="zh-TW" sz="2400" dirty="0">
                 <a:solidFill>
                   <a:srgbClr val="00B050"/>
                 </a:solidFill>
@@ -10676,128 +10097,39 @@
               <a:t>   </a:t>
             </a:r>
             <a:r>
-              <a:rPr lang="en-US" altLang="zh-TW" sz="2400" dirty="0" err="1" smtClean="0">
+              <a:rPr lang="en-US" altLang="zh-TW" sz="2400" dirty="0" err="1">
                 <a:latin typeface="Courier New" panose="02070309020205020404" pitchFamily="49" charset="0"/>
                 <a:cs typeface="Courier New" panose="02070309020205020404" pitchFamily="49" charset="0"/>
               </a:rPr>
               <a:t>arrayPtr</a:t>
             </a:r>
             <a:r>
-              <a:rPr lang="zh-TW" altLang="en-US" sz="2400" dirty="0" smtClean="0">
+              <a:rPr lang="zh-TW" altLang="en-US" sz="2400" dirty="0">
                 <a:latin typeface="Courier New" panose="02070309020205020404" pitchFamily="49" charset="0"/>
                 <a:cs typeface="Courier New" panose="02070309020205020404" pitchFamily="49" charset="0"/>
               </a:rPr>
               <a:t>-&gt;</a:t>
             </a:r>
             <a:r>
-              <a:rPr lang="en-US" altLang="zh-TW" sz="2400" dirty="0" err="1" smtClean="0">
+              <a:rPr lang="en-US" altLang="zh-TW" sz="2400" dirty="0" err="1">
                 <a:latin typeface="Courier New" panose="02070309020205020404" pitchFamily="49" charset="0"/>
                 <a:cs typeface="Courier New" panose="02070309020205020404" pitchFamily="49" charset="0"/>
               </a:rPr>
               <a:t>getCapacity</a:t>
             </a:r>
             <a:r>
-              <a:rPr lang="en-US" altLang="zh-TW" sz="2400" dirty="0" smtClean="0">
+              <a:rPr lang="en-US" altLang="zh-TW" sz="2400" dirty="0">
                 <a:latin typeface="Courier New" panose="02070309020205020404" pitchFamily="49" charset="0"/>
                 <a:cs typeface="Courier New" panose="02070309020205020404" pitchFamily="49" charset="0"/>
               </a:rPr>
               <a:t>()</a:t>
             </a:r>
             <a:r>
-              <a:rPr lang="zh-TW" altLang="en-US" sz="2400" dirty="0" smtClean="0">
+              <a:rPr lang="zh-TW" altLang="en-US" sz="2400" dirty="0">
                 <a:latin typeface="Courier New" panose="02070309020205020404" pitchFamily="49" charset="0"/>
                 <a:cs typeface="Courier New" panose="02070309020205020404" pitchFamily="49" charset="0"/>
               </a:rPr>
               <a:t>;</a:t>
-            </a:r>
-            <a:endParaRPr lang="en-US" altLang="zh-TW" sz="2400" dirty="0" smtClean="0">
-              <a:latin typeface="Courier New" panose="02070309020205020404" pitchFamily="49" charset="0"/>
-              <a:cs typeface="Courier New" panose="02070309020205020404" pitchFamily="49" charset="0"/>
-            </a:endParaRPr>
-          </a:p>
-          <a:p>
-            <a:endParaRPr lang="en-US" altLang="zh-TW" sz="2400" dirty="0" smtClean="0">
-              <a:latin typeface="Courier New" panose="02070309020205020404" pitchFamily="49" charset="0"/>
-              <a:cs typeface="Courier New" panose="02070309020205020404" pitchFamily="49" charset="0"/>
-            </a:endParaRPr>
-          </a:p>
-          <a:p>
-            <a:r>
-              <a:rPr lang="zh-TW" altLang="en-US" sz="2400" dirty="0" smtClean="0">
-                <a:latin typeface="Courier New" panose="02070309020205020404" pitchFamily="49" charset="0"/>
-                <a:cs typeface="Courier New" panose="02070309020205020404" pitchFamily="49" charset="0"/>
-              </a:rPr>
-              <a:t>   </a:t>
-            </a:r>
-            <a:r>
-              <a:rPr lang="zh-TW" altLang="en-US" sz="2400" dirty="0">
-                <a:solidFill>
-                  <a:srgbClr val="00B050"/>
-                </a:solidFill>
-                <a:latin typeface="Courier New" panose="02070309020205020404" pitchFamily="49" charset="0"/>
-                <a:cs typeface="Courier New" panose="02070309020205020404" pitchFamily="49" charset="0"/>
-              </a:rPr>
-              <a:t>/</a:t>
-            </a:r>
-            <a:r>
-              <a:rPr lang="en-US" altLang="zh-TW" sz="2400" dirty="0">
-                <a:solidFill>
-                  <a:srgbClr val="00B050"/>
-                </a:solidFill>
-                <a:latin typeface="Courier New" panose="02070309020205020404" pitchFamily="49" charset="0"/>
-                <a:cs typeface="Courier New" panose="02070309020205020404" pitchFamily="49" charset="0"/>
-              </a:rPr>
-              <a:t>*</a:t>
-            </a:r>
-            <a:r>
-              <a:rPr lang="zh-TW" altLang="en-US" sz="2400" dirty="0">
-                <a:solidFill>
-                  <a:srgbClr val="00B050"/>
-                </a:solidFill>
-                <a:latin typeface="Courier New" panose="02070309020205020404" pitchFamily="49" charset="0"/>
-                <a:cs typeface="Courier New" panose="02070309020205020404" pitchFamily="49" charset="0"/>
-              </a:rPr>
-              <a:t> </a:t>
-            </a:r>
-            <a:r>
-              <a:rPr lang="en-US" altLang="zh-TW" sz="2400" dirty="0" smtClean="0">
-                <a:solidFill>
-                  <a:srgbClr val="00B050"/>
-                </a:solidFill>
-                <a:latin typeface="Courier New" panose="02070309020205020404" pitchFamily="49" charset="0"/>
-                <a:cs typeface="Courier New" panose="02070309020205020404" pitchFamily="49" charset="0"/>
-              </a:rPr>
-              <a:t>Ok, because </a:t>
-            </a:r>
-            <a:r>
-              <a:rPr lang="en-US" altLang="zh-TW" sz="2400" dirty="0" err="1" smtClean="0">
-                <a:solidFill>
-                  <a:srgbClr val="00B050"/>
-                </a:solidFill>
-                <a:latin typeface="Courier New" panose="02070309020205020404" pitchFamily="49" charset="0"/>
-                <a:cs typeface="Courier New" panose="02070309020205020404" pitchFamily="49" charset="0"/>
-              </a:rPr>
-              <a:t>arrayPrt</a:t>
-            </a:r>
-            <a:r>
-              <a:rPr lang="en-US" altLang="zh-TW" sz="2400" dirty="0">
-                <a:solidFill>
-                  <a:srgbClr val="00B050"/>
-                </a:solidFill>
-                <a:latin typeface="Courier New" panose="02070309020205020404" pitchFamily="49" charset="0"/>
-                <a:cs typeface="Courier New" panose="02070309020205020404" pitchFamily="49" charset="0"/>
-              </a:rPr>
-              <a:t> </a:t>
-            </a:r>
-            <a:r>
-              <a:rPr lang="en-US" altLang="zh-TW" sz="2400" dirty="0" smtClean="0">
-                <a:solidFill>
-                  <a:srgbClr val="00B050"/>
-                </a:solidFill>
-                <a:latin typeface="Courier New" panose="02070309020205020404" pitchFamily="49" charset="0"/>
-                <a:cs typeface="Courier New" panose="02070309020205020404" pitchFamily="49" charset="0"/>
-              </a:rPr>
-              <a:t>is pointing to a Vector*/</a:t>
             </a:r>
             <a:endParaRPr lang="en-US" altLang="zh-TW" sz="2400" dirty="0">
               <a:latin typeface="Courier New" panose="02070309020205020404" pitchFamily="49" charset="0"/>
@@ -10805,50 +10137,129 @@
             </a:endParaRPr>
           </a:p>
           <a:p>
-            <a:r>
-              <a:rPr lang="en-US" altLang="zh-TW" sz="2400" dirty="0" smtClean="0">
+            <a:endParaRPr lang="en-US" altLang="zh-TW" sz="2400" dirty="0">
+              <a:latin typeface="Courier New" panose="02070309020205020404" pitchFamily="49" charset="0"/>
+              <a:cs typeface="Courier New" panose="02070309020205020404" pitchFamily="49" charset="0"/>
+            </a:endParaRPr>
+          </a:p>
+          <a:p>
+            <a:r>
+              <a:rPr lang="zh-TW" altLang="en-US" sz="2400" dirty="0">
+                <a:latin typeface="Courier New" panose="02070309020205020404" pitchFamily="49" charset="0"/>
+                <a:cs typeface="Courier New" panose="02070309020205020404" pitchFamily="49" charset="0"/>
+              </a:rPr>
+              <a:t>   </a:t>
+            </a:r>
+            <a:r>
+              <a:rPr lang="zh-TW" altLang="en-US" sz="2400" dirty="0">
+                <a:solidFill>
+                  <a:srgbClr val="00B050"/>
+                </a:solidFill>
+                <a:latin typeface="Courier New" panose="02070309020205020404" pitchFamily="49" charset="0"/>
+                <a:cs typeface="Courier New" panose="02070309020205020404" pitchFamily="49" charset="0"/>
+              </a:rPr>
+              <a:t>/</a:t>
+            </a:r>
+            <a:r>
+              <a:rPr lang="en-US" altLang="zh-TW" sz="2400" dirty="0">
+                <a:solidFill>
+                  <a:srgbClr val="00B050"/>
+                </a:solidFill>
+                <a:latin typeface="Courier New" panose="02070309020205020404" pitchFamily="49" charset="0"/>
+                <a:cs typeface="Courier New" panose="02070309020205020404" pitchFamily="49" charset="0"/>
+              </a:rPr>
+              <a:t>*</a:t>
+            </a:r>
+            <a:r>
+              <a:rPr lang="zh-TW" altLang="en-US" sz="2400" dirty="0">
+                <a:solidFill>
+                  <a:srgbClr val="00B050"/>
+                </a:solidFill>
                 <a:latin typeface="Courier New" panose="02070309020205020404" pitchFamily="49" charset="0"/>
                 <a:cs typeface="Courier New" panose="02070309020205020404" pitchFamily="49" charset="0"/>
               </a:rPr>
               <a:t> </a:t>
             </a:r>
             <a:r>
-              <a:rPr lang="en-US" altLang="zh-TW" sz="2400" dirty="0" err="1" smtClean="0">
+              <a:rPr lang="en-US" altLang="zh-TW" sz="2400" dirty="0">
+                <a:solidFill>
+                  <a:srgbClr val="00B050"/>
+                </a:solidFill>
+                <a:latin typeface="Courier New" panose="02070309020205020404" pitchFamily="49" charset="0"/>
+                <a:cs typeface="Courier New" panose="02070309020205020404" pitchFamily="49" charset="0"/>
+              </a:rPr>
+              <a:t>Ok, because </a:t>
+            </a:r>
+            <a:r>
+              <a:rPr lang="en-US" altLang="zh-TW" sz="2400" dirty="0" err="1">
+                <a:solidFill>
+                  <a:srgbClr val="00B050"/>
+                </a:solidFill>
+                <a:latin typeface="Courier New" panose="02070309020205020404" pitchFamily="49" charset="0"/>
+                <a:cs typeface="Courier New" panose="02070309020205020404" pitchFamily="49" charset="0"/>
+              </a:rPr>
+              <a:t>arrayPrt</a:t>
+            </a:r>
+            <a:r>
+              <a:rPr lang="en-US" altLang="zh-TW" sz="2400" dirty="0">
+                <a:solidFill>
+                  <a:srgbClr val="00B050"/>
+                </a:solidFill>
+                <a:latin typeface="Courier New" panose="02070309020205020404" pitchFamily="49" charset="0"/>
+                <a:cs typeface="Courier New" panose="02070309020205020404" pitchFamily="49" charset="0"/>
+              </a:rPr>
+              <a:t> is pointing to a Vector*/</a:t>
+            </a:r>
+            <a:endParaRPr lang="en-US" altLang="zh-TW" sz="2400" dirty="0">
+              <a:latin typeface="Courier New" panose="02070309020205020404" pitchFamily="49" charset="0"/>
+              <a:cs typeface="Courier New" panose="02070309020205020404" pitchFamily="49" charset="0"/>
+            </a:endParaRPr>
+          </a:p>
+          <a:p>
+            <a:r>
+              <a:rPr lang="en-US" altLang="zh-TW" sz="2400" dirty="0">
+                <a:latin typeface="Courier New" panose="02070309020205020404" pitchFamily="49" charset="0"/>
+                <a:cs typeface="Courier New" panose="02070309020205020404" pitchFamily="49" charset="0"/>
+              </a:rPr>
+              <a:t> </a:t>
+            </a:r>
+            <a:r>
+              <a:rPr lang="en-US" altLang="zh-TW" sz="2400" dirty="0" err="1">
                 <a:latin typeface="Courier New" panose="02070309020205020404" pitchFamily="49" charset="0"/>
                 <a:cs typeface="Courier New" panose="02070309020205020404" pitchFamily="49" charset="0"/>
               </a:rPr>
               <a:t>dynamic_cast</a:t>
             </a:r>
             <a:r>
-              <a:rPr lang="en-US" altLang="zh-TW" sz="2400" dirty="0" smtClean="0">
+              <a:rPr lang="en-US" altLang="zh-TW" sz="2400" dirty="0">
                 <a:latin typeface="Courier New" panose="02070309020205020404" pitchFamily="49" charset="0"/>
                 <a:cs typeface="Courier New" panose="02070309020205020404" pitchFamily="49" charset="0"/>
               </a:rPr>
               <a:t>&lt;Vector*&gt;(</a:t>
             </a:r>
             <a:r>
-              <a:rPr lang="en-US" altLang="zh-TW" sz="2400" dirty="0" err="1" smtClean="0">
+              <a:rPr lang="en-US" altLang="zh-TW" sz="2400" dirty="0" err="1">
                 <a:latin typeface="Courier New" panose="02070309020205020404" pitchFamily="49" charset="0"/>
                 <a:cs typeface="Courier New" panose="02070309020205020404" pitchFamily="49" charset="0"/>
               </a:rPr>
               <a:t>arrayPrt</a:t>
             </a:r>
             <a:r>
-              <a:rPr lang="en-US" altLang="zh-TW" sz="2400" dirty="0" smtClean="0">
+              <a:rPr lang="en-US" altLang="zh-TW" sz="2400" dirty="0">
                 <a:latin typeface="Courier New" panose="02070309020205020404" pitchFamily="49" charset="0"/>
                 <a:cs typeface="Courier New" panose="02070309020205020404" pitchFamily="49" charset="0"/>
               </a:rPr>
               <a:t>)-&gt;</a:t>
             </a:r>
             <a:r>
-              <a:rPr lang="en-US" altLang="zh-TW" sz="2400" dirty="0" err="1" smtClean="0">
+              <a:rPr lang="en-US" altLang="zh-TW" sz="2400" dirty="0" err="1">
                 <a:latin typeface="Courier New" panose="02070309020205020404" pitchFamily="49" charset="0"/>
                 <a:cs typeface="Courier New" panose="02070309020205020404" pitchFamily="49" charset="0"/>
               </a:rPr>
               <a:t>getCapacity</a:t>
             </a:r>
             <a:r>
-              <a:rPr lang="en-US" altLang="zh-TW" sz="2400" dirty="0" smtClean="0">
+              <a:rPr lang="en-US" altLang="zh-TW" sz="2400" dirty="0">
                 <a:latin typeface="Courier New" panose="02070309020205020404" pitchFamily="49" charset="0"/>
                 <a:cs typeface="Courier New" panose="02070309020205020404" pitchFamily="49" charset="0"/>
               </a:rPr>
@@ -10871,13 +10282,6 @@
   <p:clrMapOvr>
     <a:masterClrMapping/>
   </p:clrMapOvr>
-  <p:timing>
-    <p:tnLst>
-      <p:par>
-        <p:cTn id="1" dur="indefinite" restart="never" nodeType="tmRoot"/>
-      </p:par>
-    </p:tnLst>
-  </p:timing>
 </p:sld>
 </file>
 
@@ -11815,13 +11219,6 @@
   <p:clrMapOvr>
     <a:masterClrMapping/>
   </p:clrMapOvr>
-  <p:timing>
-    <p:tnLst>
-      <p:par>
-        <p:cTn id="1" dur="indefinite" restart="never" nodeType="tmRoot"/>
-      </p:par>
-    </p:tnLst>
-  </p:timing>
 </p:sld>
 </file>
 
@@ -11858,7 +11255,7 @@
           <a:lstStyle/>
           <a:p>
             <a:r>
-              <a:rPr lang="en-US" altLang="zh-TW" dirty="0" smtClean="0"/>
+              <a:rPr lang="en-US" altLang="zh-TW" dirty="0"/>
               <a:t>polymorphism</a:t>
             </a:r>
             <a:endParaRPr lang="zh-TW" altLang="en-US" dirty="0"/>
@@ -11894,13 +11291,6 @@
   <p:clrMapOvr>
     <a:masterClrMapping/>
   </p:clrMapOvr>
-  <p:timing>
-    <p:tnLst>
-      <p:par>
-        <p:cTn id="1" dur="indefinite" restart="never" nodeType="tmRoot"/>
-      </p:par>
-    </p:tnLst>
-  </p:timing>
 </p:sld>
 </file>
 
@@ -11955,7 +11345,7 @@
               <a:t>, </a:t>
             </a:r>
             <a:r>
-              <a:rPr lang="en-US" altLang="zh-TW" dirty="0" err="1" smtClean="0">
+              <a:rPr lang="en-US" altLang="zh-TW" dirty="0" err="1">
                 <a:solidFill>
                   <a:srgbClr val="0000FF"/>
                 </a:solidFill>
@@ -11964,64 +11354,35 @@
               <a:t>dynamic_cast</a:t>
             </a:r>
             <a:r>
-              <a:rPr lang="en-US" altLang="zh-TW" dirty="0" smtClean="0"/>
-              <a:t> provides </a:t>
-            </a:r>
-            <a:r>
               <a:rPr lang="en-US" altLang="zh-TW" dirty="0"/>
-              <a:t>a </a:t>
-            </a:r>
-            <a:r>
-              <a:rPr lang="en-US" altLang="zh-TW" dirty="0" smtClean="0"/>
-              <a:t>mechanism for you to determine </a:t>
-            </a:r>
+              <a:t> provides a mechanism for you to determine whether the type can really be converted.</a:t>
+            </a:r>
+          </a:p>
+          <a:p>
+            <a:pPr lvl="1" algn="just"/>
             <a:r>
               <a:rPr lang="en-US" altLang="zh-TW" dirty="0"/>
-              <a:t>whether the </a:t>
-            </a:r>
-            <a:r>
-              <a:rPr lang="en-US" altLang="zh-TW" dirty="0" smtClean="0"/>
-              <a:t>type can really be converted.</a:t>
-            </a:r>
-            <a:endParaRPr lang="en-US" altLang="zh-TW" dirty="0"/>
-          </a:p>
-          <a:p>
-            <a:pPr lvl="1" algn="just"/>
+              <a:t>Return </a:t>
+            </a:r>
+            <a:r>
+              <a:rPr lang="en-US" altLang="zh-TW" dirty="0" err="1">
+                <a:solidFill>
+                  <a:srgbClr val="0000FF"/>
+                </a:solidFill>
+                <a:latin typeface="Consolas" panose="020B0609020204030204" pitchFamily="49" charset="0"/>
+              </a:rPr>
+              <a:t>nullptr</a:t>
+            </a:r>
             <a:r>
               <a:rPr lang="en-US" altLang="zh-TW" dirty="0"/>
-              <a:t>R</a:t>
-            </a:r>
-            <a:r>
-              <a:rPr lang="en-US" altLang="zh-TW" dirty="0" smtClean="0"/>
-              <a:t>eturn </a:t>
-            </a:r>
-            <a:r>
-              <a:rPr lang="en-US" altLang="zh-TW" dirty="0" err="1" smtClean="0">
-                <a:solidFill>
-                  <a:srgbClr val="0000FF"/>
-                </a:solidFill>
-                <a:latin typeface="Consolas" panose="020B0609020204030204" pitchFamily="49" charset="0"/>
-              </a:rPr>
-              <a:t>nullptr</a:t>
-            </a:r>
-            <a:r>
-              <a:rPr lang="en-US" altLang="zh-TW" dirty="0" smtClean="0"/>
-              <a:t> (for pointer) or throw an exception</a:t>
+              <a:t> (for pointer) or throw an exception (for reference) if</a:t>
+            </a:r>
+            <a:r>
+              <a:rPr lang="zh-TW" altLang="en-US" dirty="0"/>
+              <a:t> </a:t>
             </a:r>
             <a:r>
               <a:rPr lang="en-US" altLang="zh-TW" dirty="0"/>
-              <a:t> (</a:t>
-            </a:r>
-            <a:r>
-              <a:rPr lang="en-US" altLang="zh-TW" dirty="0" smtClean="0"/>
-              <a:t>for reference) if</a:t>
-            </a:r>
-            <a:r>
-              <a:rPr lang="zh-TW" altLang="en-US" dirty="0" smtClean="0"/>
-              <a:t> </a:t>
-            </a:r>
-            <a:r>
-              <a:rPr lang="en-US" altLang="zh-TW" dirty="0" smtClean="0"/>
               <a:t>the conversion fails.</a:t>
             </a:r>
           </a:p>
@@ -12096,21 +11457,6 @@
   <p:clrMapOvr>
     <a:masterClrMapping/>
   </p:clrMapOvr>
-  <mc:AlternateContent xmlns:mc="http://schemas.openxmlformats.org/markup-compatibility/2006" xmlns:p14="http://schemas.microsoft.com/office/powerpoint/2010/main">
-    <mc:Choice Requires="p14">
-      <p:transition spd="slow" p14:dur="2000"/>
-    </mc:Choice>
-    <mc:Fallback xmlns="">
-      <p:transition spd="slow"/>
-    </mc:Fallback>
-  </mc:AlternateContent>
-  <p:timing>
-    <p:tnLst>
-      <p:par>
-        <p:cTn id="1" dur="indefinite" restart="never" nodeType="tmRoot"/>
-      </p:par>
-    </p:tnLst>
-  </p:timing>
 </p:sld>
 </file>
 
@@ -12147,7 +11493,7 @@
           <a:lstStyle/>
           <a:p>
             <a:r>
-              <a:rPr lang="en-US" altLang="zh-TW" dirty="0" smtClean="0"/>
+              <a:rPr lang="en-US" altLang="zh-TW" dirty="0"/>
               <a:t>Dynamic cast</a:t>
             </a:r>
             <a:endParaRPr lang="zh-TW" altLang="en-US" dirty="0"/>
@@ -12217,7 +11563,7 @@
                 <a:t>B</a:t>
               </a:r>
               <a:r>
-                <a:rPr lang="en-US" altLang="zh-TW" dirty="0" smtClean="0">
+                <a:rPr lang="en-US" altLang="zh-TW" dirty="0">
                   <a:solidFill>
                     <a:srgbClr val="000000"/>
                   </a:solidFill>
@@ -12228,7 +11574,7 @@
             </a:p>
             <a:p>
               <a:r>
-                <a:rPr lang="en-US" altLang="zh-TW" dirty="0" smtClean="0">
+                <a:rPr lang="en-US" altLang="zh-TW" dirty="0">
                   <a:solidFill>
                     <a:srgbClr val="0000FF"/>
                   </a:solidFill>
@@ -12237,22 +11583,13 @@
                 <a:t>virtual</a:t>
               </a:r>
               <a:r>
-                <a:rPr lang="en-US" altLang="zh-TW" dirty="0" smtClean="0">
-                  <a:solidFill>
-                    <a:srgbClr val="000000"/>
-                  </a:solidFill>
-                  <a:latin typeface="Consolas" panose="020B0609020204030204" pitchFamily="49" charset="0"/>
-                </a:rPr>
-                <a:t> </a:t>
-              </a:r>
-              <a:r>
                 <a:rPr lang="en-US" altLang="zh-TW" dirty="0">
                   <a:solidFill>
                     <a:srgbClr val="000000"/>
                   </a:solidFill>
                   <a:latin typeface="Consolas" panose="020B0609020204030204" pitchFamily="49" charset="0"/>
                 </a:rPr>
-                <a:t>~B(){}};</a:t>
+                <a:t> ~B(){}};</a:t>
               </a:r>
             </a:p>
             <a:p>
@@ -12497,19 +11834,10 @@
                     </a:solidFill>
                     <a:latin typeface="Consolas" panose="020B0609020204030204" pitchFamily="49" charset="0"/>
                   </a:rPr>
-                  <a:t> </a:t>
+                  <a:t>    </a:t>
                 </a:r>
                 <a:r>
-                  <a:rPr lang="en-US" altLang="zh-TW" dirty="0" smtClean="0">
-                    <a:solidFill>
-                      <a:srgbClr val="000000"/>
-                    </a:solidFill>
-                    <a:latin typeface="Consolas" panose="020B0609020204030204" pitchFamily="49" charset="0"/>
-                  </a:rPr>
-                  <a:t>   </a:t>
-                </a:r>
-                <a:r>
-                  <a:rPr lang="en-US" altLang="zh-TW" dirty="0" err="1" smtClean="0">
+                  <a:rPr lang="en-US" altLang="zh-TW" dirty="0" err="1">
                     <a:solidFill>
                       <a:srgbClr val="000000"/>
                     </a:solidFill>
@@ -12605,19 +11933,10 @@
                     </a:solidFill>
                     <a:latin typeface="Consolas" panose="020B0609020204030204" pitchFamily="49" charset="0"/>
                   </a:rPr>
-                  <a:t> </a:t>
+                  <a:t>    </a:t>
                 </a:r>
                 <a:r>
-                  <a:rPr lang="en-US" altLang="zh-TW" dirty="0" smtClean="0">
-                    <a:solidFill>
-                      <a:srgbClr val="000000"/>
-                    </a:solidFill>
-                    <a:latin typeface="Consolas" panose="020B0609020204030204" pitchFamily="49" charset="0"/>
-                  </a:rPr>
-                  <a:t>   </a:t>
-                </a:r>
-                <a:r>
-                  <a:rPr lang="en-US" altLang="zh-TW" dirty="0" err="1" smtClean="0">
+                  <a:rPr lang="en-US" altLang="zh-TW" dirty="0" err="1">
                     <a:solidFill>
                       <a:srgbClr val="000000"/>
                     </a:solidFill>
@@ -12737,19 +12056,10 @@
                     </a:solidFill>
                     <a:latin typeface="Consolas" panose="020B0609020204030204" pitchFamily="49" charset="0"/>
                   </a:rPr>
-                  <a:t> </a:t>
+                  <a:t>    </a:t>
                 </a:r>
                 <a:r>
-                  <a:rPr lang="en-US" altLang="zh-TW" dirty="0" smtClean="0">
-                    <a:solidFill>
-                      <a:srgbClr val="000000"/>
-                    </a:solidFill>
-                    <a:latin typeface="Consolas" panose="020B0609020204030204" pitchFamily="49" charset="0"/>
-                  </a:rPr>
-                  <a:t>   </a:t>
-                </a:r>
-                <a:r>
-                  <a:rPr lang="en-US" altLang="zh-TW" dirty="0" err="1" smtClean="0">
+                  <a:rPr lang="en-US" altLang="zh-TW" dirty="0" err="1">
                     <a:solidFill>
                       <a:srgbClr val="000000"/>
                     </a:solidFill>
@@ -12830,19 +12140,10 @@
                     </a:solidFill>
                     <a:latin typeface="Consolas" panose="020B0609020204030204" pitchFamily="49" charset="0"/>
                   </a:rPr>
-                  <a:t> </a:t>
+                  <a:t>    </a:t>
                 </a:r>
                 <a:r>
-                  <a:rPr lang="en-US" altLang="zh-TW" dirty="0" smtClean="0">
-                    <a:solidFill>
-                      <a:srgbClr val="000000"/>
-                    </a:solidFill>
-                    <a:latin typeface="Consolas" panose="020B0609020204030204" pitchFamily="49" charset="0"/>
-                  </a:rPr>
-                  <a:t>   </a:t>
-                </a:r>
-                <a:r>
-                  <a:rPr lang="en-US" altLang="zh-TW" dirty="0" err="1" smtClean="0">
+                  <a:rPr lang="en-US" altLang="zh-TW" dirty="0" err="1">
                     <a:solidFill>
                       <a:srgbClr val="000000"/>
                     </a:solidFill>
@@ -12994,19 +12295,10 @@
                     </a:solidFill>
                     <a:latin typeface="Consolas" panose="020B0609020204030204" pitchFamily="49" charset="0"/>
                   </a:rPr>
-                  <a:t> </a:t>
+                  <a:t>    </a:t>
                 </a:r>
                 <a:r>
-                  <a:rPr lang="en-US" altLang="zh-TW" dirty="0" smtClean="0">
-                    <a:solidFill>
-                      <a:srgbClr val="000000"/>
-                    </a:solidFill>
-                    <a:latin typeface="Consolas" panose="020B0609020204030204" pitchFamily="49" charset="0"/>
-                  </a:rPr>
-                  <a:t>   </a:t>
-                </a:r>
-                <a:r>
-                  <a:rPr lang="en-US" altLang="zh-TW" dirty="0" err="1" smtClean="0">
+                  <a:rPr lang="en-US" altLang="zh-TW" dirty="0" err="1">
                     <a:solidFill>
                       <a:srgbClr val="000000"/>
                     </a:solidFill>
@@ -13102,19 +12394,10 @@
                     </a:solidFill>
                     <a:latin typeface="Consolas" panose="020B0609020204030204" pitchFamily="49" charset="0"/>
                   </a:rPr>
-                  <a:t> </a:t>
+                  <a:t>    </a:t>
                 </a:r>
                 <a:r>
-                  <a:rPr lang="en-US" altLang="zh-TW" dirty="0" smtClean="0">
-                    <a:solidFill>
-                      <a:srgbClr val="000000"/>
-                    </a:solidFill>
-                    <a:latin typeface="Consolas" panose="020B0609020204030204" pitchFamily="49" charset="0"/>
-                  </a:rPr>
-                  <a:t>   </a:t>
-                </a:r>
-                <a:r>
-                  <a:rPr lang="en-US" altLang="zh-TW" dirty="0" err="1" smtClean="0">
+                  <a:rPr lang="en-US" altLang="zh-TW" dirty="0" err="1">
                     <a:solidFill>
                       <a:srgbClr val="000000"/>
                     </a:solidFill>
@@ -13234,19 +12517,10 @@
                     </a:solidFill>
                     <a:latin typeface="Consolas" panose="020B0609020204030204" pitchFamily="49" charset="0"/>
                   </a:rPr>
-                  <a:t> </a:t>
+                  <a:t>    </a:t>
                 </a:r>
                 <a:r>
-                  <a:rPr lang="en-US" altLang="zh-TW" dirty="0" smtClean="0">
-                    <a:solidFill>
-                      <a:srgbClr val="000000"/>
-                    </a:solidFill>
-                    <a:latin typeface="Consolas" panose="020B0609020204030204" pitchFamily="49" charset="0"/>
-                  </a:rPr>
-                  <a:t>   </a:t>
-                </a:r>
-                <a:r>
-                  <a:rPr lang="en-US" altLang="zh-TW" dirty="0" err="1" smtClean="0">
+                  <a:rPr lang="en-US" altLang="zh-TW" dirty="0" err="1">
                     <a:solidFill>
                       <a:srgbClr val="000000"/>
                     </a:solidFill>
@@ -13342,19 +12616,10 @@
                     </a:solidFill>
                     <a:latin typeface="Consolas" panose="020B0609020204030204" pitchFamily="49" charset="0"/>
                   </a:rPr>
-                  <a:t> </a:t>
+                  <a:t>    </a:t>
                 </a:r>
                 <a:r>
-                  <a:rPr lang="en-US" altLang="zh-TW" dirty="0" smtClean="0">
-                    <a:solidFill>
-                      <a:srgbClr val="000000"/>
-                    </a:solidFill>
-                    <a:latin typeface="Consolas" panose="020B0609020204030204" pitchFamily="49" charset="0"/>
-                  </a:rPr>
-                  <a:t>   </a:t>
-                </a:r>
-                <a:r>
-                  <a:rPr lang="en-US" altLang="zh-TW" dirty="0" err="1" smtClean="0">
+                  <a:rPr lang="en-US" altLang="zh-TW" dirty="0" err="1">
                     <a:solidFill>
                       <a:srgbClr val="000000"/>
                     </a:solidFill>
@@ -13427,13 +12692,6 @@
   <p:clrMapOvr>
     <a:masterClrMapping/>
   </p:clrMapOvr>
-  <p:timing>
-    <p:tnLst>
-      <p:par>
-        <p:cTn id="1" dur="indefinite" restart="never" nodeType="tmRoot"/>
-      </p:par>
-    </p:tnLst>
-  </p:timing>
 </p:sld>
 </file>
 
@@ -13500,7 +12758,7 @@
           <a:lstStyle/>
           <a:p>
             <a:r>
-              <a:rPr lang="en-US" altLang="zh-TW" dirty="0" smtClean="0"/>
+              <a:rPr lang="en-US" altLang="zh-TW" dirty="0"/>
               <a:t>Of course, </a:t>
             </a:r>
             <a:r>
@@ -13513,7 +12771,7 @@
               <a:t>dynamic_cast</a:t>
             </a:r>
             <a:r>
-              <a:rPr lang="en-US" altLang="zh-TW" dirty="0" smtClean="0"/>
+              <a:rPr lang="en-US" altLang="zh-TW" dirty="0"/>
               <a:t> can also check other types.</a:t>
             </a:r>
           </a:p>
@@ -13521,18 +12779,18 @@
             <a:endParaRPr lang="en-US" altLang="zh-TW" dirty="0"/>
           </a:p>
           <a:p>
-            <a:endParaRPr lang="en-US" altLang="zh-TW" dirty="0" smtClean="0"/>
-          </a:p>
-          <a:p>
-            <a:endParaRPr lang="en-US" altLang="zh-TW" dirty="0" smtClean="0"/>
-          </a:p>
-          <a:p>
-            <a:endParaRPr lang="en-US" altLang="zh-TW" dirty="0" smtClean="0"/>
-          </a:p>
-          <a:p>
             <a:endParaRPr lang="en-US" altLang="zh-TW" dirty="0"/>
           </a:p>
           <a:p>
+            <a:endParaRPr lang="en-US" altLang="zh-TW" dirty="0"/>
+          </a:p>
+          <a:p>
+            <a:endParaRPr lang="en-US" altLang="zh-TW" dirty="0"/>
+          </a:p>
+          <a:p>
+            <a:endParaRPr lang="en-US" altLang="zh-TW" dirty="0"/>
+          </a:p>
+          <a:p>
             <a:r>
               <a:rPr lang="en-US" altLang="zh-TW" dirty="0" err="1">
                 <a:solidFill>
@@ -13543,7 +12801,7 @@
               <a:t>dynamic_cast</a:t>
             </a:r>
             <a:r>
-              <a:rPr lang="en-US" altLang="zh-TW" dirty="0" smtClean="0"/>
+              <a:rPr lang="en-US" altLang="zh-TW" dirty="0"/>
               <a:t> may do runtime check.</a:t>
             </a:r>
           </a:p>
@@ -13954,21 +13212,6 @@
   <p:clrMapOvr>
     <a:masterClrMapping/>
   </p:clrMapOvr>
-  <mc:AlternateContent xmlns:mc="http://schemas.openxmlformats.org/markup-compatibility/2006" xmlns:p14="http://schemas.microsoft.com/office/powerpoint/2010/main">
-    <mc:Choice Requires="p14">
-      <p:transition spd="slow" p14:dur="2000"/>
-    </mc:Choice>
-    <mc:Fallback xmlns="">
-      <p:transition spd="slow"/>
-    </mc:Fallback>
-  </mc:AlternateContent>
-  <p:timing>
-    <p:tnLst>
-      <p:par>
-        <p:cTn id="1" dur="indefinite" restart="never" nodeType="tmRoot"/>
-      </p:par>
-    </p:tnLst>
-  </p:timing>
 </p:sld>
 </file>
 
@@ -14006,37 +13249,33 @@
           <a:p>
             <a:r>
               <a:rPr lang="en-US" altLang="zh-TW" dirty="0"/>
-              <a:t>Runtime type </a:t>
-            </a:r>
-            <a:r>
-              <a:rPr lang="en-US" altLang="zh-TW" dirty="0" smtClean="0"/>
-              <a:t>information allows programmer to get the exact type (class) of an object during the runtime.</a:t>
-            </a:r>
-          </a:p>
-          <a:p>
-            <a:r>
-              <a:rPr lang="en-US" altLang="zh-TW" dirty="0" smtClean="0"/>
+              <a:t>Runtime type information allows programmer to get the exact type (class) of an object during the runtime.</a:t>
+            </a:r>
+          </a:p>
+          <a:p>
+            <a:r>
+              <a:rPr lang="en-US" altLang="zh-TW" dirty="0"/>
               <a:t>Two useful mechanisms can be used to obtain the runtime type information</a:t>
             </a:r>
           </a:p>
           <a:p>
             <a:pPr lvl="1"/>
             <a:r>
-              <a:rPr lang="en-US" altLang="zh-TW" dirty="0" smtClean="0"/>
+              <a:rPr lang="en-US" altLang="zh-TW" dirty="0"/>
               <a:t>Dynamic casting</a:t>
             </a:r>
           </a:p>
           <a:p>
             <a:pPr lvl="1"/>
             <a:r>
-              <a:rPr lang="en-US" altLang="zh-TW" dirty="0" err="1" smtClean="0"/>
+              <a:rPr lang="en-US" altLang="zh-TW" dirty="0" err="1"/>
               <a:t>Typeid</a:t>
             </a:r>
-            <a:endParaRPr lang="en-US" altLang="zh-TW" dirty="0" smtClean="0"/>
+            <a:endParaRPr lang="en-US" altLang="zh-TW" dirty="0"/>
           </a:p>
           <a:p>
             <a:pPr lvl="1"/>
-            <a:endParaRPr lang="en-US" altLang="zh-TW" dirty="0" smtClean="0"/>
+            <a:endParaRPr lang="en-US" altLang="zh-TW" dirty="0"/>
           </a:p>
         </p:txBody>
       </p:sp>
@@ -14056,7 +13295,7 @@
           <a:lstStyle/>
           <a:p>
             <a:r>
-              <a:rPr lang="en-US" altLang="zh-TW" dirty="0" smtClean="0"/>
+              <a:rPr lang="en-US" altLang="zh-TW" dirty="0"/>
               <a:t>Runtime type information</a:t>
             </a:r>
             <a:endParaRPr lang="zh-TW" altLang="en-US" dirty="0"/>
@@ -14073,13 +13312,6 @@
   <p:clrMapOvr>
     <a:masterClrMapping/>
   </p:clrMapOvr>
-  <p:timing>
-    <p:tnLst>
-      <p:par>
-        <p:cTn id="1" dur="indefinite" restart="never" nodeType="tmRoot"/>
-      </p:par>
-    </p:tnLst>
-  </p:timing>
 </p:sld>
 </file>
 
@@ -14116,7 +13348,7 @@
           <a:lstStyle/>
           <a:p>
             <a:r>
-              <a:rPr lang="en-US" altLang="zh-TW" dirty="0" smtClean="0"/>
+              <a:rPr lang="en-US" altLang="zh-TW" dirty="0"/>
               <a:t>Based class pointer, pointing to a derived object, cannot invoke the derived class specific functions, </a:t>
             </a:r>
           </a:p>
@@ -14136,32 +13368,31 @@
               <a:t>downcasting</a:t>
             </a:r>
             <a:r>
-              <a:rPr lang="en-US" altLang="zh-TW" dirty="0" smtClean="0"/>
+              <a:rPr lang="en-US" altLang="zh-TW" dirty="0"/>
               <a:t>.</a:t>
             </a:r>
           </a:p>
           <a:p>
             <a:r>
-              <a:rPr lang="en-US" altLang="zh-TW" dirty="0" smtClean="0"/>
+              <a:rPr lang="en-US" altLang="zh-TW" dirty="0"/>
               <a:t>Dynamic casting (</a:t>
             </a:r>
             <a:r>
-              <a:rPr lang="zh-TW" altLang="en-US" dirty="0" smtClean="0"/>
+              <a:rPr lang="zh-TW" altLang="en-US" dirty="0"/>
               <a:t>動態型別轉換</a:t>
             </a:r>
             <a:r>
-              <a:rPr lang="en-US" altLang="zh-TW" dirty="0" smtClean="0"/>
+              <a:rPr lang="en-US" altLang="zh-TW" dirty="0"/>
               <a:t>) can be used to achieve </a:t>
             </a:r>
             <a:r>
-              <a:rPr lang="en-US" altLang="zh-TW" dirty="0" err="1" smtClean="0"/>
+              <a:rPr lang="en-US" altLang="zh-TW" dirty="0" err="1"/>
               <a:t>downcasting</a:t>
             </a:r>
             <a:r>
-              <a:rPr lang="en-US" altLang="zh-TW" dirty="0" smtClean="0"/>
+              <a:rPr lang="en-US" altLang="zh-TW" dirty="0"/>
               <a:t>.</a:t>
             </a:r>
-            <a:endParaRPr lang="en-US" altLang="zh-TW" dirty="0"/>
           </a:p>
         </p:txBody>
       </p:sp>
@@ -14181,7 +13412,7 @@
           <a:lstStyle/>
           <a:p>
             <a:r>
-              <a:rPr lang="en-US" altLang="zh-TW" dirty="0" err="1" smtClean="0"/>
+              <a:rPr lang="en-US" altLang="zh-TW" dirty="0" err="1"/>
               <a:t>Downcasting</a:t>
             </a:r>
             <a:endParaRPr lang="zh-TW" altLang="en-US" dirty="0"/>
@@ -14214,17 +13445,10 @@
                 <a:latin typeface="Courier New" panose="02070309020205020404" pitchFamily="49" charset="0"/>
                 <a:cs typeface="Courier New" panose="02070309020205020404" pitchFamily="49" charset="0"/>
               </a:rPr>
-              <a:t>a</a:t>
-            </a:r>
-            <a:r>
-              <a:rPr lang="en-US" altLang="zh-TW" sz="2400" dirty="0" smtClean="0">
-                <a:latin typeface="Courier New" panose="02070309020205020404" pitchFamily="49" charset="0"/>
-                <a:cs typeface="Courier New" panose="02070309020205020404" pitchFamily="49" charset="0"/>
-              </a:rPr>
-              <a:t>rray</a:t>
-            </a:r>
-            <a:r>
-              <a:rPr lang="zh-TW" altLang="en-US" sz="2400" dirty="0" smtClean="0">
+              <a:t>array</a:t>
+            </a:r>
+            <a:r>
+              <a:rPr lang="zh-TW" altLang="en-US" sz="2400" dirty="0">
                 <a:latin typeface="Courier New" panose="02070309020205020404" pitchFamily="49" charset="0"/>
                 <a:cs typeface="Courier New" panose="02070309020205020404" pitchFamily="49" charset="0"/>
               </a:rPr>
@@ -14238,30 +13462,20 @@
                 <a:latin typeface="Courier New" panose="02070309020205020404" pitchFamily="49" charset="0"/>
                 <a:cs typeface="Courier New" panose="02070309020205020404" pitchFamily="49" charset="0"/>
               </a:rPr>
-              <a:t>-</a:t>
-            </a:r>
-            <a:r>
-              <a:rPr lang="zh-TW" altLang="en-US" sz="2400" dirty="0" smtClean="0">
+              <a:t>-&gt;</a:t>
+            </a:r>
+            <a:r>
+              <a:rPr lang="en-US" altLang="zh-TW" sz="2400" dirty="0" err="1">
                 <a:solidFill>
                   <a:srgbClr val="FF0000"/>
                 </a:solidFill>
                 <a:latin typeface="Courier New" panose="02070309020205020404" pitchFamily="49" charset="0"/>
                 <a:cs typeface="Courier New" panose="02070309020205020404" pitchFamily="49" charset="0"/>
               </a:rPr>
-              <a:t>&gt;</a:t>
-            </a:r>
-            <a:r>
-              <a:rPr lang="en-US" altLang="zh-TW" sz="2400" dirty="0" err="1" smtClean="0">
-                <a:solidFill>
-                  <a:srgbClr val="FF0000"/>
-                </a:solidFill>
-                <a:latin typeface="Courier New" panose="02070309020205020404" pitchFamily="49" charset="0"/>
-                <a:cs typeface="Courier New" panose="02070309020205020404" pitchFamily="49" charset="0"/>
-              </a:rPr>
               <a:t>getCapacity</a:t>
             </a:r>
             <a:r>
-              <a:rPr lang="en-US" altLang="zh-TW" sz="2400" dirty="0" smtClean="0">
+              <a:rPr lang="en-US" altLang="zh-TW" sz="2400" dirty="0">
                 <a:solidFill>
                   <a:srgbClr val="FF0000"/>
                 </a:solidFill>
@@ -14284,13 +13498,6 @@
   <p:clrMapOvr>
     <a:masterClrMapping/>
   </p:clrMapOvr>
-  <p:timing>
-    <p:tnLst>
-      <p:par>
-        <p:cTn id="1" dur="indefinite" restart="never" nodeType="tmRoot"/>
-      </p:par>
-    </p:tnLst>
-  </p:timing>
 </p:sld>
 </file>
 
@@ -14336,49 +13543,41 @@
             </a:r>
             <a:r>
               <a:rPr lang="en-US" altLang="zh-TW" dirty="0"/>
-              <a:t> &lt;derived class&gt; </a:t>
-            </a:r>
-            <a:r>
-              <a:rPr lang="en-US" altLang="zh-TW" dirty="0" smtClean="0"/>
-              <a:t>tries </a:t>
-            </a:r>
+              <a:t> &lt;derived class&gt; tries to cast a base class to a derived class</a:t>
+            </a:r>
+            <a:endParaRPr lang="zh-TW" altLang="en-US" dirty="0"/>
+          </a:p>
+          <a:p>
+            <a:endParaRPr lang="en-US" altLang="zh-TW" dirty="0"/>
+          </a:p>
+          <a:p>
+            <a:endParaRPr lang="en-US" altLang="zh-TW" dirty="0"/>
+          </a:p>
+          <a:p>
             <a:r>
               <a:rPr lang="en-US" altLang="zh-TW" dirty="0"/>
-              <a:t>to cast a base class to a derived class</a:t>
-            </a:r>
-            <a:endParaRPr lang="zh-TW" altLang="en-US" dirty="0"/>
-          </a:p>
-          <a:p>
-            <a:endParaRPr lang="en-US" altLang="zh-TW" dirty="0" smtClean="0"/>
-          </a:p>
-          <a:p>
-            <a:endParaRPr lang="en-US" altLang="zh-TW" dirty="0" smtClean="0"/>
-          </a:p>
-          <a:p>
-            <a:r>
-              <a:rPr lang="en-US" altLang="zh-TW" dirty="0" smtClean="0"/>
               <a:t>If </a:t>
             </a:r>
             <a:r>
-              <a:rPr lang="en-US" altLang="zh-TW" sz="2400" dirty="0" smtClean="0">
+              <a:rPr lang="en-US" altLang="zh-TW" sz="2400" dirty="0">
                 <a:latin typeface="Courier New" panose="02070309020205020404" pitchFamily="49" charset="0"/>
                 <a:cs typeface="Courier New" panose="02070309020205020404" pitchFamily="49" charset="0"/>
               </a:rPr>
               <a:t>array</a:t>
             </a:r>
             <a:r>
-              <a:rPr lang="zh-TW" altLang="en-US" sz="2400" dirty="0" smtClean="0">
+              <a:rPr lang="zh-TW" altLang="en-US" sz="2400" dirty="0">
                 <a:latin typeface="Courier New" panose="02070309020205020404" pitchFamily="49" charset="0"/>
                 <a:cs typeface="Courier New" panose="02070309020205020404" pitchFamily="49" charset="0"/>
               </a:rPr>
               <a:t>Ptr</a:t>
             </a:r>
             <a:r>
-              <a:rPr lang="en-US" altLang="zh-TW" dirty="0" smtClean="0"/>
+              <a:rPr lang="en-US" altLang="zh-TW" dirty="0"/>
               <a:t> does </a:t>
             </a:r>
             <a:r>
-              <a:rPr lang="en-US" altLang="zh-TW" dirty="0" smtClean="0">
+              <a:rPr lang="en-US" altLang="zh-TW" dirty="0">
                 <a:solidFill>
                   <a:srgbClr val="FF0000"/>
                 </a:solidFill>
@@ -14386,36 +13585,36 @@
               <a:t>NOT</a:t>
             </a:r>
             <a:r>
-              <a:rPr lang="en-US" altLang="zh-TW" dirty="0" smtClean="0"/>
+              <a:rPr lang="en-US" altLang="zh-TW" dirty="0"/>
               <a:t> point to a </a:t>
             </a:r>
             <a:r>
-              <a:rPr lang="en-US" altLang="zh-TW" sz="2400" dirty="0" smtClean="0">
+              <a:rPr lang="en-US" altLang="zh-TW" sz="2400" dirty="0">
                 <a:latin typeface="Courier New" panose="02070309020205020404" pitchFamily="49" charset="0"/>
                 <a:cs typeface="Courier New" panose="02070309020205020404" pitchFamily="49" charset="0"/>
               </a:rPr>
               <a:t>vector</a:t>
             </a:r>
             <a:r>
-              <a:rPr lang="en-US" altLang="zh-TW" dirty="0" smtClean="0"/>
+              <a:rPr lang="en-US" altLang="zh-TW" dirty="0"/>
               <a:t>, </a:t>
             </a:r>
             <a:r>
-              <a:rPr lang="en-US" altLang="zh-TW" sz="2400" dirty="0" smtClean="0">
+              <a:rPr lang="en-US" altLang="zh-TW" sz="2400" dirty="0">
                 <a:latin typeface="Courier New" panose="02070309020205020404" pitchFamily="49" charset="0"/>
                 <a:cs typeface="Courier New" panose="02070309020205020404" pitchFamily="49" charset="0"/>
               </a:rPr>
               <a:t>vector</a:t>
             </a:r>
             <a:r>
-              <a:rPr lang="zh-TW" altLang="en-US" sz="2400" dirty="0" smtClean="0">
+              <a:rPr lang="zh-TW" altLang="en-US" sz="2400" dirty="0">
                 <a:latin typeface="Courier New" panose="02070309020205020404" pitchFamily="49" charset="0"/>
                 <a:cs typeface="Courier New" panose="02070309020205020404" pitchFamily="49" charset="0"/>
               </a:rPr>
               <a:t>Ptr</a:t>
             </a:r>
             <a:r>
-              <a:rPr lang="en-US" altLang="zh-TW" dirty="0" smtClean="0"/>
+              <a:rPr lang="en-US" altLang="zh-TW" dirty="0"/>
               <a:t> will return a Null pointer.</a:t>
             </a:r>
           </a:p>
@@ -14440,7 +13639,7 @@
           <a:lstStyle/>
           <a:p>
             <a:r>
-              <a:rPr lang="en-US" altLang="zh-TW" dirty="0" smtClean="0"/>
+              <a:rPr lang="en-US" altLang="zh-TW" dirty="0"/>
               <a:t>Dynamic casting</a:t>
             </a:r>
             <a:endParaRPr lang="zh-TW" altLang="en-US" dirty="0"/>
@@ -14469,51 +13668,54 @@
           <a:lstStyle/>
           <a:p>
             <a:r>
-              <a:rPr lang="en-US" altLang="zh-TW" sz="2400" dirty="0" smtClean="0">
+              <a:rPr lang="en-US" altLang="zh-TW" sz="2400" dirty="0">
                 <a:latin typeface="Courier New" panose="02070309020205020404" pitchFamily="49" charset="0"/>
                 <a:cs typeface="Courier New" panose="02070309020205020404" pitchFamily="49" charset="0"/>
               </a:rPr>
               <a:t>Vector</a:t>
             </a:r>
             <a:r>
-              <a:rPr lang="zh-TW" altLang="en-US" sz="2400" dirty="0" smtClean="0">
+              <a:rPr lang="zh-TW" altLang="en-US" sz="2400" dirty="0">
                 <a:latin typeface="Courier New" panose="02070309020205020404" pitchFamily="49" charset="0"/>
                 <a:cs typeface="Courier New" panose="02070309020205020404" pitchFamily="49" charset="0"/>
               </a:rPr>
               <a:t> *</a:t>
             </a:r>
             <a:r>
-              <a:rPr lang="en-US" altLang="zh-TW" sz="2400" dirty="0" smtClean="0">
+              <a:rPr lang="en-US" altLang="zh-TW" sz="2400" dirty="0">
                 <a:latin typeface="Courier New" panose="02070309020205020404" pitchFamily="49" charset="0"/>
                 <a:cs typeface="Courier New" panose="02070309020205020404" pitchFamily="49" charset="0"/>
               </a:rPr>
               <a:t>vector</a:t>
             </a:r>
             <a:r>
-              <a:rPr lang="zh-TW" altLang="en-US" sz="2400" dirty="0" smtClean="0">
-                <a:latin typeface="Courier New" panose="02070309020205020404" pitchFamily="49" charset="0"/>
-                <a:cs typeface="Courier New" panose="02070309020205020404" pitchFamily="49" charset="0"/>
-              </a:rPr>
-              <a:t>Ptr </a:t>
-            </a:r>
-            <a:r>
               <a:rPr lang="zh-TW" altLang="en-US" sz="2400" dirty="0">
                 <a:latin typeface="Courier New" panose="02070309020205020404" pitchFamily="49" charset="0"/>
                 <a:cs typeface="Courier New" panose="02070309020205020404" pitchFamily="49" charset="0"/>
               </a:rPr>
-              <a:t>=</a:t>
-            </a:r>
-          </a:p>
-          <a:p>
-            <a:r>
-              <a:rPr lang="zh-TW" altLang="en-US" sz="2400" dirty="0" smtClean="0">
+              <a:t>Ptr =</a:t>
+            </a:r>
+          </a:p>
+          <a:p>
+            <a:r>
+              <a:rPr lang="zh-TW" altLang="en-US" sz="2400" dirty="0">
                 <a:solidFill>
                   <a:srgbClr val="FF0000"/>
                 </a:solidFill>
                 <a:latin typeface="Courier New" panose="02070309020205020404" pitchFamily="49" charset="0"/>
                 <a:cs typeface="Courier New" panose="02070309020205020404" pitchFamily="49" charset="0"/>
               </a:rPr>
-              <a:t>dynamic</a:t>
+              <a:t>dynamic_cast &lt;</a:t>
+            </a:r>
+            <a:r>
+              <a:rPr lang="en-US" altLang="zh-TW" sz="2400" dirty="0">
+                <a:solidFill>
+                  <a:srgbClr val="FF0000"/>
+                </a:solidFill>
+                <a:latin typeface="Courier New" panose="02070309020205020404" pitchFamily="49" charset="0"/>
+                <a:cs typeface="Courier New" panose="02070309020205020404" pitchFamily="49" charset="0"/>
+              </a:rPr>
+              <a:t>Vector</a:t>
             </a:r>
             <a:r>
               <a:rPr lang="zh-TW" altLang="en-US" sz="2400" dirty="0">
@@ -14523,65 +13725,28 @@
                 <a:latin typeface="Courier New" panose="02070309020205020404" pitchFamily="49" charset="0"/>
                 <a:cs typeface="Courier New" panose="02070309020205020404" pitchFamily="49" charset="0"/>
               </a:rPr>
-              <a:t>_cast </a:t>
-            </a:r>
-            <a:r>
-              <a:rPr lang="zh-TW" altLang="en-US" sz="2400" dirty="0" smtClean="0">
-                <a:solidFill>
-                  <a:srgbClr val="FF0000"/>
-                </a:solidFill>
-                <a:latin typeface="Courier New" panose="02070309020205020404" pitchFamily="49" charset="0"/>
-                <a:cs typeface="Courier New" panose="02070309020205020404" pitchFamily="49" charset="0"/>
-              </a:rPr>
-              <a:t>&lt;</a:t>
-            </a:r>
-            <a:r>
-              <a:rPr lang="en-US" altLang="zh-TW" sz="2400" dirty="0" smtClean="0">
-                <a:solidFill>
-                  <a:srgbClr val="FF0000"/>
-                </a:solidFill>
-                <a:latin typeface="Courier New" panose="02070309020205020404" pitchFamily="49" charset="0"/>
-                <a:cs typeface="Courier New" panose="02070309020205020404" pitchFamily="49" charset="0"/>
-              </a:rPr>
-              <a:t>Vector</a:t>
-            </a:r>
-            <a:r>
-              <a:rPr lang="zh-TW" altLang="en-US" sz="2400" dirty="0" smtClean="0">
-                <a:solidFill>
-                  <a:srgbClr val="FF0000"/>
-                </a:solidFill>
-                <a:latin typeface="Courier New" panose="02070309020205020404" pitchFamily="49" charset="0"/>
-                <a:cs typeface="Courier New" panose="02070309020205020404" pitchFamily="49" charset="0"/>
-              </a:rPr>
               <a:t> *&gt;</a:t>
             </a:r>
             <a:r>
-              <a:rPr lang="zh-TW" altLang="en-US" sz="2400" dirty="0" smtClean="0">
+              <a:rPr lang="zh-TW" altLang="en-US" sz="2400" dirty="0">
                 <a:latin typeface="Courier New" panose="02070309020205020404" pitchFamily="49" charset="0"/>
                 <a:cs typeface="Courier New" panose="02070309020205020404" pitchFamily="49" charset="0"/>
               </a:rPr>
               <a:t> (</a:t>
             </a:r>
             <a:r>
-              <a:rPr lang="en-US" altLang="zh-TW" sz="2400" dirty="0" smtClean="0">
+              <a:rPr lang="en-US" altLang="zh-TW" sz="2400" dirty="0">
                 <a:latin typeface="Courier New" panose="02070309020205020404" pitchFamily="49" charset="0"/>
                 <a:cs typeface="Courier New" panose="02070309020205020404" pitchFamily="49" charset="0"/>
               </a:rPr>
               <a:t>array</a:t>
             </a:r>
             <a:r>
-              <a:rPr lang="zh-TW" altLang="en-US" sz="2400" dirty="0" smtClean="0">
-                <a:latin typeface="Courier New" panose="02070309020205020404" pitchFamily="49" charset="0"/>
-                <a:cs typeface="Courier New" panose="02070309020205020404" pitchFamily="49" charset="0"/>
-              </a:rPr>
-              <a:t>Ptr)</a:t>
-            </a:r>
-            <a:r>
               <a:rPr lang="zh-TW" altLang="en-US" sz="2400" dirty="0">
                 <a:latin typeface="Courier New" panose="02070309020205020404" pitchFamily="49" charset="0"/>
                 <a:cs typeface="Courier New" panose="02070309020205020404" pitchFamily="49" charset="0"/>
               </a:rPr>
-              <a:t>;</a:t>
+              <a:t>Ptr);</a:t>
             </a:r>
           </a:p>
         </p:txBody>
@@ -14596,13 +13761,6 @@
   <p:clrMapOvr>
     <a:masterClrMapping/>
   </p:clrMapOvr>
-  <p:timing>
-    <p:tnLst>
-      <p:par>
-        <p:cTn id="1" dur="indefinite" restart="never" nodeType="tmRoot"/>
-      </p:par>
-    </p:tnLst>
-  </p:timing>
 </p:sld>
 </file>
 
@@ -14675,13 +13833,9 @@
           <a:p>
             <a:pPr algn="just"/>
             <a:r>
-              <a:rPr lang="en-US" altLang="zh-TW" dirty="0" smtClean="0"/>
+              <a:rPr lang="en-US" altLang="zh-TW" dirty="0"/>
               <a:t>When you do NOT care type-safety and cross-platform issue.</a:t>
             </a:r>
-          </a:p>
-          <a:p>
-            <a:pPr algn="just"/>
-            <a:endParaRPr lang="en-US" altLang="zh-TW" dirty="0" smtClean="0"/>
           </a:p>
           <a:p>
             <a:pPr algn="just"/>
@@ -14689,11 +13843,15 @@
           </a:p>
           <a:p>
             <a:pPr algn="just"/>
-            <a:endParaRPr lang="en-US" altLang="zh-TW" dirty="0" smtClean="0"/>
+            <a:endParaRPr lang="en-US" altLang="zh-TW" dirty="0"/>
           </a:p>
           <a:p>
             <a:pPr algn="just"/>
-            <a:endParaRPr lang="en-US" altLang="zh-TW" dirty="0" smtClean="0"/>
+            <a:endParaRPr lang="en-US" altLang="zh-TW" dirty="0"/>
+          </a:p>
+          <a:p>
+            <a:pPr algn="just"/>
+            <a:endParaRPr lang="en-US" altLang="zh-TW" dirty="0"/>
           </a:p>
           <a:p>
             <a:pPr algn="just"/>
@@ -14899,7 +14057,7 @@
             </a:r>
           </a:p>
           <a:p>
-            <a:endParaRPr lang="en-US" altLang="zh-TW" sz="2400" dirty="0" smtClean="0">
+            <a:endParaRPr lang="en-US" altLang="zh-TW" sz="2400" dirty="0">
               <a:solidFill>
                 <a:srgbClr val="008000"/>
               </a:solidFill>
@@ -14918,13 +14076,6 @@
   <p:clrMapOvr>
     <a:masterClrMapping/>
   </p:clrMapOvr>
-  <p:timing>
-    <p:tnLst>
-      <p:par>
-        <p:cTn id="1" dur="indefinite" restart="never" nodeType="tmRoot"/>
-      </p:par>
-    </p:tnLst>
-  </p:timing>
 </p:sld>
 </file>
 
@@ -15218,13 +14369,6 @@
   <p:clrMapOvr>
     <a:masterClrMapping/>
   </p:clrMapOvr>
-  <p:timing>
-    <p:tnLst>
-      <p:par>
-        <p:cTn id="1" dur="indefinite" restart="never" nodeType="tmRoot"/>
-      </p:par>
-    </p:tnLst>
-  </p:timing>
 </p:sld>
 </file>
 
@@ -15263,12 +14407,8 @@
           <a:lstStyle/>
           <a:p>
             <a:r>
-              <a:rPr lang="en-US" altLang="zh-TW" dirty="0" smtClean="0"/>
-              <a:t>An </a:t>
-            </a:r>
-            <a:r>
               <a:rPr lang="en-US" altLang="zh-TW" dirty="0"/>
-              <a:t>object of a </a:t>
+              <a:t>An object of a </a:t>
             </a:r>
             <a:r>
               <a:rPr lang="en-US" altLang="zh-TW" dirty="0">
@@ -15291,10 +14431,9 @@
               <a:t>base class</a:t>
             </a:r>
             <a:r>
-              <a:rPr lang="en-US" altLang="zh-TW" dirty="0" smtClean="0"/>
+              <a:rPr lang="en-US" altLang="zh-TW" dirty="0"/>
               <a:t>.  </a:t>
             </a:r>
-            <a:endParaRPr lang="en-US" altLang="zh-TW" dirty="0"/>
           </a:p>
           <a:p>
             <a:pPr lvl="1"/>
@@ -15342,7 +14481,7 @@
           <a:lstStyle/>
           <a:p>
             <a:r>
-              <a:rPr lang="en-US" altLang="zh-TW" dirty="0" smtClean="0"/>
+              <a:rPr lang="en-US" altLang="zh-TW" dirty="0"/>
               <a:t>Inheritance hierarchy</a:t>
             </a:r>
             <a:endParaRPr lang="zh-TW" altLang="en-US" dirty="0"/>
@@ -15359,13 +14498,6 @@
   <p:clrMapOvr>
     <a:masterClrMapping/>
   </p:clrMapOvr>
-  <p:timing>
-    <p:tnLst>
-      <p:par>
-        <p:cTn id="1" dur="indefinite" restart="never" nodeType="tmRoot"/>
-      </p:par>
-    </p:tnLst>
-  </p:timing>
 </p:sld>
 </file>
 
@@ -15402,7 +14534,7 @@
           <a:lstStyle/>
           <a:p>
             <a:r>
-              <a:rPr lang="en-US" altLang="zh-TW" dirty="0" smtClean="0"/>
+              <a:rPr lang="en-US" altLang="zh-TW" dirty="0"/>
               <a:t>Recall that</a:t>
             </a:r>
           </a:p>
@@ -15427,7 +14559,7 @@
           <a:lstStyle/>
           <a:p>
             <a:r>
-              <a:rPr lang="en-US" altLang="zh-TW" dirty="0" smtClean="0"/>
+              <a:rPr lang="en-US" altLang="zh-TW" dirty="0"/>
               <a:t>Example: Vector</a:t>
             </a:r>
             <a:endParaRPr lang="zh-TW" altLang="en-US" dirty="0"/>
@@ -15461,7 +14593,7 @@
           <a:lstStyle/>
           <a:p>
             <a:r>
-              <a:rPr lang="en-US" altLang="zh-TW" sz="2400" dirty="0" smtClean="0">
+              <a:rPr lang="en-US" altLang="zh-TW" sz="2400" dirty="0">
                 <a:latin typeface="Courier New" panose="02070309020205020404" pitchFamily="49" charset="0"/>
                 <a:cs typeface="Courier New" panose="02070309020205020404" pitchFamily="49" charset="0"/>
               </a:rPr>
@@ -15498,7 +14630,7 @@
           <a:lstStyle/>
           <a:p>
             <a:r>
-              <a:rPr lang="en-US" altLang="zh-TW" sz="2400" dirty="0" smtClean="0">
+              <a:rPr lang="en-US" altLang="zh-TW" sz="2400" dirty="0">
                 <a:latin typeface="Courier New" panose="02070309020205020404" pitchFamily="49" charset="0"/>
                 <a:cs typeface="Courier New" panose="02070309020205020404" pitchFamily="49" charset="0"/>
               </a:rPr>
@@ -15567,7 +14699,7 @@
           <a:lstStyle/>
           <a:p>
             <a:r>
-              <a:rPr lang="en-US" altLang="zh-TW" sz="2400" dirty="0" smtClean="0"/>
+              <a:rPr lang="en-US" altLang="zh-TW" sz="2400" dirty="0"/>
               <a:t>Base class</a:t>
             </a:r>
             <a:endParaRPr lang="zh-TW" altLang="en-US" sz="2400" dirty="0"/>
@@ -15597,7 +14729,7 @@
           <a:lstStyle/>
           <a:p>
             <a:r>
-              <a:rPr lang="en-US" altLang="zh-TW" sz="2400" dirty="0" smtClean="0"/>
+              <a:rPr lang="en-US" altLang="zh-TW" sz="2400" dirty="0"/>
               <a:t>Derived class</a:t>
             </a:r>
             <a:endParaRPr lang="zh-TW" altLang="en-US" sz="2400" dirty="0"/>
@@ -15626,68 +14758,28 @@
           <a:lstStyle/>
           <a:p>
             <a:r>
-              <a:rPr lang="en-US" altLang="zh-TW" sz="2400" dirty="0" smtClean="0">
+              <a:rPr lang="en-US" altLang="zh-TW" sz="2400" dirty="0">
                 <a:latin typeface="Courier New" panose="02070309020205020404" pitchFamily="49" charset="0"/>
                 <a:cs typeface="Courier New" panose="02070309020205020404" pitchFamily="49" charset="0"/>
               </a:rPr>
               <a:t>Vector v</a:t>
             </a:r>
             <a:r>
-              <a:rPr lang="zh-TW" altLang="en-US" sz="2400" dirty="0" smtClean="0">
+              <a:rPr lang="zh-TW" altLang="en-US" sz="2400" dirty="0">
                 <a:latin typeface="Courier New" panose="02070309020205020404" pitchFamily="49" charset="0"/>
                 <a:cs typeface="Courier New" panose="02070309020205020404" pitchFamily="49" charset="0"/>
               </a:rPr>
               <a:t>;          </a:t>
             </a:r>
             <a:r>
-              <a:rPr lang="zh-TW" altLang="en-US" sz="2400" dirty="0" smtClean="0">
+              <a:rPr lang="zh-TW" altLang="en-US" sz="2400" dirty="0">
                 <a:solidFill>
                   <a:srgbClr val="00B050"/>
                 </a:solidFill>
                 <a:latin typeface="Courier New" panose="02070309020205020404" pitchFamily="49" charset="0"/>
                 <a:cs typeface="Courier New" panose="02070309020205020404" pitchFamily="49" charset="0"/>
               </a:rPr>
-              <a:t>/</a:t>
-            </a:r>
-            <a:r>
-              <a:rPr lang="zh-TW" altLang="en-US" sz="2400" dirty="0">
-                <a:solidFill>
-                  <a:srgbClr val="00B050"/>
-                </a:solidFill>
-                <a:latin typeface="Courier New" panose="02070309020205020404" pitchFamily="49" charset="0"/>
-                <a:cs typeface="Courier New" panose="02070309020205020404" pitchFamily="49" charset="0"/>
-              </a:rPr>
-              <a:t>/ </a:t>
-            </a:r>
-            <a:r>
-              <a:rPr lang="zh-TW" altLang="en-US" sz="2400" dirty="0" smtClean="0">
-                <a:solidFill>
-                  <a:srgbClr val="00B050"/>
-                </a:solidFill>
-                <a:latin typeface="Courier New" panose="02070309020205020404" pitchFamily="49" charset="0"/>
-                <a:cs typeface="Courier New" panose="02070309020205020404" pitchFamily="49" charset="0"/>
-              </a:rPr>
-              <a:t>derived</a:t>
-            </a:r>
-            <a:r>
-              <a:rPr lang="zh-TW" altLang="en-US" sz="2400" dirty="0">
-                <a:solidFill>
-                  <a:srgbClr val="00B050"/>
-                </a:solidFill>
-                <a:latin typeface="Courier New" panose="02070309020205020404" pitchFamily="49" charset="0"/>
-                <a:cs typeface="Courier New" panose="02070309020205020404" pitchFamily="49" charset="0"/>
-              </a:rPr>
-              <a:t>-class </a:t>
-            </a:r>
-            <a:r>
-              <a:rPr lang="zh-TW" altLang="en-US" sz="2400" dirty="0" smtClean="0">
-                <a:solidFill>
-                  <a:srgbClr val="00B050"/>
-                </a:solidFill>
-                <a:latin typeface="Courier New" panose="02070309020205020404" pitchFamily="49" charset="0"/>
-                <a:cs typeface="Courier New" panose="02070309020205020404" pitchFamily="49" charset="0"/>
-              </a:rPr>
-              <a:t>object</a:t>
+              <a:t>// derived-class object</a:t>
             </a:r>
             <a:endParaRPr lang="zh-TW" altLang="en-US" sz="2400" dirty="0">
               <a:latin typeface="Courier New" panose="02070309020205020404" pitchFamily="49" charset="0"/>
@@ -15696,320 +14788,42 @@
           </a:p>
           <a:p>
             <a:r>
-              <a:rPr lang="en-US" altLang="zh-TW" sz="2400" dirty="0" smtClean="0">
+              <a:rPr lang="en-US" altLang="zh-TW" sz="2400" dirty="0">
                 <a:latin typeface="Courier New" panose="02070309020205020404" pitchFamily="49" charset="0"/>
                 <a:cs typeface="Courier New" panose="02070309020205020404" pitchFamily="49" charset="0"/>
               </a:rPr>
               <a:t>Array</a:t>
             </a:r>
             <a:r>
-              <a:rPr lang="zh-TW" altLang="en-US" sz="2400" dirty="0" smtClean="0">
+              <a:rPr lang="zh-TW" altLang="en-US" sz="2400" dirty="0">
                 <a:latin typeface="Courier New" panose="02070309020205020404" pitchFamily="49" charset="0"/>
                 <a:cs typeface="Courier New" panose="02070309020205020404" pitchFamily="49" charset="0"/>
               </a:rPr>
               <a:t> *</a:t>
             </a:r>
             <a:r>
-              <a:rPr lang="en-US" altLang="zh-TW" sz="2400" dirty="0" err="1" smtClean="0">
+              <a:rPr lang="en-US" altLang="zh-TW" sz="2400" dirty="0" err="1">
                 <a:latin typeface="Courier New" panose="02070309020205020404" pitchFamily="49" charset="0"/>
                 <a:cs typeface="Courier New" panose="02070309020205020404" pitchFamily="49" charset="0"/>
               </a:rPr>
               <a:t>arrayPtr</a:t>
             </a:r>
             <a:r>
-              <a:rPr lang="zh-TW" altLang="en-US" sz="2400" dirty="0" smtClean="0">
+              <a:rPr lang="zh-TW" altLang="en-US" sz="2400" dirty="0">
                 <a:latin typeface="Courier New" panose="02070309020205020404" pitchFamily="49" charset="0"/>
                 <a:cs typeface="Courier New" panose="02070309020205020404" pitchFamily="49" charset="0"/>
               </a:rPr>
               <a:t>;   </a:t>
             </a:r>
             <a:r>
-              <a:rPr lang="zh-TW" altLang="en-US" sz="2400" dirty="0" smtClean="0">
+              <a:rPr lang="zh-TW" altLang="en-US" sz="2400" dirty="0">
                 <a:solidFill>
                   <a:srgbClr val="00B050"/>
                 </a:solidFill>
                 <a:latin typeface="Courier New" panose="02070309020205020404" pitchFamily="49" charset="0"/>
                 <a:cs typeface="Courier New" panose="02070309020205020404" pitchFamily="49" charset="0"/>
               </a:rPr>
-              <a:t>/</a:t>
-            </a:r>
-            <a:r>
-              <a:rPr lang="zh-TW" altLang="en-US" sz="2400" dirty="0">
-                <a:solidFill>
-                  <a:srgbClr val="00B050"/>
-                </a:solidFill>
-                <a:latin typeface="Courier New" panose="02070309020205020404" pitchFamily="49" charset="0"/>
-                <a:cs typeface="Courier New" panose="02070309020205020404" pitchFamily="49" charset="0"/>
-              </a:rPr>
-              <a:t>/ </a:t>
-            </a:r>
-            <a:r>
-              <a:rPr lang="zh-TW" altLang="en-US" sz="2400" dirty="0" smtClean="0">
-                <a:solidFill>
-                  <a:srgbClr val="00B050"/>
-                </a:solidFill>
-                <a:latin typeface="Courier New" panose="02070309020205020404" pitchFamily="49" charset="0"/>
-                <a:cs typeface="Courier New" panose="02070309020205020404" pitchFamily="49" charset="0"/>
-              </a:rPr>
-              <a:t>base</a:t>
-            </a:r>
-            <a:r>
-              <a:rPr lang="zh-TW" altLang="en-US" sz="2400" dirty="0">
-                <a:solidFill>
-                  <a:srgbClr val="00B050"/>
-                </a:solidFill>
-                <a:latin typeface="Courier New" panose="02070309020205020404" pitchFamily="49" charset="0"/>
-                <a:cs typeface="Courier New" panose="02070309020205020404" pitchFamily="49" charset="0"/>
-              </a:rPr>
-              <a:t>-class </a:t>
-            </a:r>
-            <a:r>
-              <a:rPr lang="zh-TW" altLang="en-US" sz="2400" dirty="0" smtClean="0">
-                <a:solidFill>
-                  <a:srgbClr val="00B050"/>
-                </a:solidFill>
-                <a:latin typeface="Courier New" panose="02070309020205020404" pitchFamily="49" charset="0"/>
-                <a:cs typeface="Courier New" panose="02070309020205020404" pitchFamily="49" charset="0"/>
-              </a:rPr>
-              <a:t>pointer</a:t>
-            </a:r>
-            <a:endParaRPr lang="zh-TW" altLang="en-US" sz="2400" dirty="0" smtClean="0">
-              <a:latin typeface="Courier New" panose="02070309020205020404" pitchFamily="49" charset="0"/>
-              <a:cs typeface="Courier New" panose="02070309020205020404" pitchFamily="49" charset="0"/>
-            </a:endParaRPr>
-          </a:p>
-          <a:p>
-            <a:r>
-              <a:rPr lang="en-US" altLang="zh-TW" sz="2400" dirty="0" smtClean="0">
-                <a:latin typeface="Courier New" panose="02070309020205020404" pitchFamily="49" charset="0"/>
-                <a:cs typeface="Courier New" panose="02070309020205020404" pitchFamily="49" charset="0"/>
-              </a:rPr>
-              <a:t>Vector</a:t>
-            </a:r>
-            <a:r>
-              <a:rPr lang="zh-TW" altLang="en-US" sz="2400" dirty="0" smtClean="0">
-                <a:latin typeface="Courier New" panose="02070309020205020404" pitchFamily="49" charset="0"/>
-                <a:cs typeface="Courier New" panose="02070309020205020404" pitchFamily="49" charset="0"/>
-              </a:rPr>
-              <a:t> *</a:t>
-            </a:r>
-            <a:r>
-              <a:rPr lang="en-US" altLang="zh-TW" sz="2400" dirty="0" err="1" smtClean="0">
-                <a:latin typeface="Courier New" panose="02070309020205020404" pitchFamily="49" charset="0"/>
-                <a:cs typeface="Courier New" panose="02070309020205020404" pitchFamily="49" charset="0"/>
-              </a:rPr>
-              <a:t>vectorPtr</a:t>
-            </a:r>
-            <a:r>
-              <a:rPr lang="zh-TW" altLang="en-US" sz="2400" dirty="0" smtClean="0">
-                <a:latin typeface="Courier New" panose="02070309020205020404" pitchFamily="49" charset="0"/>
-                <a:cs typeface="Courier New" panose="02070309020205020404" pitchFamily="49" charset="0"/>
-              </a:rPr>
-              <a:t>; </a:t>
-            </a:r>
-            <a:r>
-              <a:rPr lang="zh-TW" altLang="en-US" sz="2400" dirty="0" smtClean="0">
-                <a:solidFill>
-                  <a:srgbClr val="00B050"/>
-                </a:solidFill>
-                <a:latin typeface="Courier New" panose="02070309020205020404" pitchFamily="49" charset="0"/>
-                <a:cs typeface="Courier New" panose="02070309020205020404" pitchFamily="49" charset="0"/>
-              </a:rPr>
-              <a:t>/</a:t>
-            </a:r>
-            <a:r>
-              <a:rPr lang="zh-TW" altLang="en-US" sz="2400" dirty="0">
-                <a:solidFill>
-                  <a:srgbClr val="00B050"/>
-                </a:solidFill>
-                <a:latin typeface="Courier New" panose="02070309020205020404" pitchFamily="49" charset="0"/>
-                <a:cs typeface="Courier New" panose="02070309020205020404" pitchFamily="49" charset="0"/>
-              </a:rPr>
-              <a:t>/ </a:t>
-            </a:r>
-            <a:r>
-              <a:rPr lang="zh-TW" altLang="en-US" sz="2400" dirty="0" smtClean="0">
-                <a:solidFill>
-                  <a:srgbClr val="00B050"/>
-                </a:solidFill>
-                <a:latin typeface="Courier New" panose="02070309020205020404" pitchFamily="49" charset="0"/>
-                <a:cs typeface="Courier New" panose="02070309020205020404" pitchFamily="49" charset="0"/>
-              </a:rPr>
-              <a:t>derived</a:t>
-            </a:r>
-            <a:r>
-              <a:rPr lang="zh-TW" altLang="en-US" sz="2400" dirty="0">
-                <a:solidFill>
-                  <a:srgbClr val="00B050"/>
-                </a:solidFill>
-                <a:latin typeface="Courier New" panose="02070309020205020404" pitchFamily="49" charset="0"/>
-                <a:cs typeface="Courier New" panose="02070309020205020404" pitchFamily="49" charset="0"/>
-              </a:rPr>
-              <a:t>-class </a:t>
-            </a:r>
-            <a:r>
-              <a:rPr lang="zh-TW" altLang="en-US" sz="2400" dirty="0" smtClean="0">
-                <a:solidFill>
-                  <a:srgbClr val="00B050"/>
-                </a:solidFill>
-                <a:latin typeface="Courier New" panose="02070309020205020404" pitchFamily="49" charset="0"/>
-                <a:cs typeface="Courier New" panose="02070309020205020404" pitchFamily="49" charset="0"/>
-              </a:rPr>
-              <a:t>pointer</a:t>
-            </a:r>
-            <a:endParaRPr lang="en-US" altLang="zh-TW" sz="2400" dirty="0" smtClean="0">
-              <a:latin typeface="Courier New" panose="02070309020205020404" pitchFamily="49" charset="0"/>
-              <a:cs typeface="Courier New" panose="02070309020205020404" pitchFamily="49" charset="0"/>
-            </a:endParaRPr>
-          </a:p>
-          <a:p>
-            <a:r>
-              <a:rPr lang="en-US" altLang="zh-TW" sz="2400" dirty="0" err="1" smtClean="0">
-                <a:latin typeface="Courier New" panose="02070309020205020404" pitchFamily="49" charset="0"/>
-                <a:cs typeface="Courier New" panose="02070309020205020404" pitchFamily="49" charset="0"/>
-              </a:rPr>
-              <a:t>arrayPtr</a:t>
-            </a:r>
-            <a:r>
-              <a:rPr lang="zh-TW" altLang="en-US" sz="2400" dirty="0" smtClean="0">
-                <a:latin typeface="Courier New" panose="02070309020205020404" pitchFamily="49" charset="0"/>
-                <a:cs typeface="Courier New" panose="02070309020205020404" pitchFamily="49" charset="0"/>
-              </a:rPr>
-              <a:t> = &amp;</a:t>
-            </a:r>
-            <a:r>
-              <a:rPr lang="en-US" altLang="zh-TW" sz="2400" dirty="0" smtClean="0">
-                <a:latin typeface="Courier New" panose="02070309020205020404" pitchFamily="49" charset="0"/>
-                <a:cs typeface="Courier New" panose="02070309020205020404" pitchFamily="49" charset="0"/>
-              </a:rPr>
-              <a:t>v</a:t>
-            </a:r>
-            <a:r>
-              <a:rPr lang="zh-TW" altLang="en-US" sz="2400" dirty="0" smtClean="0">
-                <a:latin typeface="Courier New" panose="02070309020205020404" pitchFamily="49" charset="0"/>
-                <a:cs typeface="Courier New" panose="02070309020205020404" pitchFamily="49" charset="0"/>
-              </a:rPr>
-              <a:t>;     </a:t>
-            </a:r>
-            <a:r>
-              <a:rPr lang="en-US" altLang="zh-TW" sz="2400" dirty="0" smtClean="0">
-                <a:solidFill>
-                  <a:srgbClr val="00B050"/>
-                </a:solidFill>
-                <a:latin typeface="Courier New" panose="02070309020205020404" pitchFamily="49" charset="0"/>
-                <a:cs typeface="Courier New" panose="02070309020205020404" pitchFamily="49" charset="0"/>
-              </a:rPr>
-              <a:t>// point to v</a:t>
-            </a:r>
-            <a:endParaRPr lang="en-US" altLang="zh-TW" sz="2400" dirty="0">
-              <a:solidFill>
-                <a:srgbClr val="00B050"/>
-              </a:solidFill>
-              <a:latin typeface="Courier New" panose="02070309020205020404" pitchFamily="49" charset="0"/>
-              <a:cs typeface="Courier New" panose="02070309020205020404" pitchFamily="49" charset="0"/>
-            </a:endParaRPr>
-          </a:p>
-          <a:p>
-            <a:r>
-              <a:rPr lang="en-US" altLang="zh-TW" sz="2400" dirty="0" err="1">
-                <a:latin typeface="Courier New" panose="02070309020205020404" pitchFamily="49" charset="0"/>
-                <a:cs typeface="Courier New" panose="02070309020205020404" pitchFamily="49" charset="0"/>
-              </a:rPr>
-              <a:t>arrayPtr</a:t>
-            </a:r>
-            <a:r>
-              <a:rPr lang="en-US" altLang="zh-TW" sz="2400" dirty="0">
-                <a:latin typeface="Courier New" panose="02070309020205020404" pitchFamily="49" charset="0"/>
-                <a:cs typeface="Courier New" panose="02070309020205020404" pitchFamily="49" charset="0"/>
-              </a:rPr>
-              <a:t> </a:t>
-            </a:r>
-            <a:r>
-              <a:rPr lang="zh-TW" altLang="en-US" sz="2400" dirty="0" smtClean="0">
-                <a:solidFill>
-                  <a:srgbClr val="FF0000"/>
-                </a:solidFill>
-                <a:latin typeface="Courier New" panose="02070309020205020404" pitchFamily="49" charset="0"/>
-                <a:cs typeface="Courier New" panose="02070309020205020404" pitchFamily="49" charset="0"/>
-              </a:rPr>
-              <a:t>-&gt;</a:t>
-            </a:r>
-            <a:r>
-              <a:rPr lang="en-US" altLang="zh-TW" sz="2400" dirty="0" smtClean="0">
-                <a:solidFill>
-                  <a:srgbClr val="FF0000"/>
-                </a:solidFill>
-                <a:latin typeface="Courier New" panose="02070309020205020404" pitchFamily="49" charset="0"/>
-                <a:cs typeface="Courier New" panose="02070309020205020404" pitchFamily="49" charset="0"/>
-              </a:rPr>
-              <a:t>print</a:t>
-            </a:r>
-            <a:r>
-              <a:rPr lang="zh-TW" altLang="en-US" sz="2400" dirty="0" smtClean="0">
-                <a:solidFill>
-                  <a:srgbClr val="FF0000"/>
-                </a:solidFill>
-                <a:latin typeface="Courier New" panose="02070309020205020404" pitchFamily="49" charset="0"/>
-                <a:cs typeface="Courier New" panose="02070309020205020404" pitchFamily="49" charset="0"/>
-              </a:rPr>
-              <a:t>()</a:t>
-            </a:r>
-            <a:r>
-              <a:rPr lang="zh-TW" altLang="en-US" sz="2400" dirty="0" smtClean="0">
-                <a:latin typeface="Courier New" panose="02070309020205020404" pitchFamily="49" charset="0"/>
-                <a:cs typeface="Courier New" panose="02070309020205020404" pitchFamily="49" charset="0"/>
-              </a:rPr>
-              <a:t>; </a:t>
-            </a:r>
-            <a:r>
-              <a:rPr lang="zh-TW" altLang="en-US" sz="2400" dirty="0">
-                <a:solidFill>
-                  <a:srgbClr val="00B050"/>
-                </a:solidFill>
-                <a:latin typeface="Courier New" panose="02070309020205020404" pitchFamily="49" charset="0"/>
-                <a:cs typeface="Courier New" panose="02070309020205020404" pitchFamily="49" charset="0"/>
-              </a:rPr>
-              <a:t>// </a:t>
-            </a:r>
-            <a:r>
-              <a:rPr lang="en-US" altLang="zh-TW" sz="2400" dirty="0" smtClean="0">
-                <a:solidFill>
-                  <a:srgbClr val="00B050"/>
-                </a:solidFill>
-                <a:latin typeface="Courier New" panose="02070309020205020404" pitchFamily="49" charset="0"/>
-                <a:cs typeface="Courier New" panose="02070309020205020404" pitchFamily="49" charset="0"/>
-              </a:rPr>
-              <a:t>call</a:t>
-            </a:r>
-            <a:r>
-              <a:rPr lang="zh-TW" altLang="en-US" sz="2400" dirty="0" smtClean="0">
-                <a:solidFill>
-                  <a:srgbClr val="00B050"/>
-                </a:solidFill>
-                <a:latin typeface="Courier New" panose="02070309020205020404" pitchFamily="49" charset="0"/>
-                <a:cs typeface="Courier New" panose="02070309020205020404" pitchFamily="49" charset="0"/>
-              </a:rPr>
-              <a:t> </a:t>
-            </a:r>
-            <a:r>
-              <a:rPr lang="en-US" altLang="zh-TW" sz="2400" u="sng" dirty="0" smtClean="0">
-                <a:solidFill>
-                  <a:srgbClr val="00B050"/>
-                </a:solidFill>
-                <a:latin typeface="Courier New" panose="02070309020205020404" pitchFamily="49" charset="0"/>
-                <a:cs typeface="Courier New" panose="02070309020205020404" pitchFamily="49" charset="0"/>
-              </a:rPr>
-              <a:t>array</a:t>
-            </a:r>
-            <a:r>
-              <a:rPr lang="zh-TW" altLang="en-US" sz="2400" dirty="0" smtClean="0">
-                <a:solidFill>
-                  <a:srgbClr val="00B050"/>
-                </a:solidFill>
-                <a:latin typeface="Courier New" panose="02070309020205020404" pitchFamily="49" charset="0"/>
-                <a:cs typeface="Courier New" panose="02070309020205020404" pitchFamily="49" charset="0"/>
-              </a:rPr>
-              <a:t> print</a:t>
+              <a:t>// base-class pointer</a:t>
             </a:r>
             <a:endParaRPr lang="zh-TW" altLang="en-US" sz="2400" dirty="0">
               <a:latin typeface="Courier New" panose="02070309020205020404" pitchFamily="49" charset="0"/>
@@ -16018,32 +14832,189 @@
           </a:p>
           <a:p>
             <a:r>
-              <a:rPr lang="en-US" altLang="zh-TW" sz="2400" dirty="0" err="1" smtClean="0">
+              <a:rPr lang="en-US" altLang="zh-TW" sz="2400" dirty="0">
+                <a:latin typeface="Courier New" panose="02070309020205020404" pitchFamily="49" charset="0"/>
+                <a:cs typeface="Courier New" panose="02070309020205020404" pitchFamily="49" charset="0"/>
+              </a:rPr>
+              <a:t>Vector</a:t>
+            </a:r>
+            <a:r>
+              <a:rPr lang="zh-TW" altLang="en-US" sz="2400" dirty="0">
+                <a:latin typeface="Courier New" panose="02070309020205020404" pitchFamily="49" charset="0"/>
+                <a:cs typeface="Courier New" panose="02070309020205020404" pitchFamily="49" charset="0"/>
+              </a:rPr>
+              <a:t> *</a:t>
+            </a:r>
+            <a:r>
+              <a:rPr lang="en-US" altLang="zh-TW" sz="2400" dirty="0" err="1">
                 <a:latin typeface="Courier New" panose="02070309020205020404" pitchFamily="49" charset="0"/>
                 <a:cs typeface="Courier New" panose="02070309020205020404" pitchFamily="49" charset="0"/>
               </a:rPr>
               <a:t>vectorPtr</a:t>
             </a:r>
             <a:r>
-              <a:rPr lang="zh-TW" altLang="en-US" sz="2400" dirty="0" smtClean="0">
+              <a:rPr lang="zh-TW" altLang="en-US" sz="2400" dirty="0">
+                <a:latin typeface="Courier New" panose="02070309020205020404" pitchFamily="49" charset="0"/>
+                <a:cs typeface="Courier New" panose="02070309020205020404" pitchFamily="49" charset="0"/>
+              </a:rPr>
+              <a:t>; </a:t>
+            </a:r>
+            <a:r>
+              <a:rPr lang="zh-TW" altLang="en-US" sz="2400" dirty="0">
+                <a:solidFill>
+                  <a:srgbClr val="00B050"/>
+                </a:solidFill>
+                <a:latin typeface="Courier New" panose="02070309020205020404" pitchFamily="49" charset="0"/>
+                <a:cs typeface="Courier New" panose="02070309020205020404" pitchFamily="49" charset="0"/>
+              </a:rPr>
+              <a:t>// derived-class pointer</a:t>
+            </a:r>
+            <a:endParaRPr lang="en-US" altLang="zh-TW" sz="2400" dirty="0">
+              <a:latin typeface="Courier New" panose="02070309020205020404" pitchFamily="49" charset="0"/>
+              <a:cs typeface="Courier New" panose="02070309020205020404" pitchFamily="49" charset="0"/>
+            </a:endParaRPr>
+          </a:p>
+          <a:p>
+            <a:r>
+              <a:rPr lang="en-US" altLang="zh-TW" sz="2400" dirty="0" err="1">
+                <a:latin typeface="Courier New" panose="02070309020205020404" pitchFamily="49" charset="0"/>
+                <a:cs typeface="Courier New" panose="02070309020205020404" pitchFamily="49" charset="0"/>
+              </a:rPr>
+              <a:t>arrayPtr</a:t>
+            </a:r>
+            <a:r>
+              <a:rPr lang="zh-TW" altLang="en-US" sz="2400" dirty="0">
                 <a:latin typeface="Courier New" panose="02070309020205020404" pitchFamily="49" charset="0"/>
                 <a:cs typeface="Courier New" panose="02070309020205020404" pitchFamily="49" charset="0"/>
               </a:rPr>
               <a:t> = &amp;</a:t>
             </a:r>
             <a:r>
-              <a:rPr lang="en-US" altLang="zh-TW" sz="2400" dirty="0" smtClean="0">
+              <a:rPr lang="en-US" altLang="zh-TW" sz="2400" dirty="0">
                 <a:latin typeface="Courier New" panose="02070309020205020404" pitchFamily="49" charset="0"/>
                 <a:cs typeface="Courier New" panose="02070309020205020404" pitchFamily="49" charset="0"/>
               </a:rPr>
               <a:t>v</a:t>
             </a:r>
             <a:r>
-              <a:rPr lang="zh-TW" altLang="en-US" sz="2400" dirty="0" smtClean="0">
-                <a:latin typeface="Courier New" panose="02070309020205020404" pitchFamily="49" charset="0"/>
-                <a:cs typeface="Courier New" panose="02070309020205020404" pitchFamily="49" charset="0"/>
-              </a:rPr>
-              <a:t>;</a:t>
+              <a:rPr lang="zh-TW" altLang="en-US" sz="2400" dirty="0">
+                <a:latin typeface="Courier New" panose="02070309020205020404" pitchFamily="49" charset="0"/>
+                <a:cs typeface="Courier New" panose="02070309020205020404" pitchFamily="49" charset="0"/>
+              </a:rPr>
+              <a:t>;     </a:t>
+            </a:r>
+            <a:r>
+              <a:rPr lang="en-US" altLang="zh-TW" sz="2400" dirty="0">
+                <a:solidFill>
+                  <a:srgbClr val="00B050"/>
+                </a:solidFill>
+                <a:latin typeface="Courier New" panose="02070309020205020404" pitchFamily="49" charset="0"/>
+                <a:cs typeface="Courier New" panose="02070309020205020404" pitchFamily="49" charset="0"/>
+              </a:rPr>
+              <a:t>// point to v</a:t>
+            </a:r>
+          </a:p>
+          <a:p>
+            <a:r>
+              <a:rPr lang="en-US" altLang="zh-TW" sz="2400" dirty="0" err="1">
+                <a:latin typeface="Courier New" panose="02070309020205020404" pitchFamily="49" charset="0"/>
+                <a:cs typeface="Courier New" panose="02070309020205020404" pitchFamily="49" charset="0"/>
+              </a:rPr>
+              <a:t>arrayPtr</a:t>
+            </a:r>
+            <a:r>
+              <a:rPr lang="en-US" altLang="zh-TW" sz="2400" dirty="0">
+                <a:latin typeface="Courier New" panose="02070309020205020404" pitchFamily="49" charset="0"/>
+                <a:cs typeface="Courier New" panose="02070309020205020404" pitchFamily="49" charset="0"/>
+              </a:rPr>
+              <a:t> </a:t>
+            </a:r>
+            <a:r>
+              <a:rPr lang="zh-TW" altLang="en-US" sz="2400" dirty="0">
+                <a:solidFill>
+                  <a:srgbClr val="FF0000"/>
+                </a:solidFill>
+                <a:latin typeface="Courier New" panose="02070309020205020404" pitchFamily="49" charset="0"/>
+                <a:cs typeface="Courier New" panose="02070309020205020404" pitchFamily="49" charset="0"/>
+              </a:rPr>
+              <a:t>-&gt;</a:t>
+            </a:r>
+            <a:r>
+              <a:rPr lang="en-US" altLang="zh-TW" sz="2400" dirty="0">
+                <a:solidFill>
+                  <a:srgbClr val="FF0000"/>
+                </a:solidFill>
+                <a:latin typeface="Courier New" panose="02070309020205020404" pitchFamily="49" charset="0"/>
+                <a:cs typeface="Courier New" panose="02070309020205020404" pitchFamily="49" charset="0"/>
+              </a:rPr>
+              <a:t>print</a:t>
+            </a:r>
+            <a:r>
+              <a:rPr lang="zh-TW" altLang="en-US" sz="2400" dirty="0">
+                <a:solidFill>
+                  <a:srgbClr val="FF0000"/>
+                </a:solidFill>
+                <a:latin typeface="Courier New" panose="02070309020205020404" pitchFamily="49" charset="0"/>
+                <a:cs typeface="Courier New" panose="02070309020205020404" pitchFamily="49" charset="0"/>
+              </a:rPr>
+              <a:t>()</a:t>
+            </a:r>
+            <a:r>
+              <a:rPr lang="zh-TW" altLang="en-US" sz="2400" dirty="0">
+                <a:latin typeface="Courier New" panose="02070309020205020404" pitchFamily="49" charset="0"/>
+                <a:cs typeface="Courier New" panose="02070309020205020404" pitchFamily="49" charset="0"/>
+              </a:rPr>
+              <a:t>; </a:t>
+            </a:r>
+            <a:r>
+              <a:rPr lang="zh-TW" altLang="en-US" sz="2400" dirty="0">
+                <a:solidFill>
+                  <a:srgbClr val="00B050"/>
+                </a:solidFill>
+                <a:latin typeface="Courier New" panose="02070309020205020404" pitchFamily="49" charset="0"/>
+                <a:cs typeface="Courier New" panose="02070309020205020404" pitchFamily="49" charset="0"/>
+              </a:rPr>
+              <a:t>// </a:t>
+            </a:r>
+            <a:r>
+              <a:rPr lang="en-US" altLang="zh-TW" sz="2400" dirty="0">
+                <a:solidFill>
+                  <a:srgbClr val="00B050"/>
+                </a:solidFill>
+                <a:latin typeface="Courier New" panose="02070309020205020404" pitchFamily="49" charset="0"/>
+                <a:cs typeface="Courier New" panose="02070309020205020404" pitchFamily="49" charset="0"/>
+              </a:rPr>
+              <a:t>call</a:t>
+            </a:r>
+            <a:r>
+              <a:rPr lang="zh-TW" altLang="en-US" sz="2400" dirty="0">
+                <a:solidFill>
+                  <a:srgbClr val="00B050"/>
+                </a:solidFill>
+                <a:latin typeface="Courier New" panose="02070309020205020404" pitchFamily="49" charset="0"/>
+                <a:cs typeface="Courier New" panose="02070309020205020404" pitchFamily="49" charset="0"/>
+              </a:rPr>
+              <a:t> </a:t>
+            </a:r>
+            <a:r>
+              <a:rPr lang="en-US" altLang="zh-TW" sz="2400" u="sng" dirty="0">
+                <a:solidFill>
+                  <a:srgbClr val="00B050"/>
+                </a:solidFill>
+                <a:latin typeface="Courier New" panose="02070309020205020404" pitchFamily="49" charset="0"/>
+                <a:cs typeface="Courier New" panose="02070309020205020404" pitchFamily="49" charset="0"/>
+              </a:rPr>
+              <a:t>array</a:t>
+            </a:r>
+            <a:r>
+              <a:rPr lang="zh-TW" altLang="en-US" sz="2400" dirty="0">
+                <a:solidFill>
+                  <a:srgbClr val="00B050"/>
+                </a:solidFill>
+                <a:latin typeface="Courier New" panose="02070309020205020404" pitchFamily="49" charset="0"/>
+                <a:cs typeface="Courier New" panose="02070309020205020404" pitchFamily="49" charset="0"/>
+              </a:rPr>
+              <a:t> print</a:t>
             </a:r>
             <a:endParaRPr lang="zh-TW" altLang="en-US" sz="2400" dirty="0">
               <a:latin typeface="Courier New" panose="02070309020205020404" pitchFamily="49" charset="0"/>
@@ -16052,14 +15023,44 @@
           </a:p>
           <a:p>
             <a:r>
-              <a:rPr lang="en-US" altLang="zh-TW" sz="2400" dirty="0" err="1" smtClean="0">
+              <a:rPr lang="en-US" altLang="zh-TW" sz="2400" dirty="0" err="1">
                 <a:latin typeface="Courier New" panose="02070309020205020404" pitchFamily="49" charset="0"/>
                 <a:cs typeface="Courier New" panose="02070309020205020404" pitchFamily="49" charset="0"/>
               </a:rPr>
               <a:t>vectorPtr</a:t>
             </a:r>
             <a:r>
-              <a:rPr lang="zh-TW" altLang="en-US" sz="2400" dirty="0" smtClean="0">
+              <a:rPr lang="zh-TW" altLang="en-US" sz="2400" dirty="0">
+                <a:latin typeface="Courier New" panose="02070309020205020404" pitchFamily="49" charset="0"/>
+                <a:cs typeface="Courier New" panose="02070309020205020404" pitchFamily="49" charset="0"/>
+              </a:rPr>
+              <a:t> = &amp;</a:t>
+            </a:r>
+            <a:r>
+              <a:rPr lang="en-US" altLang="zh-TW" sz="2400" dirty="0">
+                <a:latin typeface="Courier New" panose="02070309020205020404" pitchFamily="49" charset="0"/>
+                <a:cs typeface="Courier New" panose="02070309020205020404" pitchFamily="49" charset="0"/>
+              </a:rPr>
+              <a:t>v</a:t>
+            </a:r>
+            <a:r>
+              <a:rPr lang="zh-TW" altLang="en-US" sz="2400" dirty="0">
+                <a:latin typeface="Courier New" panose="02070309020205020404" pitchFamily="49" charset="0"/>
+                <a:cs typeface="Courier New" panose="02070309020205020404" pitchFamily="49" charset="0"/>
+              </a:rPr>
+              <a:t>;</a:t>
+            </a:r>
+          </a:p>
+          <a:p>
+            <a:r>
+              <a:rPr lang="en-US" altLang="zh-TW" sz="2400" dirty="0" err="1">
+                <a:latin typeface="Courier New" panose="02070309020205020404" pitchFamily="49" charset="0"/>
+                <a:cs typeface="Courier New" panose="02070309020205020404" pitchFamily="49" charset="0"/>
+              </a:rPr>
+              <a:t>vectorPtr</a:t>
+            </a:r>
+            <a:r>
+              <a:rPr lang="zh-TW" altLang="en-US" sz="2400" dirty="0">
                 <a:solidFill>
                   <a:srgbClr val="FF0000"/>
                 </a:solidFill>
@@ -16069,7 +15070,7 @@
               <a:t>-&gt;</a:t>
             </a:r>
             <a:r>
-              <a:rPr lang="en-US" altLang="zh-TW" sz="2400" dirty="0" smtClean="0">
+              <a:rPr lang="en-US" altLang="zh-TW" sz="2400" dirty="0">
                 <a:solidFill>
                   <a:srgbClr val="FF0000"/>
                 </a:solidFill>
@@ -16079,31 +15080,41 @@
               <a:t>print</a:t>
             </a:r>
             <a:r>
-              <a:rPr lang="zh-TW" altLang="en-US" sz="2400" dirty="0" smtClean="0">
+              <a:rPr lang="zh-TW" altLang="en-US" sz="2400" dirty="0">
                 <a:solidFill>
                   <a:srgbClr val="FF0000"/>
                 </a:solidFill>
                 <a:latin typeface="Courier New" panose="02070309020205020404" pitchFamily="49" charset="0"/>
                 <a:cs typeface="Courier New" panose="02070309020205020404" pitchFamily="49" charset="0"/>
               </a:rPr>
-              <a:t>(</a:t>
+              <a:t>()</a:t>
             </a:r>
             <a:r>
               <a:rPr lang="zh-TW" altLang="en-US" sz="2400" dirty="0">
-                <a:solidFill>
-                  <a:srgbClr val="FF0000"/>
-                </a:solidFill>
-                <a:latin typeface="Courier New" panose="02070309020205020404" pitchFamily="49" charset="0"/>
-                <a:cs typeface="Courier New" panose="02070309020205020404" pitchFamily="49" charset="0"/>
-              </a:rPr>
-              <a:t>)</a:t>
+                <a:latin typeface="Courier New" panose="02070309020205020404" pitchFamily="49" charset="0"/>
+                <a:cs typeface="Courier New" panose="02070309020205020404" pitchFamily="49" charset="0"/>
+              </a:rPr>
+              <a:t>; </a:t>
             </a:r>
             <a:r>
               <a:rPr lang="zh-TW" altLang="en-US" sz="2400" dirty="0">
-                <a:latin typeface="Courier New" panose="02070309020205020404" pitchFamily="49" charset="0"/>
-                <a:cs typeface="Courier New" panose="02070309020205020404" pitchFamily="49" charset="0"/>
-              </a:rPr>
-              <a:t>; </a:t>
+                <a:solidFill>
+                  <a:srgbClr val="00B050"/>
+                </a:solidFill>
+                <a:latin typeface="Courier New" panose="02070309020205020404" pitchFamily="49" charset="0"/>
+                <a:cs typeface="Courier New" panose="02070309020205020404" pitchFamily="49" charset="0"/>
+              </a:rPr>
+              <a:t>// </a:t>
+            </a:r>
+            <a:r>
+              <a:rPr lang="en-US" altLang="zh-TW" sz="2400" dirty="0">
+                <a:solidFill>
+                  <a:srgbClr val="00B050"/>
+                </a:solidFill>
+                <a:latin typeface="Courier New" panose="02070309020205020404" pitchFamily="49" charset="0"/>
+                <a:cs typeface="Courier New" panose="02070309020205020404" pitchFamily="49" charset="0"/>
+              </a:rPr>
+              <a:t>call</a:t>
             </a:r>
             <a:r>
               <a:rPr lang="zh-TW" altLang="en-US" sz="2400" dirty="0">
@@ -16113,57 +15124,27 @@
                 <a:latin typeface="Courier New" panose="02070309020205020404" pitchFamily="49" charset="0"/>
                 <a:cs typeface="Courier New" panose="02070309020205020404" pitchFamily="49" charset="0"/>
               </a:rPr>
-              <a:t>// </a:t>
-            </a:r>
-            <a:r>
-              <a:rPr lang="en-US" altLang="zh-TW" sz="2400" dirty="0" smtClean="0">
+              <a:t> </a:t>
+            </a:r>
+            <a:r>
+              <a:rPr lang="en-US" altLang="zh-TW" sz="2400" u="sng" dirty="0">
                 <a:solidFill>
                   <a:srgbClr val="00B050"/>
                 </a:solidFill>
                 <a:latin typeface="Courier New" panose="02070309020205020404" pitchFamily="49" charset="0"/>
                 <a:cs typeface="Courier New" panose="02070309020205020404" pitchFamily="49" charset="0"/>
               </a:rPr>
-              <a:t>call</a:t>
-            </a:r>
-            <a:r>
-              <a:rPr lang="zh-TW" altLang="en-US" sz="2400" dirty="0" smtClean="0">
+              <a:t>vector</a:t>
+            </a:r>
+            <a:r>
+              <a:rPr lang="zh-TW" altLang="en-US" sz="2400" dirty="0">
                 <a:solidFill>
                   <a:srgbClr val="00B050"/>
                 </a:solidFill>
                 <a:latin typeface="Courier New" panose="02070309020205020404" pitchFamily="49" charset="0"/>
                 <a:cs typeface="Courier New" panose="02070309020205020404" pitchFamily="49" charset="0"/>
               </a:rPr>
-              <a:t> </a:t>
-            </a:r>
-            <a:r>
-              <a:rPr lang="en-US" altLang="zh-TW" sz="2400" u="sng" dirty="0" smtClean="0">
-                <a:solidFill>
-                  <a:srgbClr val="00B050"/>
-                </a:solidFill>
-                <a:latin typeface="Courier New" panose="02070309020205020404" pitchFamily="49" charset="0"/>
-                <a:cs typeface="Courier New" panose="02070309020205020404" pitchFamily="49" charset="0"/>
-              </a:rPr>
-              <a:t>vector</a:t>
-            </a:r>
-            <a:r>
-              <a:rPr lang="zh-TW" altLang="en-US" sz="2400" dirty="0" smtClean="0">
-                <a:solidFill>
-                  <a:srgbClr val="00B050"/>
-                </a:solidFill>
-                <a:latin typeface="Courier New" panose="02070309020205020404" pitchFamily="49" charset="0"/>
-                <a:cs typeface="Courier New" panose="02070309020205020404" pitchFamily="49" charset="0"/>
-              </a:rPr>
-              <a:t> </a:t>
-            </a:r>
-            <a:r>
-              <a:rPr lang="zh-TW" altLang="en-US" sz="2400" dirty="0">
-                <a:solidFill>
-                  <a:srgbClr val="00B050"/>
-                </a:solidFill>
-                <a:latin typeface="Courier New" panose="02070309020205020404" pitchFamily="49" charset="0"/>
-                <a:cs typeface="Courier New" panose="02070309020205020404" pitchFamily="49" charset="0"/>
-              </a:rPr>
-              <a:t>print</a:t>
+              <a:t> print</a:t>
             </a:r>
             <a:endParaRPr lang="zh-TW" altLang="en-US" sz="2400" dirty="0">
               <a:latin typeface="Courier New" panose="02070309020205020404" pitchFamily="49" charset="0"/>
@@ -16182,13 +15163,6 @@
   <p:clrMapOvr>
     <a:masterClrMapping/>
   </p:clrMapOvr>
-  <p:timing>
-    <p:tnLst>
-      <p:par>
-        <p:cTn id="1" dur="indefinite" restart="never" nodeType="tmRoot"/>
-      </p:par>
-    </p:tnLst>
-  </p:timing>
 </p:sld>
 </file>
 
@@ -16245,20 +15219,8 @@
           </a:p>
           <a:p>
             <a:r>
-              <a:rPr lang="en-US" altLang="zh-TW" dirty="0" smtClean="0"/>
-              <a:t>Which function is </a:t>
-            </a:r>
-            <a:r>
               <a:rPr lang="en-US" altLang="zh-TW" dirty="0"/>
-              <a:t>invoked </a:t>
-            </a:r>
-            <a:r>
-              <a:rPr lang="en-US" altLang="zh-TW" dirty="0" smtClean="0"/>
-              <a:t>depends </a:t>
-            </a:r>
-            <a:r>
-              <a:rPr lang="en-US" altLang="zh-TW" dirty="0"/>
-              <a:t>on </a:t>
+              <a:t>Which function is invoked depends on </a:t>
             </a:r>
             <a:r>
               <a:rPr lang="en-US" altLang="zh-TW" dirty="0">
@@ -16272,22 +15234,16 @@
               <a:rPr lang="en-US" altLang="zh-TW" dirty="0"/>
               <a:t>(or reference) used to invoke the function, not the type of the object for which the member function is called. </a:t>
             </a:r>
-            <a:endParaRPr lang="en-US" altLang="zh-TW" dirty="0" smtClean="0"/>
-          </a:p>
-          <a:p>
-            <a:r>
-              <a:rPr lang="en-US" altLang="zh-TW" b="1" dirty="0" smtClean="0">
+          </a:p>
+          <a:p>
+            <a:r>
+              <a:rPr lang="en-US" altLang="zh-TW" b="1" dirty="0">
                 <a:solidFill>
                   <a:srgbClr val="FF0000"/>
                 </a:solidFill>
               </a:rPr>
               <a:t>The inverse (D-&gt;B) is not allowed</a:t>
             </a:r>
-            <a:endParaRPr lang="en-US" altLang="zh-TW" b="1" dirty="0">
-              <a:solidFill>
-                <a:srgbClr val="FF0000"/>
-              </a:solidFill>
-            </a:endParaRPr>
           </a:p>
         </p:txBody>
       </p:sp>
@@ -16307,7 +15263,7 @@
           <a:lstStyle/>
           <a:p>
             <a:r>
-              <a:rPr lang="en-US" altLang="zh-TW" dirty="0" smtClean="0"/>
+              <a:rPr lang="en-US" altLang="zh-TW" dirty="0"/>
               <a:t>Why?</a:t>
             </a:r>
             <a:endParaRPr lang="zh-TW" altLang="en-US" dirty="0"/>
@@ -16324,13 +15280,6 @@
   <p:clrMapOvr>
     <a:masterClrMapping/>
   </p:clrMapOvr>
-  <p:timing>
-    <p:tnLst>
-      <p:par>
-        <p:cTn id="1" dur="indefinite" restart="never" nodeType="tmRoot"/>
-      </p:par>
-    </p:tnLst>
-  </p:timing>
 </p:sld>
 </file>
 
@@ -16369,11 +15318,11 @@
           <a:lstStyle/>
           <a:p>
             <a:r>
-              <a:rPr lang="en-US" altLang="zh-TW" dirty="0" smtClean="0"/>
+              <a:rPr lang="en-US" altLang="zh-TW" dirty="0"/>
               <a:t>Can the base class pointer, pointing to a derived object, invoke the functions defined in the derived class? (</a:t>
             </a:r>
             <a:r>
-              <a:rPr lang="en-US" altLang="zh-TW" dirty="0" smtClean="0">
+              <a:rPr lang="en-US" altLang="zh-TW" dirty="0">
                 <a:solidFill>
                   <a:srgbClr val="FF0000"/>
                 </a:solidFill>
@@ -16381,7 +15330,7 @@
               <a:t>function override</a:t>
             </a:r>
             <a:r>
-              <a:rPr lang="en-US" altLang="zh-TW" dirty="0" smtClean="0"/>
+              <a:rPr lang="en-US" altLang="zh-TW" dirty="0"/>
               <a:t>)</a:t>
             </a:r>
           </a:p>
@@ -16389,7 +15338,7 @@
             <a:endParaRPr lang="en-US" altLang="zh-TW" dirty="0"/>
           </a:p>
           <a:p>
-            <a:endParaRPr lang="en-US" altLang="zh-TW" dirty="0" smtClean="0"/>
+            <a:endParaRPr lang="en-US" altLang="zh-TW" dirty="0"/>
           </a:p>
         </p:txBody>
       </p:sp>
@@ -16409,7 +15358,7 @@
           <a:lstStyle/>
           <a:p>
             <a:r>
-              <a:rPr lang="en-US" altLang="zh-TW" dirty="0" smtClean="0"/>
+              <a:rPr lang="en-US" altLang="zh-TW" dirty="0"/>
               <a:t>Function override</a:t>
             </a:r>
             <a:endParaRPr lang="zh-TW" altLang="en-US" dirty="0"/>
@@ -16426,13 +15375,6 @@
   <p:clrMapOvr>
     <a:masterClrMapping/>
   </p:clrMapOvr>
-  <p:timing>
-    <p:tnLst>
-      <p:par>
-        <p:cTn id="1" dur="indefinite" restart="never" nodeType="tmRoot"/>
-      </p:par>
-    </p:tnLst>
-  </p:timing>
 </p:sld>
 </file>
 
@@ -16525,7 +15467,7 @@
           <a:lstStyle/>
           <a:p>
             <a:r>
-              <a:rPr lang="en-US" altLang="zh-TW" dirty="0" smtClean="0"/>
+              <a:rPr lang="en-US" altLang="zh-TW" dirty="0"/>
               <a:t>Virtual function</a:t>
             </a:r>
             <a:endParaRPr lang="zh-TW" altLang="en-US" dirty="0"/>
@@ -16542,13 +15484,6 @@
   <p:clrMapOvr>
     <a:masterClrMapping/>
   </p:clrMapOvr>
-  <p:timing>
-    <p:tnLst>
-      <p:par>
-        <p:cTn id="1" dur="indefinite" restart="never" nodeType="tmRoot"/>
-      </p:par>
-    </p:tnLst>
-  </p:timing>
 </p:sld>
 </file>
 
@@ -16600,23 +15535,7 @@
             </a:r>
             <a:r>
               <a:rPr lang="en-US" altLang="zh-TW" dirty="0"/>
-              <a:t> function through a base-class pointer to a derived-class object </a:t>
-            </a:r>
-            <a:r>
-              <a:rPr lang="en-US" altLang="zh-TW" dirty="0" smtClean="0"/>
-              <a:t>(or </a:t>
-            </a:r>
-            <a:r>
-              <a:rPr lang="en-US" altLang="zh-TW" dirty="0"/>
-              <a:t>a base-class reference to a derived-class </a:t>
-            </a:r>
-            <a:r>
-              <a:rPr lang="en-US" altLang="zh-TW" dirty="0" smtClean="0"/>
-              <a:t>object), </a:t>
-            </a:r>
-            <a:r>
-              <a:rPr lang="en-US" altLang="zh-TW" dirty="0"/>
-              <a:t>the program will choose the correct derived-class function dynamically (i.e., at execution time) based on the </a:t>
+              <a:t> function through a base-class pointer to a derived-class object (or a base-class reference to a derived-class object), the program will choose the correct derived-class function dynamically (i.e., at execution time) based on the </a:t>
             </a:r>
             <a:r>
               <a:rPr lang="en-US" altLang="zh-TW" dirty="0">
@@ -16634,12 +15553,8 @@
           <a:p>
             <a:pPr lvl="1"/>
             <a:r>
-              <a:rPr lang="en-US" altLang="zh-TW" dirty="0" smtClean="0"/>
-              <a:t>Also called dynamic </a:t>
-            </a:r>
-            <a:r>
               <a:rPr lang="en-US" altLang="zh-TW" dirty="0"/>
-              <a:t>binding or late binding.</a:t>
+              <a:t>Also called dynamic binding or late binding.</a:t>
             </a:r>
           </a:p>
           <a:p>
@@ -16663,7 +15578,7 @@
           <a:lstStyle/>
           <a:p>
             <a:r>
-              <a:rPr lang="en-US" altLang="zh-TW" dirty="0" smtClean="0"/>
+              <a:rPr lang="en-US" altLang="zh-TW" dirty="0"/>
               <a:t>Polymorphism </a:t>
             </a:r>
             <a:endParaRPr lang="zh-TW" altLang="en-US" dirty="0"/>
@@ -16680,13 +15595,6 @@
   <p:clrMapOvr>
     <a:masterClrMapping/>
   </p:clrMapOvr>
-  <p:timing>
-    <p:tnLst>
-      <p:par>
-        <p:cTn id="1" dur="indefinite" restart="never" nodeType="tmRoot"/>
-      </p:par>
-    </p:tnLst>
-  </p:timing>
 </p:sld>
 </file>
 
